--- a/BDA_IFM/01-Introduction.pptx
+++ b/BDA_IFM/01-Introduction.pptx
@@ -238,7 +238,7 @@
           <a:p>
             <a:fld id="{268AB6CE-CE31-4FC7-8557-3932745726D8}" type="datetimeFigureOut">
               <a:rPr lang="zh-TW" altLang="en-US" smtClean="0"/>
-              <a:t>2023/9/20</a:t>
+              <a:t>2024/9/20</a:t>
             </a:fld>
             <a:endParaRPr lang="zh-TW" altLang="en-US"/>
           </a:p>
@@ -403,7 +403,7 @@
           <a:p>
             <a:fld id="{E076803C-FB85-4950-83A3-179C4E383B40}" type="datetimeFigureOut">
               <a:rPr lang="zh-TW" altLang="en-US" smtClean="0"/>
-              <a:t>2023/9/20</a:t>
+              <a:t>2024/9/20</a:t>
             </a:fld>
             <a:endParaRPr lang="zh-TW" altLang="en-US"/>
           </a:p>
@@ -467,38 +467,37 @@
           <a:p>
             <a:pPr lvl="0"/>
             <a:r>
-              <a:rPr lang="zh-TW" altLang="en-US" smtClean="0"/>
+              <a:rPr lang="zh-TW" altLang="en-US"/>
               <a:t>按一下以編輯母片文字樣式</a:t>
             </a:r>
           </a:p>
           <a:p>
             <a:pPr lvl="1"/>
             <a:r>
-              <a:rPr lang="zh-TW" altLang="en-US" smtClean="0"/>
+              <a:rPr lang="zh-TW" altLang="en-US"/>
               <a:t>第二層</a:t>
             </a:r>
           </a:p>
           <a:p>
             <a:pPr lvl="2"/>
             <a:r>
-              <a:rPr lang="zh-TW" altLang="en-US" smtClean="0"/>
+              <a:rPr lang="zh-TW" altLang="en-US"/>
               <a:t>第三層</a:t>
             </a:r>
           </a:p>
           <a:p>
             <a:pPr lvl="3"/>
             <a:r>
-              <a:rPr lang="zh-TW" altLang="en-US" smtClean="0"/>
+              <a:rPr lang="zh-TW" altLang="en-US"/>
               <a:t>第四層</a:t>
             </a:r>
           </a:p>
           <a:p>
             <a:pPr lvl="4"/>
             <a:r>
-              <a:rPr lang="zh-TW" altLang="en-US" smtClean="0"/>
+              <a:rPr lang="zh-TW" altLang="en-US"/>
               <a:t>第五層</a:t>
             </a:r>
-            <a:endParaRPr lang="zh-TW" altLang="en-US"/>
           </a:p>
         </p:txBody>
       </p:sp>
@@ -884,7 +883,7 @@
           <a:lstStyle/>
           <a:p>
             <a:pPr eaLnBrk="1" hangingPunct="1"/>
-            <a:endParaRPr lang="zh-TW" altLang="zh-TW" smtClean="0"/>
+            <a:endParaRPr lang="zh-TW" altLang="zh-TW"/>
           </a:p>
         </p:txBody>
       </p:sp>
@@ -1114,7 +1113,7 @@
           <a:lstStyle/>
           <a:p>
             <a:pPr eaLnBrk="1" hangingPunct="1"/>
-            <a:endParaRPr lang="zh-TW" altLang="zh-TW" smtClean="0"/>
+            <a:endParaRPr lang="zh-TW" altLang="zh-TW"/>
           </a:p>
         </p:txBody>
       </p:sp>
@@ -1428,7 +1427,7 @@
           <a:lstStyle/>
           <a:p>
             <a:pPr eaLnBrk="1" hangingPunct="1"/>
-            <a:endParaRPr lang="zh-TW" altLang="zh-TW" smtClean="0"/>
+            <a:endParaRPr lang="zh-TW" altLang="zh-TW"/>
           </a:p>
         </p:txBody>
       </p:sp>
@@ -1658,7 +1657,7 @@
           <a:lstStyle/>
           <a:p>
             <a:pPr eaLnBrk="1" hangingPunct="1"/>
-            <a:endParaRPr lang="zh-TW" altLang="zh-TW" smtClean="0"/>
+            <a:endParaRPr lang="zh-TW" altLang="zh-TW"/>
           </a:p>
         </p:txBody>
       </p:sp>
@@ -1888,7 +1887,7 @@
           <a:lstStyle/>
           <a:p>
             <a:pPr eaLnBrk="1" hangingPunct="1"/>
-            <a:endParaRPr lang="zh-TW" altLang="zh-TW" smtClean="0"/>
+            <a:endParaRPr lang="zh-TW" altLang="zh-TW"/>
           </a:p>
         </p:txBody>
       </p:sp>
@@ -2118,7 +2117,7 @@
           <a:lstStyle/>
           <a:p>
             <a:pPr eaLnBrk="1" hangingPunct="1"/>
-            <a:endParaRPr lang="zh-TW" altLang="zh-TW" smtClean="0"/>
+            <a:endParaRPr lang="zh-TW" altLang="zh-TW"/>
           </a:p>
         </p:txBody>
       </p:sp>
@@ -2177,10 +2176,9 @@
           </a:lstStyle>
           <a:p>
             <a:r>
-              <a:rPr lang="zh-TW" altLang="en-US" smtClean="0"/>
+              <a:rPr lang="zh-TW" altLang="en-US"/>
               <a:t>按一下以編輯母片標題樣式</a:t>
             </a:r>
-            <a:endParaRPr lang="zh-TW" altLang="en-US"/>
           </a:p>
         </p:txBody>
       </p:sp>
@@ -2242,10 +2240,9 @@
           </a:lstStyle>
           <a:p>
             <a:r>
-              <a:rPr lang="zh-TW" altLang="en-US" smtClean="0"/>
+              <a:rPr lang="zh-TW" altLang="en-US"/>
               <a:t>按一下以編輯母片副標題樣式</a:t>
             </a:r>
-            <a:endParaRPr lang="zh-TW" altLang="en-US"/>
           </a:p>
         </p:txBody>
       </p:sp>
@@ -2265,8 +2262,8 @@
           <a:lstStyle/>
           <a:p>
             <a:r>
-              <a:rPr lang="en-US" altLang="zh-TW" smtClean="0"/>
-              <a:t>Big Data Analytics, Fall 2023</a:t>
+              <a:rPr lang="en-US" altLang="zh-TW"/>
+              <a:t>Big Data Analytics, Fall 2024</a:t>
             </a:r>
             <a:endParaRPr lang="zh-TW" altLang="en-US"/>
           </a:p>
@@ -2288,8 +2285,8 @@
           <a:lstStyle/>
           <a:p>
             <a:r>
-              <a:rPr lang="en-US" altLang="zh-TW" smtClean="0"/>
-              <a:t>IMBA</a:t>
+              <a:rPr lang="en-US" altLang="zh-TW"/>
+              <a:t>IFM</a:t>
             </a:r>
             <a:endParaRPr lang="zh-TW" altLang="en-US"/>
           </a:p>
@@ -2364,10 +2361,9 @@
           <a:lstStyle/>
           <a:p>
             <a:r>
-              <a:rPr lang="zh-TW" altLang="en-US" smtClean="0"/>
+              <a:rPr lang="zh-TW" altLang="en-US"/>
               <a:t>按一下以編輯母片標題樣式</a:t>
             </a:r>
-            <a:endParaRPr lang="zh-TW" altLang="en-US"/>
           </a:p>
         </p:txBody>
       </p:sp>
@@ -2388,38 +2384,37 @@
           <a:p>
             <a:pPr lvl="0"/>
             <a:r>
-              <a:rPr lang="zh-TW" altLang="en-US" smtClean="0"/>
+              <a:rPr lang="zh-TW" altLang="en-US"/>
               <a:t>按一下以編輯母片文字樣式</a:t>
             </a:r>
           </a:p>
           <a:p>
             <a:pPr lvl="1"/>
             <a:r>
-              <a:rPr lang="zh-TW" altLang="en-US" smtClean="0"/>
+              <a:rPr lang="zh-TW" altLang="en-US"/>
               <a:t>第二層</a:t>
             </a:r>
           </a:p>
           <a:p>
             <a:pPr lvl="2"/>
             <a:r>
-              <a:rPr lang="zh-TW" altLang="en-US" smtClean="0"/>
+              <a:rPr lang="zh-TW" altLang="en-US"/>
               <a:t>第三層</a:t>
             </a:r>
           </a:p>
           <a:p>
             <a:pPr lvl="3"/>
             <a:r>
-              <a:rPr lang="zh-TW" altLang="en-US" smtClean="0"/>
+              <a:rPr lang="zh-TW" altLang="en-US"/>
               <a:t>第四層</a:t>
             </a:r>
           </a:p>
           <a:p>
             <a:pPr lvl="4"/>
             <a:r>
-              <a:rPr lang="zh-TW" altLang="en-US" smtClean="0"/>
+              <a:rPr lang="zh-TW" altLang="en-US"/>
               <a:t>第五層</a:t>
             </a:r>
-            <a:endParaRPr lang="zh-TW" altLang="en-US"/>
           </a:p>
         </p:txBody>
       </p:sp>
@@ -2439,8 +2434,8 @@
           <a:lstStyle/>
           <a:p>
             <a:r>
-              <a:rPr lang="en-US" altLang="zh-TW" smtClean="0"/>
-              <a:t>Big Data Analytics, Fall 2023</a:t>
+              <a:rPr lang="en-US" altLang="zh-TW"/>
+              <a:t>Big Data Analytics, Fall 2024</a:t>
             </a:r>
             <a:endParaRPr lang="zh-TW" altLang="en-US"/>
           </a:p>
@@ -2462,8 +2457,8 @@
           <a:lstStyle/>
           <a:p>
             <a:r>
-              <a:rPr lang="en-US" altLang="zh-TW" smtClean="0"/>
-              <a:t>IMBA</a:t>
+              <a:rPr lang="en-US" altLang="zh-TW"/>
+              <a:t>IFM</a:t>
             </a:r>
             <a:endParaRPr lang="zh-TW" altLang="en-US"/>
           </a:p>
@@ -2543,10 +2538,9 @@
           <a:lstStyle/>
           <a:p>
             <a:r>
-              <a:rPr lang="zh-TW" altLang="en-US" smtClean="0"/>
+              <a:rPr lang="zh-TW" altLang="en-US"/>
               <a:t>按一下以編輯母片標題樣式</a:t>
             </a:r>
-            <a:endParaRPr lang="zh-TW" altLang="en-US"/>
           </a:p>
         </p:txBody>
       </p:sp>
@@ -2572,38 +2566,37 @@
           <a:p>
             <a:pPr lvl="0"/>
             <a:r>
-              <a:rPr lang="zh-TW" altLang="en-US" smtClean="0"/>
+              <a:rPr lang="zh-TW" altLang="en-US"/>
               <a:t>按一下以編輯母片文字樣式</a:t>
             </a:r>
           </a:p>
           <a:p>
             <a:pPr lvl="1"/>
             <a:r>
-              <a:rPr lang="zh-TW" altLang="en-US" smtClean="0"/>
+              <a:rPr lang="zh-TW" altLang="en-US"/>
               <a:t>第二層</a:t>
             </a:r>
           </a:p>
           <a:p>
             <a:pPr lvl="2"/>
             <a:r>
-              <a:rPr lang="zh-TW" altLang="en-US" smtClean="0"/>
+              <a:rPr lang="zh-TW" altLang="en-US"/>
               <a:t>第三層</a:t>
             </a:r>
           </a:p>
           <a:p>
             <a:pPr lvl="3"/>
             <a:r>
-              <a:rPr lang="zh-TW" altLang="en-US" smtClean="0"/>
+              <a:rPr lang="zh-TW" altLang="en-US"/>
               <a:t>第四層</a:t>
             </a:r>
           </a:p>
           <a:p>
             <a:pPr lvl="4"/>
             <a:r>
-              <a:rPr lang="zh-TW" altLang="en-US" smtClean="0"/>
+              <a:rPr lang="zh-TW" altLang="en-US"/>
               <a:t>第五層</a:t>
             </a:r>
-            <a:endParaRPr lang="zh-TW" altLang="en-US"/>
           </a:p>
         </p:txBody>
       </p:sp>
@@ -2623,8 +2616,8 @@
           <a:lstStyle/>
           <a:p>
             <a:r>
-              <a:rPr lang="en-US" altLang="zh-TW" smtClean="0"/>
-              <a:t>Big Data Analytics, Fall 2023</a:t>
+              <a:rPr lang="en-US" altLang="zh-TW"/>
+              <a:t>Big Data Analytics, Fall 2024</a:t>
             </a:r>
             <a:endParaRPr lang="zh-TW" altLang="en-US"/>
           </a:p>
@@ -2646,8 +2639,8 @@
           <a:lstStyle/>
           <a:p>
             <a:r>
-              <a:rPr lang="en-US" altLang="zh-TW" smtClean="0"/>
-              <a:t>IMBA</a:t>
+              <a:rPr lang="en-US" altLang="zh-TW"/>
+              <a:t>IFM</a:t>
             </a:r>
             <a:endParaRPr lang="zh-TW" altLang="en-US"/>
           </a:p>
@@ -2722,10 +2715,9 @@
           <a:lstStyle/>
           <a:p>
             <a:r>
-              <a:rPr lang="zh-TW" altLang="en-US" smtClean="0"/>
+              <a:rPr lang="zh-TW" altLang="en-US"/>
               <a:t>按一下以編輯母片標題樣式</a:t>
             </a:r>
-            <a:endParaRPr lang="zh-TW" altLang="en-US"/>
           </a:p>
         </p:txBody>
       </p:sp>
@@ -2746,38 +2738,37 @@
           <a:p>
             <a:pPr lvl="0"/>
             <a:r>
-              <a:rPr lang="zh-TW" altLang="en-US" smtClean="0"/>
+              <a:rPr lang="zh-TW" altLang="en-US"/>
               <a:t>按一下以編輯母片文字樣式</a:t>
             </a:r>
           </a:p>
           <a:p>
             <a:pPr lvl="1"/>
             <a:r>
-              <a:rPr lang="zh-TW" altLang="en-US" smtClean="0"/>
+              <a:rPr lang="zh-TW" altLang="en-US"/>
               <a:t>第二層</a:t>
             </a:r>
           </a:p>
           <a:p>
             <a:pPr lvl="2"/>
             <a:r>
-              <a:rPr lang="zh-TW" altLang="en-US" smtClean="0"/>
+              <a:rPr lang="zh-TW" altLang="en-US"/>
               <a:t>第三層</a:t>
             </a:r>
           </a:p>
           <a:p>
             <a:pPr lvl="3"/>
             <a:r>
-              <a:rPr lang="zh-TW" altLang="en-US" smtClean="0"/>
+              <a:rPr lang="zh-TW" altLang="en-US"/>
               <a:t>第四層</a:t>
             </a:r>
           </a:p>
           <a:p>
             <a:pPr lvl="4"/>
             <a:r>
-              <a:rPr lang="zh-TW" altLang="en-US" smtClean="0"/>
+              <a:rPr lang="zh-TW" altLang="en-US"/>
               <a:t>第五層</a:t>
             </a:r>
-            <a:endParaRPr lang="zh-TW" altLang="en-US"/>
           </a:p>
         </p:txBody>
       </p:sp>
@@ -2797,8 +2788,8 @@
           <a:lstStyle/>
           <a:p>
             <a:r>
-              <a:rPr lang="en-US" altLang="zh-TW" smtClean="0"/>
-              <a:t>Big Data Analytics, Fall 2023</a:t>
+              <a:rPr lang="en-US" altLang="zh-TW"/>
+              <a:t>Big Data Analytics, Fall 2024</a:t>
             </a:r>
             <a:endParaRPr lang="zh-TW" altLang="en-US"/>
           </a:p>
@@ -2820,8 +2811,8 @@
           <a:lstStyle/>
           <a:p>
             <a:r>
-              <a:rPr lang="en-US" altLang="zh-TW" smtClean="0"/>
-              <a:t>IMBA</a:t>
+              <a:rPr lang="en-US" altLang="zh-TW"/>
+              <a:t>IFM</a:t>
             </a:r>
             <a:endParaRPr lang="zh-TW" altLang="en-US"/>
           </a:p>
@@ -2905,10 +2896,9 @@
           </a:lstStyle>
           <a:p>
             <a:r>
-              <a:rPr lang="zh-TW" altLang="en-US" smtClean="0"/>
+              <a:rPr lang="zh-TW" altLang="en-US"/>
               <a:t>按一下以編輯母片標題樣式</a:t>
             </a:r>
-            <a:endParaRPr lang="zh-TW" altLang="en-US"/>
           </a:p>
         </p:txBody>
       </p:sp>
@@ -3025,7 +3015,7 @@
           <a:p>
             <a:pPr lvl="0"/>
             <a:r>
-              <a:rPr lang="zh-TW" altLang="en-US" smtClean="0"/>
+              <a:rPr lang="zh-TW" altLang="en-US"/>
               <a:t>按一下以編輯母片文字樣式</a:t>
             </a:r>
           </a:p>
@@ -3047,8 +3037,8 @@
           <a:lstStyle/>
           <a:p>
             <a:r>
-              <a:rPr lang="en-US" altLang="zh-TW" smtClean="0"/>
-              <a:t>Big Data Analytics, Fall 2023</a:t>
+              <a:rPr lang="en-US" altLang="zh-TW"/>
+              <a:t>Big Data Analytics, Fall 2024</a:t>
             </a:r>
             <a:endParaRPr lang="zh-TW" altLang="en-US"/>
           </a:p>
@@ -3070,8 +3060,8 @@
           <a:lstStyle/>
           <a:p>
             <a:r>
-              <a:rPr lang="en-US" altLang="zh-TW" smtClean="0"/>
-              <a:t>IMBA</a:t>
+              <a:rPr lang="en-US" altLang="zh-TW"/>
+              <a:t>IFM</a:t>
             </a:r>
             <a:endParaRPr lang="zh-TW" altLang="en-US"/>
           </a:p>
@@ -3146,10 +3136,9 @@
           <a:lstStyle/>
           <a:p>
             <a:r>
-              <a:rPr lang="zh-TW" altLang="en-US" smtClean="0"/>
+              <a:rPr lang="zh-TW" altLang="en-US"/>
               <a:t>按一下以編輯母片標題樣式</a:t>
             </a:r>
-            <a:endParaRPr lang="zh-TW" altLang="en-US"/>
           </a:p>
         </p:txBody>
       </p:sp>
@@ -3175,38 +3164,37 @@
           <a:p>
             <a:pPr lvl="0"/>
             <a:r>
-              <a:rPr lang="zh-TW" altLang="en-US" smtClean="0"/>
+              <a:rPr lang="zh-TW" altLang="en-US"/>
               <a:t>按一下以編輯母片文字樣式</a:t>
             </a:r>
           </a:p>
           <a:p>
             <a:pPr lvl="1"/>
             <a:r>
-              <a:rPr lang="zh-TW" altLang="en-US" smtClean="0"/>
+              <a:rPr lang="zh-TW" altLang="en-US"/>
               <a:t>第二層</a:t>
             </a:r>
           </a:p>
           <a:p>
             <a:pPr lvl="2"/>
             <a:r>
-              <a:rPr lang="zh-TW" altLang="en-US" smtClean="0"/>
+              <a:rPr lang="zh-TW" altLang="en-US"/>
               <a:t>第三層</a:t>
             </a:r>
           </a:p>
           <a:p>
             <a:pPr lvl="3"/>
             <a:r>
-              <a:rPr lang="zh-TW" altLang="en-US" smtClean="0"/>
+              <a:rPr lang="zh-TW" altLang="en-US"/>
               <a:t>第四層</a:t>
             </a:r>
           </a:p>
           <a:p>
             <a:pPr lvl="4"/>
             <a:r>
-              <a:rPr lang="zh-TW" altLang="en-US" smtClean="0"/>
+              <a:rPr lang="zh-TW" altLang="en-US"/>
               <a:t>第五層</a:t>
             </a:r>
-            <a:endParaRPr lang="zh-TW" altLang="en-US"/>
           </a:p>
         </p:txBody>
       </p:sp>
@@ -3232,38 +3220,37 @@
           <a:p>
             <a:pPr lvl="0"/>
             <a:r>
-              <a:rPr lang="zh-TW" altLang="en-US" smtClean="0"/>
+              <a:rPr lang="zh-TW" altLang="en-US"/>
               <a:t>按一下以編輯母片文字樣式</a:t>
             </a:r>
           </a:p>
           <a:p>
             <a:pPr lvl="1"/>
             <a:r>
-              <a:rPr lang="zh-TW" altLang="en-US" smtClean="0"/>
+              <a:rPr lang="zh-TW" altLang="en-US"/>
               <a:t>第二層</a:t>
             </a:r>
           </a:p>
           <a:p>
             <a:pPr lvl="2"/>
             <a:r>
-              <a:rPr lang="zh-TW" altLang="en-US" smtClean="0"/>
+              <a:rPr lang="zh-TW" altLang="en-US"/>
               <a:t>第三層</a:t>
             </a:r>
           </a:p>
           <a:p>
             <a:pPr lvl="3"/>
             <a:r>
-              <a:rPr lang="zh-TW" altLang="en-US" smtClean="0"/>
+              <a:rPr lang="zh-TW" altLang="en-US"/>
               <a:t>第四層</a:t>
             </a:r>
           </a:p>
           <a:p>
             <a:pPr lvl="4"/>
             <a:r>
-              <a:rPr lang="zh-TW" altLang="en-US" smtClean="0"/>
+              <a:rPr lang="zh-TW" altLang="en-US"/>
               <a:t>第五層</a:t>
             </a:r>
-            <a:endParaRPr lang="zh-TW" altLang="en-US"/>
           </a:p>
         </p:txBody>
       </p:sp>
@@ -3283,8 +3270,8 @@
           <a:lstStyle/>
           <a:p>
             <a:r>
-              <a:rPr lang="en-US" altLang="zh-TW" smtClean="0"/>
-              <a:t>Big Data Analytics, Fall 2023</a:t>
+              <a:rPr lang="en-US" altLang="zh-TW"/>
+              <a:t>Big Data Analytics, Fall 2024</a:t>
             </a:r>
             <a:endParaRPr lang="zh-TW" altLang="en-US"/>
           </a:p>
@@ -3306,8 +3293,8 @@
           <a:lstStyle/>
           <a:p>
             <a:r>
-              <a:rPr lang="en-US" altLang="zh-TW" smtClean="0"/>
-              <a:t>IMBA</a:t>
+              <a:rPr lang="en-US" altLang="zh-TW"/>
+              <a:t>IFM</a:t>
             </a:r>
             <a:endParaRPr lang="zh-TW" altLang="en-US"/>
           </a:p>
@@ -3387,10 +3374,9 @@
           <a:lstStyle/>
           <a:p>
             <a:r>
-              <a:rPr lang="zh-TW" altLang="en-US" smtClean="0"/>
+              <a:rPr lang="zh-TW" altLang="en-US"/>
               <a:t>按一下以編輯母片標題樣式</a:t>
             </a:r>
-            <a:endParaRPr lang="zh-TW" altLang="en-US"/>
           </a:p>
         </p:txBody>
       </p:sp>
@@ -3453,7 +3439,7 @@
           <a:p>
             <a:pPr lvl="0"/>
             <a:r>
-              <a:rPr lang="zh-TW" altLang="en-US" smtClean="0"/>
+              <a:rPr lang="zh-TW" altLang="en-US"/>
               <a:t>按一下以編輯母片文字樣式</a:t>
             </a:r>
           </a:p>
@@ -3481,38 +3467,37 @@
           <a:p>
             <a:pPr lvl="0"/>
             <a:r>
-              <a:rPr lang="zh-TW" altLang="en-US" smtClean="0"/>
+              <a:rPr lang="zh-TW" altLang="en-US"/>
               <a:t>按一下以編輯母片文字樣式</a:t>
             </a:r>
           </a:p>
           <a:p>
             <a:pPr lvl="1"/>
             <a:r>
-              <a:rPr lang="zh-TW" altLang="en-US" smtClean="0"/>
+              <a:rPr lang="zh-TW" altLang="en-US"/>
               <a:t>第二層</a:t>
             </a:r>
           </a:p>
           <a:p>
             <a:pPr lvl="2"/>
             <a:r>
-              <a:rPr lang="zh-TW" altLang="en-US" smtClean="0"/>
+              <a:rPr lang="zh-TW" altLang="en-US"/>
               <a:t>第三層</a:t>
             </a:r>
           </a:p>
           <a:p>
             <a:pPr lvl="3"/>
             <a:r>
-              <a:rPr lang="zh-TW" altLang="en-US" smtClean="0"/>
+              <a:rPr lang="zh-TW" altLang="en-US"/>
               <a:t>第四層</a:t>
             </a:r>
           </a:p>
           <a:p>
             <a:pPr lvl="4"/>
             <a:r>
-              <a:rPr lang="zh-TW" altLang="en-US" smtClean="0"/>
+              <a:rPr lang="zh-TW" altLang="en-US"/>
               <a:t>第五層</a:t>
             </a:r>
-            <a:endParaRPr lang="zh-TW" altLang="en-US"/>
           </a:p>
         </p:txBody>
       </p:sp>
@@ -3575,7 +3560,7 @@
           <a:p>
             <a:pPr lvl="0"/>
             <a:r>
-              <a:rPr lang="zh-TW" altLang="en-US" smtClean="0"/>
+              <a:rPr lang="zh-TW" altLang="en-US"/>
               <a:t>按一下以編輯母片文字樣式</a:t>
             </a:r>
           </a:p>
@@ -3603,38 +3588,37 @@
           <a:p>
             <a:pPr lvl="0"/>
             <a:r>
-              <a:rPr lang="zh-TW" altLang="en-US" smtClean="0"/>
+              <a:rPr lang="zh-TW" altLang="en-US"/>
               <a:t>按一下以編輯母片文字樣式</a:t>
             </a:r>
           </a:p>
           <a:p>
             <a:pPr lvl="1"/>
             <a:r>
-              <a:rPr lang="zh-TW" altLang="en-US" smtClean="0"/>
+              <a:rPr lang="zh-TW" altLang="en-US"/>
               <a:t>第二層</a:t>
             </a:r>
           </a:p>
           <a:p>
             <a:pPr lvl="2"/>
             <a:r>
-              <a:rPr lang="zh-TW" altLang="en-US" smtClean="0"/>
+              <a:rPr lang="zh-TW" altLang="en-US"/>
               <a:t>第三層</a:t>
             </a:r>
           </a:p>
           <a:p>
             <a:pPr lvl="3"/>
             <a:r>
-              <a:rPr lang="zh-TW" altLang="en-US" smtClean="0"/>
+              <a:rPr lang="zh-TW" altLang="en-US"/>
               <a:t>第四層</a:t>
             </a:r>
           </a:p>
           <a:p>
             <a:pPr lvl="4"/>
             <a:r>
-              <a:rPr lang="zh-TW" altLang="en-US" smtClean="0"/>
+              <a:rPr lang="zh-TW" altLang="en-US"/>
               <a:t>第五層</a:t>
             </a:r>
-            <a:endParaRPr lang="zh-TW" altLang="en-US"/>
           </a:p>
         </p:txBody>
       </p:sp>
@@ -3654,8 +3638,8 @@
           <a:lstStyle/>
           <a:p>
             <a:r>
-              <a:rPr lang="en-US" altLang="zh-TW" smtClean="0"/>
-              <a:t>Big Data Analytics, Fall 2023</a:t>
+              <a:rPr lang="en-US" altLang="zh-TW"/>
+              <a:t>Big Data Analytics, Fall 2024</a:t>
             </a:r>
             <a:endParaRPr lang="zh-TW" altLang="en-US"/>
           </a:p>
@@ -3677,8 +3661,8 @@
           <a:lstStyle/>
           <a:p>
             <a:r>
-              <a:rPr lang="en-US" altLang="zh-TW" smtClean="0"/>
-              <a:t>IMBA</a:t>
+              <a:rPr lang="en-US" altLang="zh-TW"/>
+              <a:t>IFM</a:t>
             </a:r>
             <a:endParaRPr lang="zh-TW" altLang="en-US"/>
           </a:p>
@@ -3753,10 +3737,9 @@
           <a:lstStyle/>
           <a:p>
             <a:r>
-              <a:rPr lang="zh-TW" altLang="en-US" smtClean="0"/>
+              <a:rPr lang="zh-TW" altLang="en-US"/>
               <a:t>按一下以編輯母片標題樣式</a:t>
             </a:r>
-            <a:endParaRPr lang="zh-TW" altLang="en-US"/>
           </a:p>
         </p:txBody>
       </p:sp>
@@ -3776,8 +3759,8 @@
           <a:lstStyle/>
           <a:p>
             <a:r>
-              <a:rPr lang="en-US" altLang="zh-TW" smtClean="0"/>
-              <a:t>Big Data Analytics, Fall 2023</a:t>
+              <a:rPr lang="en-US" altLang="zh-TW"/>
+              <a:t>Big Data Analytics, Fall 2024</a:t>
             </a:r>
             <a:endParaRPr lang="zh-TW" altLang="en-US"/>
           </a:p>
@@ -3799,8 +3782,8 @@
           <a:lstStyle/>
           <a:p>
             <a:r>
-              <a:rPr lang="en-US" altLang="zh-TW" smtClean="0"/>
-              <a:t>IMBA</a:t>
+              <a:rPr lang="en-US" altLang="zh-TW"/>
+              <a:t>IFM</a:t>
             </a:r>
             <a:endParaRPr lang="zh-TW" altLang="en-US"/>
           </a:p>
@@ -3875,8 +3858,8 @@
           <a:lstStyle/>
           <a:p>
             <a:r>
-              <a:rPr lang="en-US" altLang="zh-TW" smtClean="0"/>
-              <a:t>Big Data Analytics, Fall 2023</a:t>
+              <a:rPr lang="en-US" altLang="zh-TW"/>
+              <a:t>Big Data Analytics, Fall 2024</a:t>
             </a:r>
             <a:endParaRPr lang="zh-TW" altLang="en-US"/>
           </a:p>
@@ -3898,8 +3881,8 @@
           <a:lstStyle/>
           <a:p>
             <a:r>
-              <a:rPr lang="en-US" altLang="zh-TW" smtClean="0"/>
-              <a:t>IMBA</a:t>
+              <a:rPr lang="en-US" altLang="zh-TW"/>
+              <a:t>IFM</a:t>
             </a:r>
             <a:endParaRPr lang="zh-TW" altLang="en-US"/>
           </a:p>
@@ -3983,10 +3966,9 @@
           </a:lstStyle>
           <a:p>
             <a:r>
-              <a:rPr lang="zh-TW" altLang="en-US" smtClean="0"/>
+              <a:rPr lang="zh-TW" altLang="en-US"/>
               <a:t>按一下以編輯母片標題樣式</a:t>
             </a:r>
-            <a:endParaRPr lang="zh-TW" altLang="en-US"/>
           </a:p>
         </p:txBody>
       </p:sp>
@@ -4040,38 +4022,37 @@
           <a:p>
             <a:pPr lvl="0"/>
             <a:r>
-              <a:rPr lang="zh-TW" altLang="en-US" smtClean="0"/>
+              <a:rPr lang="zh-TW" altLang="en-US"/>
               <a:t>按一下以編輯母片文字樣式</a:t>
             </a:r>
           </a:p>
           <a:p>
             <a:pPr lvl="1"/>
             <a:r>
-              <a:rPr lang="zh-TW" altLang="en-US" smtClean="0"/>
+              <a:rPr lang="zh-TW" altLang="en-US"/>
               <a:t>第二層</a:t>
             </a:r>
           </a:p>
           <a:p>
             <a:pPr lvl="2"/>
             <a:r>
-              <a:rPr lang="zh-TW" altLang="en-US" smtClean="0"/>
+              <a:rPr lang="zh-TW" altLang="en-US"/>
               <a:t>第三層</a:t>
             </a:r>
           </a:p>
           <a:p>
             <a:pPr lvl="3"/>
             <a:r>
-              <a:rPr lang="zh-TW" altLang="en-US" smtClean="0"/>
+              <a:rPr lang="zh-TW" altLang="en-US"/>
               <a:t>第四層</a:t>
             </a:r>
           </a:p>
           <a:p>
             <a:pPr lvl="4"/>
             <a:r>
-              <a:rPr lang="zh-TW" altLang="en-US" smtClean="0"/>
+              <a:rPr lang="zh-TW" altLang="en-US"/>
               <a:t>第五層</a:t>
             </a:r>
-            <a:endParaRPr lang="zh-TW" altLang="en-US"/>
           </a:p>
         </p:txBody>
       </p:sp>
@@ -4134,7 +4115,7 @@
           <a:p>
             <a:pPr lvl="0"/>
             <a:r>
-              <a:rPr lang="zh-TW" altLang="en-US" smtClean="0"/>
+              <a:rPr lang="zh-TW" altLang="en-US"/>
               <a:t>按一下以編輯母片文字樣式</a:t>
             </a:r>
           </a:p>
@@ -4156,8 +4137,8 @@
           <a:lstStyle/>
           <a:p>
             <a:r>
-              <a:rPr lang="en-US" altLang="zh-TW" smtClean="0"/>
-              <a:t>Big Data Analytics, Fall 2023</a:t>
+              <a:rPr lang="en-US" altLang="zh-TW"/>
+              <a:t>Big Data Analytics, Fall 2024</a:t>
             </a:r>
             <a:endParaRPr lang="zh-TW" altLang="en-US"/>
           </a:p>
@@ -4179,8 +4160,8 @@
           <a:lstStyle/>
           <a:p>
             <a:r>
-              <a:rPr lang="en-US" altLang="zh-TW" smtClean="0"/>
-              <a:t>IMBA</a:t>
+              <a:rPr lang="en-US" altLang="zh-TW"/>
+              <a:t>IFM</a:t>
             </a:r>
             <a:endParaRPr lang="zh-TW" altLang="en-US"/>
           </a:p>
@@ -4264,10 +4245,9 @@
           </a:lstStyle>
           <a:p>
             <a:r>
-              <a:rPr lang="zh-TW" altLang="en-US" smtClean="0"/>
+              <a:rPr lang="zh-TW" altLang="en-US"/>
               <a:t>按一下以編輯母片標題樣式</a:t>
             </a:r>
-            <a:endParaRPr lang="zh-TW" altLang="en-US"/>
           </a:p>
         </p:txBody>
       </p:sp>
@@ -4391,7 +4371,7 @@
           <a:p>
             <a:pPr lvl="0"/>
             <a:r>
-              <a:rPr lang="zh-TW" altLang="en-US" smtClean="0"/>
+              <a:rPr lang="zh-TW" altLang="en-US"/>
               <a:t>按一下以編輯母片文字樣式</a:t>
             </a:r>
           </a:p>
@@ -4413,8 +4393,8 @@
           <a:lstStyle/>
           <a:p>
             <a:r>
-              <a:rPr lang="en-US" altLang="zh-TW" smtClean="0"/>
-              <a:t>Big Data Analytics, Fall 2023</a:t>
+              <a:rPr lang="en-US" altLang="zh-TW"/>
+              <a:t>Big Data Analytics, Fall 2024</a:t>
             </a:r>
             <a:endParaRPr lang="zh-TW" altLang="en-US"/>
           </a:p>
@@ -4436,8 +4416,8 @@
           <a:lstStyle/>
           <a:p>
             <a:r>
-              <a:rPr lang="en-US" altLang="zh-TW" smtClean="0"/>
-              <a:t>IMBA</a:t>
+              <a:rPr lang="en-US" altLang="zh-TW"/>
+              <a:t>IFM</a:t>
             </a:r>
             <a:endParaRPr lang="zh-TW" altLang="en-US"/>
           </a:p>
@@ -4527,10 +4507,9 @@
           <a:lstStyle/>
           <a:p>
             <a:r>
-              <a:rPr lang="zh-TW" altLang="en-US" smtClean="0"/>
+              <a:rPr lang="zh-TW" altLang="en-US"/>
               <a:t>按一下以編輯母片標題樣式</a:t>
             </a:r>
-            <a:endParaRPr lang="zh-TW" altLang="en-US"/>
           </a:p>
         </p:txBody>
       </p:sp>
@@ -4561,38 +4540,37 @@
           <a:p>
             <a:pPr lvl="0"/>
             <a:r>
-              <a:rPr lang="zh-TW" altLang="en-US" smtClean="0"/>
+              <a:rPr lang="zh-TW" altLang="en-US"/>
               <a:t>按一下以編輯母片文字樣式</a:t>
             </a:r>
           </a:p>
           <a:p>
             <a:pPr lvl="1"/>
             <a:r>
-              <a:rPr lang="zh-TW" altLang="en-US" smtClean="0"/>
+              <a:rPr lang="zh-TW" altLang="en-US"/>
               <a:t>第二層</a:t>
             </a:r>
           </a:p>
           <a:p>
             <a:pPr lvl="2"/>
             <a:r>
-              <a:rPr lang="zh-TW" altLang="en-US" smtClean="0"/>
+              <a:rPr lang="zh-TW" altLang="en-US"/>
               <a:t>第三層</a:t>
             </a:r>
           </a:p>
           <a:p>
             <a:pPr lvl="3"/>
             <a:r>
-              <a:rPr lang="zh-TW" altLang="en-US" smtClean="0"/>
+              <a:rPr lang="zh-TW" altLang="en-US"/>
               <a:t>第四層</a:t>
             </a:r>
           </a:p>
           <a:p>
             <a:pPr lvl="4"/>
             <a:r>
-              <a:rPr lang="zh-TW" altLang="en-US" smtClean="0"/>
+              <a:rPr lang="zh-TW" altLang="en-US"/>
               <a:t>第五層</a:t>
             </a:r>
-            <a:endParaRPr lang="zh-TW" altLang="en-US"/>
           </a:p>
         </p:txBody>
       </p:sp>
@@ -4630,8 +4608,8 @@
           </a:lstStyle>
           <a:p>
             <a:r>
-              <a:rPr lang="en-US" altLang="zh-TW" smtClean="0"/>
-              <a:t>Big Data Analytics, Fall 2023</a:t>
+              <a:rPr lang="en-US" altLang="zh-TW"/>
+              <a:t>Big Data Analytics, Fall 2024</a:t>
             </a:r>
             <a:endParaRPr lang="zh-TW" altLang="en-US"/>
           </a:p>
@@ -4671,8 +4649,8 @@
           </a:lstStyle>
           <a:p>
             <a:r>
-              <a:rPr lang="en-US" altLang="zh-TW" smtClean="0"/>
-              <a:t>IMBA</a:t>
+              <a:rPr lang="en-US" altLang="zh-TW"/>
+              <a:t>IFM</a:t>
             </a:r>
             <a:endParaRPr lang="zh-TW" altLang="en-US"/>
           </a:p>
@@ -5057,7 +5035,7 @@
           <a:lstStyle/>
           <a:p>
             <a:r>
-              <a:rPr lang="en-US" altLang="zh-TW" dirty="0" smtClean="0"/>
+              <a:rPr lang="en-US" altLang="zh-TW" dirty="0"/>
               <a:t>Introduction to Big Data Analytics</a:t>
             </a:r>
             <a:endParaRPr lang="zh-TW" altLang="en-US" dirty="0"/>
@@ -5080,14 +5058,14 @@
           <a:lstStyle/>
           <a:p>
             <a:r>
-              <a:rPr lang="en-US" altLang="zh-TW" dirty="0" smtClean="0"/>
+              <a:rPr lang="en-US" altLang="zh-TW" dirty="0"/>
               <a:t>By J. H. Wang</a:t>
             </a:r>
           </a:p>
           <a:p>
             <a:r>
-              <a:rPr lang="en-US" altLang="zh-TW" dirty="0" smtClean="0"/>
-              <a:t>Sep. 20, 2023</a:t>
+              <a:rPr lang="en-US" altLang="zh-TW" dirty="0"/>
+              <a:t>Sep. 20, 2024</a:t>
             </a:r>
             <a:endParaRPr lang="zh-TW" altLang="en-US" dirty="0"/>
           </a:p>
@@ -5109,8 +5087,8 @@
           <a:lstStyle/>
           <a:p>
             <a:r>
-              <a:rPr lang="en-US" altLang="zh-TW" smtClean="0"/>
-              <a:t>Big Data Analytics, Fall 2023</a:t>
+              <a:rPr lang="en-US" altLang="zh-TW"/>
+              <a:t>Big Data Analytics, Fall 2024</a:t>
             </a:r>
             <a:endParaRPr lang="zh-TW" altLang="en-US"/>
           </a:p>
@@ -5132,8 +5110,8 @@
           <a:lstStyle/>
           <a:p>
             <a:r>
-              <a:rPr lang="en-US" altLang="zh-TW" smtClean="0"/>
-              <a:t>IMBA</a:t>
+              <a:rPr lang="en-US" altLang="zh-TW"/>
+              <a:t>IFM</a:t>
             </a:r>
             <a:endParaRPr lang="zh-TW" altLang="en-US"/>
           </a:p>
@@ -5172,13 +5150,6 @@
   <p:clrMapOvr>
     <a:masterClrMapping/>
   </p:clrMapOvr>
-  <p:timing>
-    <p:tnLst>
-      <p:par>
-        <p:cTn id="1" dur="indefinite" restart="never" nodeType="tmRoot"/>
-      </p:par>
-    </p:tnLst>
-  </p:timing>
 </p:sld>
 </file>
 
@@ -5215,18 +5186,18 @@
           <a:lstStyle/>
           <a:p>
             <a:r>
-              <a:rPr lang="en-US" altLang="zh-TW" dirty="0" smtClean="0"/>
+              <a:rPr lang="en-US" altLang="zh-TW" dirty="0"/>
               <a:t>Big Data vs. </a:t>
             </a:r>
             <a:r>
-              <a:rPr lang="en-US" altLang="zh-TW" dirty="0" smtClean="0">
+              <a:rPr lang="en-US" altLang="zh-TW" dirty="0">
                 <a:solidFill>
                   <a:srgbClr val="0000FF"/>
                 </a:solidFill>
               </a:rPr>
               <a:t>Data Mining</a:t>
             </a:r>
-            <a:endParaRPr lang="zh-TW" altLang="en-US" dirty="0" smtClean="0">
+            <a:endParaRPr lang="zh-TW" altLang="en-US" dirty="0">
               <a:solidFill>
                 <a:srgbClr val="0000FF"/>
               </a:solidFill>
@@ -5250,11 +5221,11 @@
           <a:lstStyle/>
           <a:p>
             <a:r>
-              <a:rPr lang="en-US" altLang="zh-TW" dirty="0" smtClean="0"/>
+              <a:rPr lang="en-US" altLang="zh-TW" dirty="0"/>
               <a:t>Data mining is the </a:t>
             </a:r>
             <a:r>
-              <a:rPr lang="en-US" altLang="zh-TW" dirty="0" smtClean="0">
+              <a:rPr lang="en-US" altLang="zh-TW" dirty="0">
                 <a:solidFill>
                   <a:srgbClr val="0000FF"/>
                 </a:solidFill>
@@ -5262,11 +5233,11 @@
               <a:t>computational process of discovering patterns </a:t>
             </a:r>
             <a:r>
-              <a:rPr lang="en-US" altLang="zh-TW" dirty="0" smtClean="0"/>
+              <a:rPr lang="en-US" altLang="zh-TW" dirty="0"/>
               <a:t>in large data sets involving methods at the intersection of artificial intelligence, machine learning, statistics, and database systems. </a:t>
             </a:r>
             <a:r>
-              <a:rPr lang="en-US" altLang="zh-TW" dirty="0" smtClean="0">
+              <a:rPr lang="en-US" altLang="zh-TW" dirty="0">
                 <a:solidFill>
                   <a:schemeClr val="bg1">
                     <a:lumMod val="75000"/>
@@ -5275,7 +5246,7 @@
               </a:rPr>
               <a:t>[source: Wikipedia]</a:t>
             </a:r>
-            <a:endParaRPr lang="zh-TW" altLang="en-US" dirty="0" smtClean="0"/>
+            <a:endParaRPr lang="zh-TW" altLang="en-US" dirty="0"/>
           </a:p>
         </p:txBody>
       </p:sp>
@@ -5403,10 +5374,9 @@
           </a:lstStyle>
           <a:p>
             <a:r>
-              <a:rPr kumimoji="0" lang="en-US" altLang="zh-TW" smtClean="0"/>
-              <a:t>Big Data Analytics, Fall 2023</a:t>
-            </a:r>
-            <a:endParaRPr kumimoji="0" lang="en-US" altLang="zh-TW"/>
+              <a:rPr kumimoji="0" lang="en-US" altLang="zh-TW"/>
+              <a:t>Big Data Analytics, Fall 2024</a:t>
+            </a:r>
           </a:p>
         </p:txBody>
       </p:sp>
@@ -5534,10 +5504,9 @@
           </a:lstStyle>
           <a:p>
             <a:r>
-              <a:rPr kumimoji="0" lang="en-US" altLang="zh-TW" smtClean="0"/>
-              <a:t>IMBA</a:t>
-            </a:r>
-            <a:endParaRPr kumimoji="0" lang="en-US" altLang="zh-TW" smtClean="0"/>
+              <a:rPr kumimoji="0" lang="en-US" altLang="zh-TW"/>
+              <a:t>IFM</a:t>
+            </a:r>
           </a:p>
         </p:txBody>
       </p:sp>
@@ -5669,7 +5638,7 @@
               <a:pPr/>
               <a:t>10</a:t>
             </a:fld>
-            <a:endParaRPr kumimoji="0" lang="en-US" altLang="zh-TW" smtClean="0"/>
+            <a:endParaRPr kumimoji="0" lang="en-US" altLang="zh-TW"/>
           </a:p>
         </p:txBody>
       </p:sp>
@@ -5683,13 +5652,6 @@
   <p:clrMapOvr>
     <a:masterClrMapping/>
   </p:clrMapOvr>
-  <p:timing>
-    <p:tnLst>
-      <p:par>
-        <p:cTn id="1" dur="indefinite" restart="never" nodeType="tmRoot"/>
-      </p:par>
-    </p:tnLst>
-  </p:timing>
 </p:sld>
 </file>
 
@@ -8758,17 +8720,7 @@
                   </a:schemeClr>
                 </a:solidFill>
               </a:rPr>
-              <a:t>[source: </a:t>
-            </a:r>
-            <a:r>
-              <a:rPr lang="en-US" altLang="zh-TW" dirty="0" smtClean="0">
-                <a:solidFill>
-                  <a:schemeClr val="bg1">
-                    <a:lumMod val="75000"/>
-                  </a:schemeClr>
-                </a:solidFill>
-              </a:rPr>
-              <a:t>Han 2011]</a:t>
+              <a:t>[source: Han 2011]</a:t>
             </a:r>
             <a:endParaRPr lang="zh-TW" altLang="en-US" dirty="0"/>
           </a:p>
@@ -8790,8 +8742,8 @@
           <a:lstStyle/>
           <a:p>
             <a:r>
-              <a:rPr lang="en-US" altLang="zh-TW" smtClean="0"/>
-              <a:t>Big Data Analytics, Fall 2023</a:t>
+              <a:rPr lang="en-US" altLang="zh-TW"/>
+              <a:t>Big Data Analytics, Fall 2024</a:t>
             </a:r>
             <a:endParaRPr lang="zh-TW" altLang="en-US"/>
           </a:p>
@@ -8813,8 +8765,8 @@
           <a:lstStyle/>
           <a:p>
             <a:r>
-              <a:rPr lang="en-US" altLang="zh-TW" smtClean="0"/>
-              <a:t>IMBA</a:t>
+              <a:rPr lang="en-US" altLang="zh-TW"/>
+              <a:t>IFM</a:t>
             </a:r>
             <a:endParaRPr lang="zh-TW" altLang="en-US"/>
           </a:p>
@@ -8830,21 +8782,6 @@
   <p:clrMapOvr>
     <a:masterClrMapping/>
   </p:clrMapOvr>
-  <mc:AlternateContent xmlns:mc="http://schemas.openxmlformats.org/markup-compatibility/2006" xmlns:p14="http://schemas.microsoft.com/office/powerpoint/2010/main">
-    <mc:Choice Requires="p14">
-      <p:transition spd="slow" p14:dur="2000"/>
-    </mc:Choice>
-    <mc:Fallback xmlns="">
-      <p:transition spd="slow"/>
-    </mc:Fallback>
-  </mc:AlternateContent>
-  <p:timing>
-    <p:tnLst>
-      <p:par>
-        <p:cTn id="1" dur="indefinite" restart="never" nodeType="tmRoot"/>
-      </p:par>
-    </p:tnLst>
-  </p:timing>
 </p:sld>
 </file>
 
@@ -8881,10 +8818,10 @@
           <a:lstStyle/>
           <a:p>
             <a:r>
-              <a:rPr lang="en-US" altLang="zh-TW" dirty="0" smtClean="0"/>
+              <a:rPr lang="en-US" altLang="zh-TW" dirty="0"/>
               <a:t>Big Data vs. Industry 4.0</a:t>
             </a:r>
-            <a:endParaRPr lang="zh-TW" altLang="en-US" dirty="0" smtClean="0"/>
+            <a:endParaRPr lang="zh-TW" altLang="en-US" dirty="0"/>
           </a:p>
         </p:txBody>
       </p:sp>
@@ -9041,10 +8978,9 @@
           </a:lstStyle>
           <a:p>
             <a:r>
-              <a:rPr kumimoji="0" lang="en-US" altLang="zh-TW" smtClean="0"/>
-              <a:t>Big Data Analytics, Fall 2023</a:t>
-            </a:r>
-            <a:endParaRPr kumimoji="0" lang="en-US" altLang="zh-TW"/>
+              <a:rPr kumimoji="0" lang="en-US" altLang="zh-TW"/>
+              <a:t>Big Data Analytics, Fall 2024</a:t>
+            </a:r>
           </a:p>
         </p:txBody>
       </p:sp>
@@ -9172,10 +9108,9 @@
           </a:lstStyle>
           <a:p>
             <a:r>
-              <a:rPr kumimoji="0" lang="en-US" altLang="zh-TW" smtClean="0"/>
-              <a:t>IMBA</a:t>
-            </a:r>
-            <a:endParaRPr kumimoji="0" lang="en-US" altLang="zh-TW" smtClean="0"/>
+              <a:rPr kumimoji="0" lang="en-US" altLang="zh-TW"/>
+              <a:t>IFM</a:t>
+            </a:r>
           </a:p>
         </p:txBody>
       </p:sp>
@@ -9307,7 +9242,7 @@
               <a:pPr/>
               <a:t>12</a:t>
             </a:fld>
-            <a:endParaRPr kumimoji="0" lang="en-US" altLang="zh-TW" smtClean="0"/>
+            <a:endParaRPr kumimoji="0" lang="en-US" altLang="zh-TW"/>
           </a:p>
         </p:txBody>
       </p:sp>
@@ -9365,13 +9300,6 @@
   <p:clrMapOvr>
     <a:masterClrMapping/>
   </p:clrMapOvr>
-  <p:timing>
-    <p:tnLst>
-      <p:par>
-        <p:cTn id="1" dur="indefinite" restart="never" nodeType="tmRoot"/>
-      </p:par>
-    </p:tnLst>
-  </p:timing>
 </p:sld>
 </file>
 
@@ -9408,7 +9336,7 @@
           <a:lstStyle/>
           <a:p>
             <a:r>
-              <a:rPr lang="en-US" altLang="zh-TW" dirty="0" smtClean="0"/>
+              <a:rPr lang="en-US" altLang="zh-TW" dirty="0"/>
               <a:t>Data analytics in Cyber-Physical Systems</a:t>
             </a:r>
             <a:endParaRPr lang="zh-TW" altLang="en-US" dirty="0"/>
@@ -9460,8 +9388,8 @@
           <a:lstStyle/>
           <a:p>
             <a:r>
-              <a:rPr lang="en-US" altLang="zh-TW" smtClean="0"/>
-              <a:t>Big Data Analytics, Fall 2023</a:t>
+              <a:rPr lang="en-US" altLang="zh-TW"/>
+              <a:t>Big Data Analytics, Fall 2024</a:t>
             </a:r>
             <a:endParaRPr lang="zh-TW" altLang="en-US"/>
           </a:p>
@@ -9483,8 +9411,8 @@
           <a:lstStyle/>
           <a:p>
             <a:r>
-              <a:rPr lang="en-US" altLang="zh-TW" smtClean="0"/>
-              <a:t>IMBA</a:t>
+              <a:rPr lang="en-US" altLang="zh-TW"/>
+              <a:t>IFM</a:t>
             </a:r>
             <a:endParaRPr lang="zh-TW" altLang="en-US"/>
           </a:p>
@@ -9542,17 +9470,7 @@
                   </a:schemeClr>
                 </a:solidFill>
               </a:rPr>
-              <a:t>[source: </a:t>
-            </a:r>
-            <a:r>
-              <a:rPr lang="en-US" altLang="zh-TW" dirty="0">
-                <a:solidFill>
-                  <a:schemeClr val="bg1">
-                    <a:lumMod val="75000"/>
-                  </a:schemeClr>
-                </a:solidFill>
-              </a:rPr>
-              <a:t>http://www.engineering.org.cn/en/10.1016/j.eng.2019.01.014]</a:t>
+              <a:t>[source: http://www.engineering.org.cn/en/10.1016/j.eng.2019.01.014]</a:t>
             </a:r>
             <a:endParaRPr lang="zh-TW" altLang="en-US" dirty="0"/>
           </a:p>
@@ -14027,17 +13945,7 @@
                   </a:schemeClr>
                 </a:solidFill>
               </a:rPr>
-              <a:t>[source: </a:t>
-            </a:r>
-            <a:r>
-              <a:rPr lang="en-US" altLang="zh-TW" dirty="0" smtClean="0">
-                <a:solidFill>
-                  <a:schemeClr val="bg1">
-                    <a:lumMod val="75000"/>
-                  </a:schemeClr>
-                </a:solidFill>
-              </a:rPr>
-              <a:t>Han 2011]</a:t>
+              <a:t>[source: Han 2011]</a:t>
             </a:r>
             <a:endParaRPr lang="zh-TW" altLang="en-US" dirty="0"/>
           </a:p>
@@ -14059,8 +13967,8 @@
           <a:lstStyle/>
           <a:p>
             <a:r>
-              <a:rPr lang="en-US" altLang="zh-TW" smtClean="0"/>
-              <a:t>Big Data Analytics, Fall 2023</a:t>
+              <a:rPr lang="en-US" altLang="zh-TW"/>
+              <a:t>Big Data Analytics, Fall 2024</a:t>
             </a:r>
             <a:endParaRPr lang="zh-TW" altLang="en-US"/>
           </a:p>
@@ -14082,8 +13990,8 @@
           <a:lstStyle/>
           <a:p>
             <a:r>
-              <a:rPr lang="en-US" altLang="zh-TW" smtClean="0"/>
-              <a:t>IMBA</a:t>
+              <a:rPr lang="en-US" altLang="zh-TW"/>
+              <a:t>IFM</a:t>
             </a:r>
             <a:endParaRPr lang="zh-TW" altLang="en-US"/>
           </a:p>
@@ -14099,21 +14007,6 @@
   <p:clrMapOvr>
     <a:masterClrMapping/>
   </p:clrMapOvr>
-  <mc:AlternateContent xmlns:mc="http://schemas.openxmlformats.org/markup-compatibility/2006" xmlns:p14="http://schemas.microsoft.com/office/powerpoint/2010/main">
-    <mc:Choice Requires="p14">
-      <p:transition spd="slow" p14:dur="2000"/>
-    </mc:Choice>
-    <mc:Fallback xmlns="">
-      <p:transition spd="slow"/>
-    </mc:Fallback>
-  </mc:AlternateContent>
-  <p:timing>
-    <p:tnLst>
-      <p:par>
-        <p:cTn id="1" dur="indefinite" restart="never" nodeType="tmRoot"/>
-      </p:par>
-    </p:tnLst>
-  </p:timing>
 </p:sld>
 </file>
 
@@ -14150,18 +14043,18 @@
           <a:lstStyle/>
           <a:p>
             <a:r>
-              <a:rPr lang="en-US" altLang="zh-TW" dirty="0" smtClean="0"/>
+              <a:rPr lang="en-US" altLang="zh-TW" dirty="0"/>
               <a:t>Big Data vs. </a:t>
             </a:r>
             <a:r>
-              <a:rPr lang="en-US" altLang="zh-TW" dirty="0" smtClean="0">
+              <a:rPr lang="en-US" altLang="zh-TW" dirty="0">
                 <a:solidFill>
                   <a:srgbClr val="0000FF"/>
                 </a:solidFill>
               </a:rPr>
               <a:t>Data-Intensive Computing</a:t>
             </a:r>
-            <a:endParaRPr lang="zh-TW" altLang="en-US" dirty="0" smtClean="0">
+            <a:endParaRPr lang="zh-TW" altLang="en-US" dirty="0">
               <a:solidFill>
                 <a:srgbClr val="0000FF"/>
               </a:solidFill>
@@ -14185,11 +14078,11 @@
           <a:lstStyle/>
           <a:p>
             <a:r>
-              <a:rPr lang="en-US" altLang="zh-TW" dirty="0" smtClean="0"/>
+              <a:rPr lang="en-US" altLang="zh-TW" dirty="0"/>
               <a:t>Data-intensive computing is a class of parallel computing applications which use a data parallel approach to process large volumes of data typically terabytes or petabytes in size and typically referred to as big data. </a:t>
             </a:r>
             <a:r>
-              <a:rPr lang="en-US" altLang="zh-TW" dirty="0" smtClean="0">
+              <a:rPr lang="en-US" altLang="zh-TW" dirty="0">
                 <a:solidFill>
                   <a:schemeClr val="bg1">
                     <a:lumMod val="75000"/>
@@ -14198,7 +14091,7 @@
               </a:rPr>
               <a:t>[source: Wikipedia]</a:t>
             </a:r>
-            <a:endParaRPr lang="zh-TW" altLang="en-US" dirty="0" smtClean="0">
+            <a:endParaRPr lang="zh-TW" altLang="en-US" dirty="0">
               <a:solidFill>
                 <a:schemeClr val="bg1">
                   <a:lumMod val="75000"/>
@@ -14332,10 +14225,9 @@
           </a:lstStyle>
           <a:p>
             <a:r>
-              <a:rPr kumimoji="0" lang="en-US" altLang="zh-TW" smtClean="0"/>
-              <a:t>Big Data Analytics, Fall 2023</a:t>
-            </a:r>
-            <a:endParaRPr kumimoji="0" lang="en-US" altLang="zh-TW"/>
+              <a:rPr kumimoji="0" lang="en-US" altLang="zh-TW"/>
+              <a:t>Big Data Analytics, Fall 2024</a:t>
+            </a:r>
           </a:p>
         </p:txBody>
       </p:sp>
@@ -14463,10 +14355,9 @@
           </a:lstStyle>
           <a:p>
             <a:r>
-              <a:rPr kumimoji="0" lang="en-US" altLang="zh-TW" smtClean="0"/>
-              <a:t>IMBA</a:t>
-            </a:r>
-            <a:endParaRPr kumimoji="0" lang="en-US" altLang="zh-TW" smtClean="0"/>
+              <a:rPr kumimoji="0" lang="en-US" altLang="zh-TW"/>
+              <a:t>IFM</a:t>
+            </a:r>
           </a:p>
         </p:txBody>
       </p:sp>
@@ -14598,7 +14489,7 @@
               <a:pPr/>
               <a:t>15</a:t>
             </a:fld>
-            <a:endParaRPr kumimoji="0" lang="en-US" altLang="zh-TW" smtClean="0"/>
+            <a:endParaRPr kumimoji="0" lang="en-US" altLang="zh-TW"/>
           </a:p>
         </p:txBody>
       </p:sp>
@@ -14612,13 +14503,6 @@
   <p:clrMapOvr>
     <a:masterClrMapping/>
   </p:clrMapOvr>
-  <p:timing>
-    <p:tnLst>
-      <p:par>
-        <p:cTn id="1" dur="indefinite" restart="never" nodeType="tmRoot"/>
-      </p:par>
-    </p:tnLst>
-  </p:timing>
 </p:sld>
 </file>
 
@@ -14655,7 +14539,7 @@
           <a:lstStyle/>
           <a:p>
             <a:r>
-              <a:rPr lang="en-US" altLang="zh-TW" dirty="0" smtClean="0"/>
+              <a:rPr lang="en-US" altLang="zh-TW" dirty="0"/>
               <a:t>Data Analytics</a:t>
             </a:r>
             <a:endParaRPr lang="zh-TW" altLang="en-US" dirty="0"/>
@@ -14680,14 +14564,14 @@
           <a:lstStyle/>
           <a:p>
             <a:r>
-              <a:rPr lang="en-US" altLang="zh-TW" dirty="0" smtClean="0"/>
+              <a:rPr lang="en-US" altLang="zh-TW" dirty="0"/>
               <a:t>Four general categories of analytics</a:t>
             </a:r>
           </a:p>
           <a:p>
             <a:pPr lvl="1"/>
             <a:r>
-              <a:rPr lang="en-US" altLang="zh-TW" dirty="0" smtClean="0">
+              <a:rPr lang="en-US" altLang="zh-TW" dirty="0">
                 <a:solidFill>
                   <a:srgbClr val="0000FF"/>
                 </a:solidFill>
@@ -14695,14 +14579,14 @@
               <a:t>Descriptive</a:t>
             </a:r>
             <a:r>
-              <a:rPr lang="en-US" altLang="zh-TW" dirty="0" smtClean="0"/>
+              <a:rPr lang="en-US" altLang="zh-TW" dirty="0"/>
               <a:t> analytics</a:t>
             </a:r>
           </a:p>
           <a:p>
             <a:pPr lvl="1"/>
             <a:r>
-              <a:rPr lang="en-US" altLang="zh-TW" dirty="0" smtClean="0">
+              <a:rPr lang="en-US" altLang="zh-TW" dirty="0">
                 <a:solidFill>
                   <a:srgbClr val="0000FF"/>
                 </a:solidFill>
@@ -14710,14 +14594,14 @@
               <a:t>Diagnostic</a:t>
             </a:r>
             <a:r>
-              <a:rPr lang="en-US" altLang="zh-TW" dirty="0" smtClean="0"/>
+              <a:rPr lang="en-US" altLang="zh-TW" dirty="0"/>
               <a:t> analytics</a:t>
             </a:r>
           </a:p>
           <a:p>
             <a:pPr lvl="1"/>
             <a:r>
-              <a:rPr lang="en-US" altLang="zh-TW" dirty="0" smtClean="0">
+              <a:rPr lang="en-US" altLang="zh-TW" dirty="0">
                 <a:solidFill>
                   <a:srgbClr val="0000FF"/>
                 </a:solidFill>
@@ -14725,14 +14609,14 @@
               <a:t>Predictive</a:t>
             </a:r>
             <a:r>
-              <a:rPr lang="en-US" altLang="zh-TW" dirty="0" smtClean="0"/>
+              <a:rPr lang="en-US" altLang="zh-TW" dirty="0"/>
               <a:t> analytics</a:t>
             </a:r>
           </a:p>
           <a:p>
             <a:pPr lvl="1"/>
             <a:r>
-              <a:rPr lang="en-US" altLang="zh-TW" dirty="0" smtClean="0">
+              <a:rPr lang="en-US" altLang="zh-TW" dirty="0">
                 <a:solidFill>
                   <a:srgbClr val="0000FF"/>
                 </a:solidFill>
@@ -14740,7 +14624,7 @@
               <a:t>Prescriptive</a:t>
             </a:r>
             <a:r>
-              <a:rPr lang="en-US" altLang="zh-TW" dirty="0" smtClean="0"/>
+              <a:rPr lang="en-US" altLang="zh-TW" dirty="0"/>
               <a:t> analytics</a:t>
             </a:r>
           </a:p>
@@ -14769,10 +14653,9 @@
               <a:defRPr/>
             </a:pPr>
             <a:r>
-              <a:rPr lang="en-US" altLang="zh-TW" smtClean="0"/>
-              <a:t>Big Data Analytics, Fall 2023</a:t>
-            </a:r>
-            <a:endParaRPr lang="en-US" altLang="zh-TW"/>
+              <a:rPr lang="en-US" altLang="zh-TW"/>
+              <a:t>Big Data Analytics, Fall 2024</a:t>
+            </a:r>
           </a:p>
         </p:txBody>
       </p:sp>
@@ -14795,10 +14678,9 @@
               <a:defRPr/>
             </a:pPr>
             <a:r>
-              <a:rPr lang="en-US" altLang="zh-TW" smtClean="0"/>
-              <a:t>IMBA</a:t>
-            </a:r>
-            <a:endParaRPr lang="en-US" altLang="zh-TW"/>
+              <a:rPr lang="en-US" altLang="zh-TW"/>
+              <a:t>IFM</a:t>
+            </a:r>
           </a:p>
         </p:txBody>
       </p:sp>
@@ -14841,13 +14723,6 @@
   <p:clrMapOvr>
     <a:masterClrMapping/>
   </p:clrMapOvr>
-  <p:timing>
-    <p:tnLst>
-      <p:par>
-        <p:cTn id="1" dur="indefinite" restart="never" nodeType="tmRoot"/>
-      </p:par>
-    </p:tnLst>
-  </p:timing>
 </p:sld>
 </file>
 
@@ -14884,7 +14759,7 @@
           <a:lstStyle/>
           <a:p>
             <a:r>
-              <a:rPr lang="en-US" altLang="zh-TW" dirty="0" smtClean="0"/>
+              <a:rPr lang="en-US" altLang="zh-TW" dirty="0"/>
               <a:t>Descriptive analytics</a:t>
             </a:r>
             <a:endParaRPr lang="zh-TW" altLang="en-US" dirty="0"/>
@@ -14909,34 +14784,34 @@
           <a:lstStyle/>
           <a:p>
             <a:r>
-              <a:rPr lang="en-US" altLang="zh-TW" dirty="0" smtClean="0"/>
+              <a:rPr lang="en-US" altLang="zh-TW" dirty="0"/>
               <a:t>To answer questions about events that have already occurred</a:t>
             </a:r>
           </a:p>
           <a:p>
             <a:r>
-              <a:rPr lang="en-US" altLang="zh-TW" dirty="0" smtClean="0"/>
+              <a:rPr lang="en-US" altLang="zh-TW" dirty="0"/>
               <a:t>Sample questions:</a:t>
             </a:r>
           </a:p>
           <a:p>
             <a:pPr lvl="1"/>
             <a:r>
-              <a:rPr lang="en-US" altLang="zh-TW" dirty="0" smtClean="0"/>
+              <a:rPr lang="en-US" altLang="zh-TW" dirty="0"/>
               <a:t>What was the sales volume over the past 12 months?</a:t>
             </a:r>
           </a:p>
           <a:p>
             <a:pPr lvl="1"/>
             <a:r>
-              <a:rPr lang="en-US" altLang="zh-TW" dirty="0" smtClean="0"/>
+              <a:rPr lang="en-US" altLang="zh-TW" dirty="0"/>
               <a:t>What is the number of support calls received as categorized by severity and geographic location?</a:t>
             </a:r>
           </a:p>
           <a:p>
             <a:pPr lvl="1"/>
             <a:r>
-              <a:rPr lang="en-US" altLang="zh-TW" dirty="0" smtClean="0"/>
+              <a:rPr lang="en-US" altLang="zh-TW" dirty="0"/>
               <a:t>What is the monthly commission earned by each sales agent?</a:t>
             </a:r>
           </a:p>
@@ -14945,7 +14820,7 @@
               <a:rPr lang="zh-TW" altLang="en-US" dirty="0"/>
               <a:t>描述性分析</a:t>
             </a:r>
-            <a:endParaRPr lang="en-US" altLang="zh-TW" dirty="0" smtClean="0"/>
+            <a:endParaRPr lang="en-US" altLang="zh-TW" dirty="0"/>
           </a:p>
           <a:p>
             <a:pPr lvl="1"/>
@@ -14972,10 +14847,9 @@
               <a:defRPr/>
             </a:pPr>
             <a:r>
-              <a:rPr lang="en-US" altLang="zh-TW" smtClean="0"/>
-              <a:t>Big Data Analytics, Fall 2023</a:t>
-            </a:r>
-            <a:endParaRPr lang="en-US" altLang="zh-TW"/>
+              <a:rPr lang="en-US" altLang="zh-TW"/>
+              <a:t>Big Data Analytics, Fall 2024</a:t>
+            </a:r>
           </a:p>
         </p:txBody>
       </p:sp>
@@ -14998,10 +14872,9 @@
               <a:defRPr/>
             </a:pPr>
             <a:r>
-              <a:rPr lang="en-US" altLang="zh-TW" smtClean="0"/>
-              <a:t>IMBA</a:t>
-            </a:r>
-            <a:endParaRPr lang="en-US" altLang="zh-TW"/>
+              <a:rPr lang="en-US" altLang="zh-TW"/>
+              <a:t>IFM</a:t>
+            </a:r>
           </a:p>
         </p:txBody>
       </p:sp>
@@ -15044,13 +14917,6 @@
   <p:clrMapOvr>
     <a:masterClrMapping/>
   </p:clrMapOvr>
-  <p:timing>
-    <p:tnLst>
-      <p:par>
-        <p:cTn id="1" dur="indefinite" restart="never" nodeType="tmRoot"/>
-      </p:par>
-    </p:tnLst>
-  </p:timing>
 </p:sld>
 </file>
 
@@ -15087,7 +14953,7 @@
           <a:lstStyle/>
           <a:p>
             <a:r>
-              <a:rPr lang="en-US" altLang="zh-TW" dirty="0" smtClean="0"/>
+              <a:rPr lang="en-US" altLang="zh-TW" dirty="0"/>
               <a:t>Diagnostic analytics </a:t>
             </a:r>
             <a:endParaRPr lang="zh-TW" altLang="en-US" dirty="0"/>
@@ -15112,34 +14978,34 @@
           <a:lstStyle/>
           <a:p>
             <a:r>
-              <a:rPr lang="en-US" altLang="zh-TW" dirty="0" smtClean="0"/>
+              <a:rPr lang="en-US" altLang="zh-TW" dirty="0"/>
               <a:t>To determine the cause of a phenomenon that occurred in the past</a:t>
             </a:r>
           </a:p>
           <a:p>
             <a:r>
-              <a:rPr lang="en-US" altLang="zh-TW" dirty="0" smtClean="0"/>
+              <a:rPr lang="en-US" altLang="zh-TW" dirty="0"/>
               <a:t>Sample questions:</a:t>
             </a:r>
           </a:p>
           <a:p>
             <a:pPr lvl="1"/>
             <a:r>
-              <a:rPr lang="en-US" altLang="zh-TW" dirty="0" smtClean="0"/>
+              <a:rPr lang="en-US" altLang="zh-TW" dirty="0"/>
               <a:t>Why were Q2 sales less than Q1 sales?</a:t>
             </a:r>
           </a:p>
           <a:p>
             <a:pPr lvl="1"/>
             <a:r>
-              <a:rPr lang="en-US" altLang="zh-TW" dirty="0" smtClean="0"/>
+              <a:rPr lang="en-US" altLang="zh-TW" dirty="0"/>
               <a:t>Why have there been more support calls originating from the Eastern region than from the Western region?</a:t>
             </a:r>
           </a:p>
           <a:p>
             <a:pPr lvl="1"/>
             <a:r>
-              <a:rPr lang="en-US" altLang="zh-TW" dirty="0" smtClean="0"/>
+              <a:rPr lang="en-US" altLang="zh-TW" dirty="0"/>
               <a:t>Why was there an increase in patient re-admission rates over the past three months?</a:t>
             </a:r>
           </a:p>
@@ -15170,10 +15036,9 @@
               <a:defRPr/>
             </a:pPr>
             <a:r>
-              <a:rPr lang="en-US" altLang="zh-TW" smtClean="0"/>
-              <a:t>Big Data Analytics, Fall 2023</a:t>
-            </a:r>
-            <a:endParaRPr lang="en-US" altLang="zh-TW"/>
+              <a:rPr lang="en-US" altLang="zh-TW"/>
+              <a:t>Big Data Analytics, Fall 2024</a:t>
+            </a:r>
           </a:p>
         </p:txBody>
       </p:sp>
@@ -15196,10 +15061,9 @@
               <a:defRPr/>
             </a:pPr>
             <a:r>
-              <a:rPr lang="en-US" altLang="zh-TW" smtClean="0"/>
-              <a:t>IMBA</a:t>
-            </a:r>
-            <a:endParaRPr lang="en-US" altLang="zh-TW"/>
+              <a:rPr lang="en-US" altLang="zh-TW"/>
+              <a:t>IFM</a:t>
+            </a:r>
           </a:p>
         </p:txBody>
       </p:sp>
@@ -15242,13 +15106,6 @@
   <p:clrMapOvr>
     <a:masterClrMapping/>
   </p:clrMapOvr>
-  <p:timing>
-    <p:tnLst>
-      <p:par>
-        <p:cTn id="1" dur="indefinite" restart="never" nodeType="tmRoot"/>
-      </p:par>
-    </p:tnLst>
-  </p:timing>
 </p:sld>
 </file>
 
@@ -15285,7 +15142,7 @@
           <a:lstStyle/>
           <a:p>
             <a:r>
-              <a:rPr lang="en-US" altLang="zh-TW" dirty="0" smtClean="0"/>
+              <a:rPr lang="en-US" altLang="zh-TW" dirty="0"/>
               <a:t>Predictive analytics</a:t>
             </a:r>
             <a:endParaRPr lang="zh-TW" altLang="en-US" dirty="0"/>
@@ -15310,34 +15167,34 @@
           <a:lstStyle/>
           <a:p>
             <a:r>
-              <a:rPr lang="en-US" altLang="zh-TW" dirty="0" smtClean="0"/>
+              <a:rPr lang="en-US" altLang="zh-TW" dirty="0"/>
               <a:t>To determine the outcome of an event that might occur in the future</a:t>
             </a:r>
           </a:p>
           <a:p>
             <a:r>
-              <a:rPr lang="en-US" altLang="zh-TW" dirty="0" smtClean="0"/>
+              <a:rPr lang="en-US" altLang="zh-TW" dirty="0"/>
               <a:t>Sample questions:</a:t>
             </a:r>
           </a:p>
           <a:p>
             <a:pPr lvl="1"/>
             <a:r>
-              <a:rPr lang="en-US" altLang="zh-TW" dirty="0" smtClean="0"/>
+              <a:rPr lang="en-US" altLang="zh-TW" dirty="0"/>
               <a:t>What are the chances that a customer will default on a loan if they have missed a monthly payment?</a:t>
             </a:r>
           </a:p>
           <a:p>
             <a:pPr lvl="1"/>
             <a:r>
-              <a:rPr lang="en-US" altLang="zh-TW" dirty="0" smtClean="0"/>
+              <a:rPr lang="en-US" altLang="zh-TW" dirty="0"/>
               <a:t>What will be the patient survival rate if Drug B is administered instead of Drug A?</a:t>
             </a:r>
           </a:p>
           <a:p>
             <a:pPr lvl="1"/>
             <a:r>
-              <a:rPr lang="en-US" altLang="zh-TW" dirty="0" smtClean="0"/>
+              <a:rPr lang="en-US" altLang="zh-TW" dirty="0"/>
               <a:t>If a customer has purchased Products A and B, what are the chances that they will also purchase Product C?</a:t>
             </a:r>
           </a:p>
@@ -15368,10 +15225,9 @@
               <a:defRPr/>
             </a:pPr>
             <a:r>
-              <a:rPr lang="en-US" altLang="zh-TW" smtClean="0"/>
-              <a:t>Big Data Analytics, Fall 2023</a:t>
-            </a:r>
-            <a:endParaRPr lang="en-US" altLang="zh-TW"/>
+              <a:rPr lang="en-US" altLang="zh-TW"/>
+              <a:t>Big Data Analytics, Fall 2024</a:t>
+            </a:r>
           </a:p>
         </p:txBody>
       </p:sp>
@@ -15394,10 +15250,9 @@
               <a:defRPr/>
             </a:pPr>
             <a:r>
-              <a:rPr lang="en-US" altLang="zh-TW" smtClean="0"/>
-              <a:t>IMBA</a:t>
-            </a:r>
-            <a:endParaRPr lang="en-US" altLang="zh-TW"/>
+              <a:rPr lang="en-US" altLang="zh-TW"/>
+              <a:t>IFM</a:t>
+            </a:r>
           </a:p>
         </p:txBody>
       </p:sp>
@@ -15440,13 +15295,6 @@
   <p:clrMapOvr>
     <a:masterClrMapping/>
   </p:clrMapOvr>
-  <p:timing>
-    <p:tnLst>
-      <p:par>
-        <p:cTn id="1" dur="indefinite" restart="never" nodeType="tmRoot"/>
-      </p:par>
-    </p:tnLst>
-  </p:timing>
 </p:sld>
 </file>
 
@@ -15483,7 +15331,7 @@
           <a:lstStyle/>
           <a:p>
             <a:r>
-              <a:rPr lang="en-US" altLang="zh-TW" dirty="0" smtClean="0"/>
+              <a:rPr lang="en-US" altLang="zh-TW" dirty="0"/>
               <a:t>Outline</a:t>
             </a:r>
             <a:endParaRPr lang="zh-TW" altLang="en-US" dirty="0"/>
@@ -15506,28 +15354,20 @@
           <a:lstStyle/>
           <a:p>
             <a:r>
-              <a:rPr lang="en-US" altLang="zh-TW" dirty="0" smtClean="0"/>
+              <a:rPr lang="en-US" altLang="zh-TW" dirty="0"/>
               <a:t>What is Big Data?</a:t>
             </a:r>
           </a:p>
           <a:p>
             <a:r>
-              <a:rPr lang="en-US" altLang="zh-TW" dirty="0" smtClean="0"/>
+              <a:rPr lang="en-US" altLang="zh-TW" dirty="0"/>
               <a:t>What makes Big Data different from other related “buzzwords”?</a:t>
             </a:r>
           </a:p>
           <a:p>
             <a:r>
-              <a:rPr lang="en-US" altLang="zh-TW" dirty="0" smtClean="0"/>
-              <a:t>What are we going to </a:t>
-            </a:r>
-            <a:r>
-              <a:rPr lang="en-US" altLang="zh-TW" dirty="0" smtClean="0"/>
-              <a:t>focus </a:t>
-            </a:r>
-            <a:r>
-              <a:rPr lang="en-US" altLang="zh-TW" dirty="0" smtClean="0"/>
-              <a:t>in this course?</a:t>
+              <a:rPr lang="en-US" altLang="zh-TW" dirty="0"/>
+              <a:t>What are we going to focus in this course?</a:t>
             </a:r>
             <a:endParaRPr lang="zh-TW" altLang="en-US" dirty="0"/>
           </a:p>
@@ -15549,8 +15389,8 @@
           <a:lstStyle/>
           <a:p>
             <a:r>
-              <a:rPr lang="en-US" altLang="zh-TW" smtClean="0"/>
-              <a:t>Big Data Analytics, Fall 2023</a:t>
+              <a:rPr lang="en-US" altLang="zh-TW"/>
+              <a:t>Big Data Analytics, Fall 2024</a:t>
             </a:r>
             <a:endParaRPr lang="zh-TW" altLang="en-US"/>
           </a:p>
@@ -15572,8 +15412,8 @@
           <a:lstStyle/>
           <a:p>
             <a:r>
-              <a:rPr lang="en-US" altLang="zh-TW" smtClean="0"/>
-              <a:t>IMBA</a:t>
+              <a:rPr lang="en-US" altLang="zh-TW"/>
+              <a:t>IFM</a:t>
             </a:r>
             <a:endParaRPr lang="zh-TW" altLang="en-US"/>
           </a:p>
@@ -15612,13 +15452,6 @@
   <p:clrMapOvr>
     <a:masterClrMapping/>
   </p:clrMapOvr>
-  <p:timing>
-    <p:tnLst>
-      <p:par>
-        <p:cTn id="1" dur="indefinite" restart="never" nodeType="tmRoot"/>
-      </p:par>
-    </p:tnLst>
-  </p:timing>
 </p:sld>
 </file>
 
@@ -15655,7 +15488,7 @@
           <a:lstStyle/>
           <a:p>
             <a:r>
-              <a:rPr lang="en-US" altLang="zh-TW" dirty="0" smtClean="0"/>
+              <a:rPr lang="en-US" altLang="zh-TW" dirty="0"/>
               <a:t>Prescriptive analytics</a:t>
             </a:r>
             <a:endParaRPr lang="zh-TW" altLang="en-US" dirty="0"/>
@@ -15678,53 +15511,45 @@
           <a:lstStyle/>
           <a:p>
             <a:r>
-              <a:rPr lang="en-US" altLang="zh-TW" dirty="0" smtClean="0"/>
+              <a:rPr lang="en-US" altLang="zh-TW" dirty="0"/>
               <a:t>To prescribe actions that should be taken</a:t>
             </a:r>
           </a:p>
           <a:p>
             <a:r>
-              <a:rPr lang="en-US" altLang="zh-TW" dirty="0" smtClean="0"/>
+              <a:rPr lang="en-US" altLang="zh-TW" dirty="0"/>
               <a:t>Sample questions:</a:t>
             </a:r>
           </a:p>
           <a:p>
             <a:pPr lvl="1"/>
             <a:r>
-              <a:rPr lang="en-US" altLang="zh-TW" dirty="0" smtClean="0"/>
+              <a:rPr lang="en-US" altLang="zh-TW" dirty="0"/>
               <a:t>Among three drugs, which one provide the best results?</a:t>
             </a:r>
           </a:p>
           <a:p>
             <a:pPr lvl="1"/>
             <a:r>
-              <a:rPr lang="en-US" altLang="zh-TW" dirty="0" smtClean="0"/>
+              <a:rPr lang="en-US" altLang="zh-TW" dirty="0"/>
               <a:t>When is the best time to trade a particular stock?</a:t>
             </a:r>
           </a:p>
           <a:p>
             <a:r>
-              <a:rPr lang="zh-TW" altLang="en-US" dirty="0" smtClean="0"/>
+              <a:rPr lang="zh-TW" altLang="en-US" dirty="0"/>
               <a:t>建議性分析</a:t>
             </a:r>
             <a:r>
-              <a:rPr lang="en-US" altLang="zh-TW" dirty="0" smtClean="0"/>
+              <a:rPr lang="en-US" altLang="zh-TW" dirty="0"/>
               <a:t>, (</a:t>
             </a:r>
             <a:r>
-              <a:rPr lang="zh-TW" altLang="en-US" dirty="0" smtClean="0"/>
-              <a:t>指導性分析、處方</a:t>
-            </a:r>
-            <a:r>
               <a:rPr lang="zh-TW" altLang="en-US" dirty="0"/>
-              <a:t>分析、規範性分析、時效性</a:t>
-            </a:r>
-            <a:r>
-              <a:rPr lang="zh-TW" altLang="en-US" dirty="0" smtClean="0"/>
-              <a:t>分析</a:t>
-            </a:r>
-            <a:r>
-              <a:rPr lang="en-US" altLang="zh-TW" dirty="0" smtClean="0"/>
+              <a:t>指導性分析、處方分析、規範性分析、時效性分析</a:t>
+            </a:r>
+            <a:r>
+              <a:rPr lang="en-US" altLang="zh-TW" dirty="0"/>
               <a:t>)</a:t>
             </a:r>
             <a:endParaRPr lang="zh-TW" altLang="en-US" dirty="0"/>
@@ -15750,10 +15575,9 @@
               <a:defRPr/>
             </a:pPr>
             <a:r>
-              <a:rPr lang="en-US" altLang="zh-TW" smtClean="0"/>
-              <a:t>Big Data Analytics, Fall 2023</a:t>
-            </a:r>
-            <a:endParaRPr lang="en-US" altLang="zh-TW"/>
+              <a:rPr lang="en-US" altLang="zh-TW"/>
+              <a:t>Big Data Analytics, Fall 2024</a:t>
+            </a:r>
           </a:p>
         </p:txBody>
       </p:sp>
@@ -15776,10 +15600,9 @@
               <a:defRPr/>
             </a:pPr>
             <a:r>
-              <a:rPr lang="en-US" altLang="zh-TW" smtClean="0"/>
-              <a:t>IMBA</a:t>
-            </a:r>
-            <a:endParaRPr lang="en-US" altLang="zh-TW"/>
+              <a:rPr lang="en-US" altLang="zh-TW"/>
+              <a:t>IFM</a:t>
+            </a:r>
           </a:p>
         </p:txBody>
       </p:sp>
@@ -15822,13 +15645,6 @@
   <p:clrMapOvr>
     <a:masterClrMapping/>
   </p:clrMapOvr>
-  <p:timing>
-    <p:tnLst>
-      <p:par>
-        <p:cTn id="1" dur="indefinite" restart="never" nodeType="tmRoot"/>
-      </p:par>
-    </p:tnLst>
-  </p:timing>
 </p:sld>
 </file>
 
@@ -15865,7 +15681,7 @@
           <a:lstStyle/>
           <a:p>
             <a:r>
-              <a:rPr lang="en-US" altLang="zh-TW" dirty="0" smtClean="0"/>
+              <a:rPr lang="en-US" altLang="zh-TW" dirty="0"/>
               <a:t>Limits of Predictions</a:t>
             </a:r>
             <a:endParaRPr lang="zh-TW" altLang="en-US" dirty="0"/>
@@ -15888,17 +15704,17 @@
           <a:lstStyle/>
           <a:p>
             <a:r>
-              <a:rPr lang="en-US" altLang="zh-TW" dirty="0" smtClean="0"/>
+              <a:rPr lang="en-US" altLang="zh-TW" dirty="0"/>
               <a:t>Predictive analytics: technology that learns from experience (data) to predict the future behavior of individuals in order to drive better decisions</a:t>
             </a:r>
           </a:p>
           <a:p>
             <a:r>
-              <a:rPr lang="en-US" altLang="zh-TW" dirty="0" smtClean="0"/>
+              <a:rPr lang="en-US" altLang="zh-TW" dirty="0"/>
               <a:t>Accurate prediction is generally </a:t>
             </a:r>
             <a:r>
-              <a:rPr lang="en-US" altLang="zh-TW" dirty="0" smtClean="0">
+              <a:rPr lang="en-US" altLang="zh-TW" dirty="0">
                 <a:solidFill>
                   <a:srgbClr val="0000FF"/>
                 </a:solidFill>
@@ -15906,31 +15722,31 @@
               <a:t>not</a:t>
             </a:r>
             <a:r>
-              <a:rPr lang="en-US" altLang="zh-TW" dirty="0" smtClean="0"/>
+              <a:rPr lang="en-US" altLang="zh-TW" dirty="0"/>
               <a:t> possible</a:t>
             </a:r>
           </a:p>
           <a:p>
             <a:r>
-              <a:rPr lang="en-US" altLang="zh-TW" dirty="0" smtClean="0"/>
+              <a:rPr lang="en-US" altLang="zh-TW" dirty="0"/>
               <a:t>But predictions need not be accurate to bring value</a:t>
             </a:r>
           </a:p>
           <a:p>
             <a:pPr lvl="1"/>
             <a:r>
-              <a:rPr lang="en-US" altLang="zh-TW" dirty="0" smtClean="0"/>
+              <a:rPr lang="en-US" altLang="zh-TW" dirty="0"/>
               <a:t>E.g. direct mail marketing</a:t>
             </a:r>
           </a:p>
           <a:p>
             <a:r>
-              <a:rPr lang="en-US" altLang="zh-TW" dirty="0" smtClean="0"/>
+              <a:rPr lang="en-US" altLang="zh-TW" dirty="0"/>
               <a:t>The prediction effect: predicting better than pure guess delivers value</a:t>
             </a:r>
           </a:p>
           <a:p>
-            <a:endParaRPr lang="en-US" altLang="zh-TW" dirty="0" smtClean="0"/>
+            <a:endParaRPr lang="en-US" altLang="zh-TW" dirty="0"/>
           </a:p>
           <a:p>
             <a:pPr lvl="1"/>
@@ -15954,8 +15770,8 @@
           <a:lstStyle/>
           <a:p>
             <a:r>
-              <a:rPr lang="en-US" altLang="zh-TW" smtClean="0"/>
-              <a:t>Big Data Analytics, Fall 2023</a:t>
+              <a:rPr lang="en-US" altLang="zh-TW"/>
+              <a:t>Big Data Analytics, Fall 2024</a:t>
             </a:r>
             <a:endParaRPr lang="zh-TW" altLang="en-US"/>
           </a:p>
@@ -15977,8 +15793,8 @@
           <a:lstStyle/>
           <a:p>
             <a:r>
-              <a:rPr lang="en-US" altLang="zh-TW" smtClean="0"/>
-              <a:t>IMBA</a:t>
+              <a:rPr lang="en-US" altLang="zh-TW"/>
+              <a:t>IFM</a:t>
             </a:r>
             <a:endParaRPr lang="zh-TW" altLang="en-US"/>
           </a:p>
@@ -16017,13 +15833,6 @@
   <p:clrMapOvr>
     <a:masterClrMapping/>
   </p:clrMapOvr>
-  <p:timing>
-    <p:tnLst>
-      <p:par>
-        <p:cTn id="1" dur="indefinite" restart="never" nodeType="tmRoot"/>
-      </p:par>
-    </p:tnLst>
-  </p:timing>
 </p:sld>
 </file>
 
@@ -16060,7 +15869,7 @@
           <a:lstStyle/>
           <a:p>
             <a:r>
-              <a:rPr lang="en-US" altLang="zh-TW" dirty="0" smtClean="0"/>
+              <a:rPr lang="en-US" altLang="zh-TW" dirty="0"/>
               <a:t>Be Cautious! It’s not almighty</a:t>
             </a:r>
             <a:endParaRPr lang="zh-TW" altLang="en-US" dirty="0"/>
@@ -16083,15 +15892,14 @@
           <a:lstStyle/>
           <a:p>
             <a:r>
-              <a:rPr lang="en-US" altLang="zh-TW" dirty="0" smtClean="0"/>
+              <a:rPr lang="en-US" altLang="zh-TW" dirty="0"/>
               <a:t>Some challenges</a:t>
             </a:r>
-            <a:endParaRPr lang="en-US" altLang="zh-TW" dirty="0" smtClean="0"/>
           </a:p>
           <a:p>
             <a:pPr lvl="1"/>
             <a:r>
-              <a:rPr lang="en-US" altLang="zh-TW" dirty="0" smtClean="0"/>
+              <a:rPr lang="en-US" altLang="zh-TW" dirty="0"/>
               <a:t>Big data requires “big judgement”</a:t>
             </a:r>
           </a:p>
@@ -16099,40 +15907,20 @@
             <a:pPr lvl="1"/>
             <a:r>
               <a:rPr lang="en-US" altLang="zh-TW" dirty="0"/>
-              <a:t>If the systems dynamics of the future </a:t>
-            </a:r>
-            <a:r>
-              <a:rPr lang="en-US" altLang="zh-TW" dirty="0" smtClean="0"/>
-              <a:t>change, the </a:t>
-            </a:r>
+              <a:t>If the systems dynamics of the future change, the past can say little about the future</a:t>
+            </a:r>
+          </a:p>
+          <a:p>
+            <a:pPr lvl="1"/>
             <a:r>
               <a:rPr lang="en-US" altLang="zh-TW" dirty="0"/>
-              <a:t>past can </a:t>
-            </a:r>
-            <a:r>
-              <a:rPr lang="en-US" altLang="zh-TW" dirty="0" smtClean="0"/>
-              <a:t>say </a:t>
-            </a:r>
+              <a:t>Privacy</a:t>
+            </a:r>
+          </a:p>
+          <a:p>
+            <a:pPr lvl="1"/>
             <a:r>
               <a:rPr lang="en-US" altLang="zh-TW" dirty="0"/>
-              <a:t>little about the </a:t>
-            </a:r>
-            <a:r>
-              <a:rPr lang="en-US" altLang="zh-TW" dirty="0" smtClean="0"/>
-              <a:t>future</a:t>
-            </a:r>
-          </a:p>
-          <a:p>
-            <a:pPr lvl="1"/>
-            <a:r>
-              <a:rPr lang="en-US" altLang="zh-TW" dirty="0" smtClean="0"/>
-              <a:t>Privacy</a:t>
-            </a:r>
-          </a:p>
-          <a:p>
-            <a:pPr lvl="1"/>
-            <a:r>
-              <a:rPr lang="en-US" altLang="zh-TW" dirty="0" smtClean="0"/>
               <a:t>Bias, subjective, shallow</a:t>
             </a:r>
           </a:p>
@@ -16161,8 +15949,8 @@
               <a:defRPr/>
             </a:pPr>
             <a:r>
-              <a:rPr lang="en-US" altLang="zh-TW" smtClean="0"/>
-              <a:t>Big Data Analytics, Fall 2023</a:t>
+              <a:rPr lang="en-US" altLang="zh-TW"/>
+              <a:t>Big Data Analytics, Fall 2024</a:t>
             </a:r>
             <a:endParaRPr lang="en-US" altLang="zh-TW" dirty="0"/>
           </a:p>
@@ -16187,10 +15975,9 @@
               <a:defRPr/>
             </a:pPr>
             <a:r>
-              <a:rPr lang="en-US" altLang="zh-TW" smtClean="0"/>
-              <a:t>IMBA</a:t>
-            </a:r>
-            <a:endParaRPr lang="en-US" altLang="zh-TW"/>
+              <a:rPr lang="en-US" altLang="zh-TW"/>
+              <a:t>IFM</a:t>
+            </a:r>
           </a:p>
         </p:txBody>
       </p:sp>
@@ -16233,13 +16020,6 @@
   <p:clrMapOvr>
     <a:masterClrMapping/>
   </p:clrMapOvr>
-  <p:timing>
-    <p:tnLst>
-      <p:par>
-        <p:cTn id="1" dur="indefinite" restart="never" nodeType="tmRoot"/>
-      </p:par>
-    </p:tnLst>
-  </p:timing>
 </p:sld>
 </file>
 
@@ -16276,24 +16056,8 @@
           <a:lstStyle/>
           <a:p>
             <a:r>
-              <a:rPr lang="en-US" altLang="zh-TW" dirty="0" smtClean="0"/>
-              <a:t>What are </a:t>
-            </a:r>
-            <a:r>
-              <a:rPr lang="en-US" altLang="zh-TW" dirty="0" smtClean="0"/>
-              <a:t>we going </a:t>
-            </a:r>
-            <a:r>
-              <a:rPr lang="en-US" altLang="zh-TW" dirty="0" smtClean="0"/>
-              <a:t>to </a:t>
-            </a:r>
-            <a:r>
-              <a:rPr lang="en-US" altLang="zh-TW" dirty="0" smtClean="0"/>
-              <a:t>focus </a:t>
-            </a:r>
-            <a:r>
-              <a:rPr lang="en-US" altLang="zh-TW" dirty="0" smtClean="0"/>
-              <a:t>in this course?</a:t>
+              <a:rPr lang="en-US" altLang="zh-TW" dirty="0"/>
+              <a:t>What are we going to focus in this course?</a:t>
             </a:r>
             <a:endParaRPr lang="zh-TW" altLang="en-US" dirty="0"/>
           </a:p>
@@ -16315,28 +16079,28 @@
           <a:lstStyle/>
           <a:p>
             <a:r>
-              <a:rPr lang="en-US" altLang="zh-TW" dirty="0" smtClean="0"/>
+              <a:rPr lang="en-US" altLang="zh-TW" dirty="0"/>
               <a:t>Data mining</a:t>
             </a:r>
           </a:p>
           <a:p>
             <a:pPr lvl="1"/>
             <a:r>
-              <a:rPr lang="en-US" altLang="zh-TW" dirty="0" smtClean="0"/>
+              <a:rPr lang="en-US" altLang="zh-TW" dirty="0"/>
               <a:t>Frequent pattern mining</a:t>
             </a:r>
           </a:p>
           <a:p>
             <a:pPr lvl="1"/>
             <a:r>
-              <a:rPr lang="en-US" altLang="zh-TW" dirty="0" smtClean="0"/>
+              <a:rPr lang="en-US" altLang="zh-TW" dirty="0"/>
               <a:t>Classification</a:t>
             </a:r>
           </a:p>
           <a:p>
             <a:pPr lvl="1"/>
             <a:r>
-              <a:rPr lang="en-US" altLang="zh-TW" dirty="0" smtClean="0"/>
+              <a:rPr lang="en-US" altLang="zh-TW" dirty="0"/>
               <a:t>Clustering</a:t>
             </a:r>
           </a:p>
@@ -16355,7 +16119,7 @@
           <a:p>
             <a:pPr lvl="1"/>
             <a:r>
-              <a:rPr lang="en-US" altLang="zh-TW" dirty="0" smtClean="0">
+              <a:rPr lang="en-US" altLang="zh-TW" dirty="0">
                 <a:solidFill>
                   <a:schemeClr val="bg1">
                     <a:lumMod val="75000"/>
@@ -16368,7 +16132,7 @@
           <a:p>
             <a:pPr lvl="1"/>
             <a:r>
-              <a:rPr lang="en-US" altLang="zh-TW" dirty="0" err="1" smtClean="0">
+              <a:rPr lang="en-US" altLang="zh-TW" dirty="0" err="1">
                 <a:solidFill>
                   <a:schemeClr val="bg1">
                     <a:lumMod val="75000"/>
@@ -16378,7 +16142,7 @@
               <a:t>MapReduce</a:t>
             </a:r>
             <a:r>
-              <a:rPr lang="en-US" altLang="zh-TW" dirty="0" smtClean="0">
+              <a:rPr lang="en-US" altLang="zh-TW" dirty="0">
                 <a:solidFill>
                   <a:schemeClr val="bg1">
                     <a:lumMod val="75000"/>
@@ -16410,8 +16174,8 @@
           <a:lstStyle/>
           <a:p>
             <a:r>
-              <a:rPr lang="en-US" altLang="zh-TW" smtClean="0"/>
-              <a:t>Big Data Analytics, Fall 2023</a:t>
+              <a:rPr lang="en-US" altLang="zh-TW"/>
+              <a:t>Big Data Analytics, Fall 2024</a:t>
             </a:r>
             <a:endParaRPr lang="zh-TW" altLang="en-US"/>
           </a:p>
@@ -16433,8 +16197,8 @@
           <a:lstStyle/>
           <a:p>
             <a:r>
-              <a:rPr lang="en-US" altLang="zh-TW" smtClean="0"/>
-              <a:t>IMBA</a:t>
+              <a:rPr lang="en-US" altLang="zh-TW"/>
+              <a:t>IFM</a:t>
             </a:r>
             <a:endParaRPr lang="zh-TW" altLang="en-US"/>
           </a:p>
@@ -16473,13 +16237,6 @@
   <p:clrMapOvr>
     <a:masterClrMapping/>
   </p:clrMapOvr>
-  <p:timing>
-    <p:tnLst>
-      <p:par>
-        <p:cTn id="1" dur="indefinite" restart="never" nodeType="tmRoot"/>
-      </p:par>
-    </p:tnLst>
-  </p:timing>
 </p:sld>
 </file>
 
@@ -19633,17 +19390,7 @@
                   </a:schemeClr>
                 </a:solidFill>
               </a:rPr>
-              <a:t>[source: </a:t>
-            </a:r>
-            <a:r>
-              <a:rPr lang="en-US" altLang="zh-TW" dirty="0" smtClean="0">
-                <a:solidFill>
-                  <a:schemeClr val="bg1">
-                    <a:lumMod val="75000"/>
-                  </a:schemeClr>
-                </a:solidFill>
-              </a:rPr>
-              <a:t>Han 2011]</a:t>
+              <a:t>[source: Han 2011]</a:t>
             </a:r>
             <a:endParaRPr lang="zh-TW" altLang="en-US" dirty="0"/>
           </a:p>
@@ -19665,8 +19412,8 @@
           <a:lstStyle/>
           <a:p>
             <a:r>
-              <a:rPr lang="en-US" altLang="zh-TW" smtClean="0"/>
-              <a:t>Big Data Analytics, Fall 2023</a:t>
+              <a:rPr lang="en-US" altLang="zh-TW"/>
+              <a:t>Big Data Analytics, Fall 2024</a:t>
             </a:r>
             <a:endParaRPr lang="zh-TW" altLang="en-US"/>
           </a:p>
@@ -19688,8 +19435,8 @@
           <a:lstStyle/>
           <a:p>
             <a:r>
-              <a:rPr lang="en-US" altLang="zh-TW" smtClean="0"/>
-              <a:t>IMBA</a:t>
+              <a:rPr lang="en-US" altLang="zh-TW"/>
+              <a:t>IFM</a:t>
             </a:r>
             <a:endParaRPr lang="zh-TW" altLang="en-US"/>
           </a:p>
@@ -19705,21 +19452,6 @@
   <p:clrMapOvr>
     <a:masterClrMapping/>
   </p:clrMapOvr>
-  <mc:AlternateContent xmlns:mc="http://schemas.openxmlformats.org/markup-compatibility/2006" xmlns:p14="http://schemas.microsoft.com/office/powerpoint/2010/main">
-    <mc:Choice Requires="p14">
-      <p:transition spd="slow" p14:dur="2000"/>
-    </mc:Choice>
-    <mc:Fallback xmlns="">
-      <p:transition spd="slow"/>
-    </mc:Fallback>
-  </mc:AlternateContent>
-  <p:timing>
-    <p:tnLst>
-      <p:par>
-        <p:cTn id="1" dur="indefinite" restart="never" nodeType="tmRoot"/>
-      </p:par>
-    </p:tnLst>
-  </p:timing>
 </p:sld>
 </file>
 
@@ -19912,19 +19644,7 @@
               <a:rPr lang="en-US" altLang="zh-TW" sz="3200" dirty="0">
                 <a:ea typeface="新細明體" panose="02020500000000000000" pitchFamily="18" charset="-120"/>
               </a:rPr>
-              <a:t>Data Mining Function: </a:t>
-            </a:r>
-            <a:r>
-              <a:rPr lang="en-US" altLang="zh-TW" sz="3200" dirty="0" smtClean="0">
-                <a:ea typeface="新細明體" panose="02020500000000000000" pitchFamily="18" charset="-120"/>
-              </a:rPr>
-              <a:t>Association </a:t>
-            </a:r>
-            <a:r>
-              <a:rPr lang="en-US" altLang="zh-TW" sz="3200" dirty="0">
-                <a:ea typeface="新細明體" panose="02020500000000000000" pitchFamily="18" charset="-120"/>
-              </a:rPr>
-              <a:t>and Correlation Analysis</a:t>
+              <a:t>Data Mining Function: Association and Correlation Analysis</a:t>
             </a:r>
             <a:endParaRPr lang="en-US" altLang="zh-TW" sz="2800" dirty="0">
               <a:ea typeface="新細明體" panose="02020500000000000000" pitchFamily="18" charset="-120"/>
@@ -19974,7 +19694,7 @@
               </a:lnSpc>
             </a:pPr>
             <a:r>
-              <a:rPr lang="en-US" altLang="zh-TW" smtClean="0">
+              <a:rPr lang="en-US" altLang="zh-TW">
                 <a:ea typeface="新細明體" panose="02020500000000000000" pitchFamily="18" charset="-120"/>
               </a:rPr>
               <a:t>What items are frequently purchased together in your Walmart?</a:t>
@@ -20000,7 +19720,7 @@
               </a:lnSpc>
             </a:pPr>
             <a:r>
-              <a:rPr lang="en-US" altLang="zh-TW" smtClean="0">
+              <a:rPr lang="en-US" altLang="zh-TW">
                 <a:ea typeface="新細明體" panose="02020500000000000000" pitchFamily="18" charset="-120"/>
               </a:rPr>
               <a:t>A typical association rule</a:t>
@@ -20013,20 +19733,20 @@
               </a:lnSpc>
             </a:pPr>
             <a:r>
-              <a:rPr lang="en-US" altLang="zh-TW" smtClean="0">
+              <a:rPr lang="en-US" altLang="zh-TW">
                 <a:ea typeface="新細明體" panose="02020500000000000000" pitchFamily="18" charset="-120"/>
               </a:rPr>
               <a:t>Diaper </a:t>
             </a:r>
             <a:r>
-              <a:rPr lang="en-US" altLang="zh-TW" smtClean="0">
+              <a:rPr lang="en-US" altLang="zh-TW">
                 <a:ea typeface="新細明體" panose="02020500000000000000" pitchFamily="18" charset="-120"/>
                 <a:sym typeface="Wingdings" panose="05000000000000000000" pitchFamily="2" charset="2"/>
               </a:rPr>
               <a:t></a:t>
             </a:r>
             <a:r>
-              <a:rPr lang="en-US" altLang="zh-TW" smtClean="0">
+              <a:rPr lang="en-US" altLang="zh-TW">
                 <a:ea typeface="新細明體" panose="02020500000000000000" pitchFamily="18" charset="-120"/>
               </a:rPr>
               <a:t> Beer [0.5%, 75%]  (support, confidence)</a:t>
@@ -20039,7 +19759,7 @@
               </a:lnSpc>
             </a:pPr>
             <a:r>
-              <a:rPr lang="en-US" altLang="zh-TW" smtClean="0">
+              <a:rPr lang="en-US" altLang="zh-TW">
                 <a:ea typeface="新細明體" panose="02020500000000000000" pitchFamily="18" charset="-120"/>
               </a:rPr>
               <a:t>Are strongly associated items also strongly correlated?</a:t>
@@ -20089,8 +19809,8 @@
           <a:lstStyle/>
           <a:p>
             <a:r>
-              <a:rPr lang="en-US" altLang="zh-TW" smtClean="0"/>
-              <a:t>Big Data Analytics, Fall 2023</a:t>
+              <a:rPr lang="en-US" altLang="zh-TW"/>
+              <a:t>Big Data Analytics, Fall 2024</a:t>
             </a:r>
             <a:endParaRPr lang="zh-TW" altLang="en-US"/>
           </a:p>
@@ -20112,8 +19832,8 @@
           <a:lstStyle/>
           <a:p>
             <a:r>
-              <a:rPr lang="en-US" altLang="zh-TW" smtClean="0"/>
-              <a:t>IMBA</a:t>
+              <a:rPr lang="en-US" altLang="zh-TW"/>
+              <a:t>IFM</a:t>
             </a:r>
             <a:endParaRPr lang="zh-TW" altLang="en-US"/>
           </a:p>
@@ -20129,21 +19849,6 @@
   <p:clrMapOvr>
     <a:masterClrMapping/>
   </p:clrMapOvr>
-  <mc:AlternateContent xmlns:mc="http://schemas.openxmlformats.org/markup-compatibility/2006" xmlns:p14="http://schemas.microsoft.com/office/powerpoint/2010/main">
-    <mc:Choice Requires="p14">
-      <p:transition spd="slow" p14:dur="2000"/>
-    </mc:Choice>
-    <mc:Fallback xmlns="">
-      <p:transition spd="slow"/>
-    </mc:Fallback>
-  </mc:AlternateContent>
-  <p:timing>
-    <p:tnLst>
-      <p:par>
-        <p:cTn id="1" dur="indefinite" restart="never" nodeType="tmRoot"/>
-      </p:par>
-    </p:tnLst>
-  </p:timing>
 </p:sld>
 </file>
 
@@ -20336,13 +20041,7 @@
               <a:rPr lang="en-US" altLang="zh-TW" sz="3200" dirty="0">
                 <a:ea typeface="新細明體" panose="02020500000000000000" pitchFamily="18" charset="-120"/>
               </a:rPr>
-              <a:t>Data Mining Function: </a:t>
-            </a:r>
-            <a:r>
-              <a:rPr lang="en-US" altLang="zh-TW" sz="3200" dirty="0" smtClean="0">
-                <a:ea typeface="新細明體" panose="02020500000000000000" pitchFamily="18" charset="-120"/>
-              </a:rPr>
-              <a:t>Classification</a:t>
+              <a:t>Data Mining Function: Classification</a:t>
             </a:r>
             <a:endParaRPr lang="en-US" altLang="zh-TW" sz="2800" dirty="0">
               <a:ea typeface="新細明體" panose="02020500000000000000" pitchFamily="18" charset="-120"/>
@@ -20507,8 +20206,8 @@
           <a:lstStyle/>
           <a:p>
             <a:r>
-              <a:rPr lang="en-US" altLang="zh-TW" smtClean="0"/>
-              <a:t>Big Data Analytics, Fall 2023</a:t>
+              <a:rPr lang="en-US" altLang="zh-TW"/>
+              <a:t>Big Data Analytics, Fall 2024</a:t>
             </a:r>
             <a:endParaRPr lang="zh-TW" altLang="en-US"/>
           </a:p>
@@ -20530,8 +20229,8 @@
           <a:lstStyle/>
           <a:p>
             <a:r>
-              <a:rPr lang="en-US" altLang="zh-TW" smtClean="0"/>
-              <a:t>IMBA</a:t>
+              <a:rPr lang="en-US" altLang="zh-TW"/>
+              <a:t>IFM</a:t>
             </a:r>
             <a:endParaRPr lang="zh-TW" altLang="en-US"/>
           </a:p>
@@ -20547,21 +20246,6 @@
   <p:clrMapOvr>
     <a:masterClrMapping/>
   </p:clrMapOvr>
-  <mc:AlternateContent xmlns:mc="http://schemas.openxmlformats.org/markup-compatibility/2006" xmlns:p14="http://schemas.microsoft.com/office/powerpoint/2010/main">
-    <mc:Choice Requires="p14">
-      <p:transition spd="slow" p14:dur="2000"/>
-    </mc:Choice>
-    <mc:Fallback xmlns="">
-      <p:transition spd="slow"/>
-    </mc:Fallback>
-  </mc:AlternateContent>
-  <p:timing>
-    <p:tnLst>
-      <p:par>
-        <p:cTn id="1" dur="indefinite" restart="never" nodeType="tmRoot"/>
-      </p:par>
-    </p:tnLst>
-  </p:timing>
 </p:sld>
 </file>
 
@@ -20754,19 +20438,7 @@
               <a:rPr lang="en-US" altLang="zh-TW" sz="3200" dirty="0">
                 <a:ea typeface="新細明體" panose="02020500000000000000" pitchFamily="18" charset="-120"/>
               </a:rPr>
-              <a:t>Data Mining Function: </a:t>
-            </a:r>
-            <a:r>
-              <a:rPr lang="en-US" altLang="zh-TW" sz="3200" dirty="0" smtClean="0">
-                <a:ea typeface="新細明體" panose="02020500000000000000" pitchFamily="18" charset="-120"/>
-              </a:rPr>
-              <a:t>Cluster </a:t>
-            </a:r>
-            <a:r>
-              <a:rPr lang="en-US" altLang="zh-TW" sz="3200" dirty="0">
-                <a:ea typeface="新細明體" panose="02020500000000000000" pitchFamily="18" charset="-120"/>
-              </a:rPr>
-              <a:t>Analysis</a:t>
+              <a:t>Data Mining Function: Cluster Analysis</a:t>
             </a:r>
           </a:p>
         </p:txBody>
@@ -20863,8 +20535,8 @@
           <a:lstStyle/>
           <a:p>
             <a:r>
-              <a:rPr lang="en-US" altLang="zh-TW" smtClean="0"/>
-              <a:t>Big Data Analytics, Fall 2023</a:t>
+              <a:rPr lang="en-US" altLang="zh-TW"/>
+              <a:t>Big Data Analytics, Fall 2024</a:t>
             </a:r>
             <a:endParaRPr lang="zh-TW" altLang="en-US"/>
           </a:p>
@@ -20886,8 +20558,8 @@
           <a:lstStyle/>
           <a:p>
             <a:r>
-              <a:rPr lang="en-US" altLang="zh-TW" smtClean="0"/>
-              <a:t>IMBA</a:t>
+              <a:rPr lang="en-US" altLang="zh-TW"/>
+              <a:t>IFM</a:t>
             </a:r>
             <a:endParaRPr lang="zh-TW" altLang="en-US"/>
           </a:p>
@@ -20903,21 +20575,6 @@
   <p:clrMapOvr>
     <a:masterClrMapping/>
   </p:clrMapOvr>
-  <mc:AlternateContent xmlns:mc="http://schemas.openxmlformats.org/markup-compatibility/2006" xmlns:p14="http://schemas.microsoft.com/office/powerpoint/2010/main">
-    <mc:Choice Requires="p14">
-      <p:transition spd="slow" p14:dur="2000"/>
-    </mc:Choice>
-    <mc:Fallback xmlns="">
-      <p:transition spd="slow"/>
-    </mc:Fallback>
-  </mc:AlternateContent>
-  <p:timing>
-    <p:tnLst>
-      <p:par>
-        <p:cTn id="1" dur="indefinite" restart="never" nodeType="tmRoot"/>
-      </p:par>
-    </p:tnLst>
-  </p:timing>
 </p:sld>
 </file>
 
@@ -20954,10 +20611,10 @@
           <a:lstStyle/>
           <a:p>
             <a:r>
-              <a:rPr lang="en-US" altLang="zh-TW" smtClean="0"/>
+              <a:rPr lang="en-US" altLang="zh-TW"/>
               <a:t>Hadoop Architecture</a:t>
             </a:r>
-            <a:endParaRPr lang="zh-TW" altLang="en-US" smtClean="0"/>
+            <a:endParaRPr lang="zh-TW" altLang="en-US"/>
           </a:p>
         </p:txBody>
       </p:sp>
@@ -21115,10 +20772,9 @@
           </a:lstStyle>
           <a:p>
             <a:r>
-              <a:rPr kumimoji="0" lang="en-US" altLang="zh-TW" smtClean="0"/>
-              <a:t>Big Data Analytics, Fall 2023</a:t>
-            </a:r>
-            <a:endParaRPr kumimoji="0" lang="en-US" altLang="zh-TW" smtClean="0"/>
+              <a:rPr kumimoji="0" lang="en-US" altLang="zh-TW"/>
+              <a:t>Big Data Analytics, Fall 2024</a:t>
+            </a:r>
           </a:p>
         </p:txBody>
       </p:sp>
@@ -21246,10 +20902,9 @@
           </a:lstStyle>
           <a:p>
             <a:r>
-              <a:rPr kumimoji="0" lang="en-US" altLang="zh-TW" smtClean="0"/>
-              <a:t>IMBA</a:t>
-            </a:r>
-            <a:endParaRPr kumimoji="0" lang="en-US" altLang="zh-TW" smtClean="0"/>
+              <a:rPr kumimoji="0" lang="en-US" altLang="zh-TW"/>
+              <a:t>IFM</a:t>
+            </a:r>
           </a:p>
         </p:txBody>
       </p:sp>
@@ -21381,7 +21036,7 @@
               <a:pPr/>
               <a:t>28</a:t>
             </a:fld>
-            <a:endParaRPr kumimoji="0" lang="en-US" altLang="zh-TW" smtClean="0"/>
+            <a:endParaRPr kumimoji="0" lang="en-US" altLang="zh-TW"/>
           </a:p>
         </p:txBody>
       </p:sp>
@@ -21395,13 +21050,6 @@
   <p:clrMapOvr>
     <a:masterClrMapping/>
   </p:clrMapOvr>
-  <p:timing>
-    <p:tnLst>
-      <p:par>
-        <p:cTn id="1" dur="indefinite" restart="never" nodeType="tmRoot"/>
-      </p:par>
-    </p:tnLst>
-  </p:timing>
 </p:sld>
 </file>
 
@@ -21438,10 +21086,10 @@
           <a:lstStyle/>
           <a:p>
             <a:r>
-              <a:rPr lang="en-US" altLang="zh-TW" smtClean="0"/>
+              <a:rPr lang="en-US" altLang="zh-TW"/>
               <a:t>MapReduce</a:t>
             </a:r>
-            <a:endParaRPr lang="zh-TW" altLang="en-US" smtClean="0"/>
+            <a:endParaRPr lang="zh-TW" altLang="en-US"/>
           </a:p>
         </p:txBody>
       </p:sp>
@@ -21599,10 +21247,9 @@
           </a:lstStyle>
           <a:p>
             <a:r>
-              <a:rPr kumimoji="0" lang="en-US" altLang="zh-TW" smtClean="0"/>
-              <a:t>Big Data Analytics, Fall 2023</a:t>
-            </a:r>
-            <a:endParaRPr kumimoji="0" lang="en-US" altLang="zh-TW" smtClean="0"/>
+              <a:rPr kumimoji="0" lang="en-US" altLang="zh-TW"/>
+              <a:t>Big Data Analytics, Fall 2024</a:t>
+            </a:r>
           </a:p>
         </p:txBody>
       </p:sp>
@@ -21730,10 +21377,9 @@
           </a:lstStyle>
           <a:p>
             <a:r>
-              <a:rPr kumimoji="0" lang="en-US" altLang="zh-TW" smtClean="0"/>
-              <a:t>IMBA</a:t>
-            </a:r>
-            <a:endParaRPr kumimoji="0" lang="en-US" altLang="zh-TW" smtClean="0"/>
+              <a:rPr kumimoji="0" lang="en-US" altLang="zh-TW"/>
+              <a:t>IFM</a:t>
+            </a:r>
           </a:p>
         </p:txBody>
       </p:sp>
@@ -21865,7 +21511,7 @@
               <a:pPr/>
               <a:t>29</a:t>
             </a:fld>
-            <a:endParaRPr kumimoji="0" lang="en-US" altLang="zh-TW" smtClean="0"/>
+            <a:endParaRPr kumimoji="0" lang="en-US" altLang="zh-TW"/>
           </a:p>
         </p:txBody>
       </p:sp>
@@ -21879,13 +21525,6 @@
   <p:clrMapOvr>
     <a:masterClrMapping/>
   </p:clrMapOvr>
-  <p:timing>
-    <p:tnLst>
-      <p:par>
-        <p:cTn id="1" dur="indefinite" restart="never" nodeType="tmRoot"/>
-      </p:par>
-    </p:tnLst>
-  </p:timing>
 </p:sld>
 </file>
 
@@ -21988,7 +21627,7 @@
               <a:defRPr/>
             </a:pPr>
             <a:r>
-              <a:rPr lang="en-US" altLang="zh-TW" dirty="0" smtClean="0"/>
+              <a:rPr lang="en-US" altLang="zh-TW" dirty="0"/>
               <a:t>Antitheft: identity recognition</a:t>
             </a:r>
           </a:p>
@@ -21997,7 +21636,7 @@
               <a:defRPr/>
             </a:pPr>
             <a:r>
-              <a:rPr lang="en-US" altLang="zh-TW" dirty="0" smtClean="0"/>
+              <a:rPr lang="en-US" altLang="zh-TW" dirty="0"/>
               <a:t>Entertainment: music playing</a:t>
             </a:r>
           </a:p>
@@ -22006,7 +21645,7 @@
               <a:defRPr/>
             </a:pPr>
             <a:r>
-              <a:rPr lang="en-US" altLang="zh-TW" dirty="0" smtClean="0"/>
+              <a:rPr lang="en-US" altLang="zh-TW" dirty="0"/>
               <a:t>Traffic: navigating and routing prediction</a:t>
             </a:r>
           </a:p>
@@ -22015,7 +21654,7 @@
               <a:defRPr/>
             </a:pPr>
             <a:r>
-              <a:rPr lang="en-US" altLang="zh-TW" dirty="0" smtClean="0"/>
+              <a:rPr lang="en-US" altLang="zh-TW" dirty="0"/>
               <a:t>Breakfast: recommendation system</a:t>
             </a:r>
           </a:p>
@@ -22024,7 +21663,7 @@
               <a:defRPr/>
             </a:pPr>
             <a:r>
-              <a:rPr lang="en-US" altLang="zh-TW" dirty="0" smtClean="0"/>
+              <a:rPr lang="en-US" altLang="zh-TW" dirty="0"/>
               <a:t>Social: feeds selection and filtering</a:t>
             </a:r>
           </a:p>
@@ -22033,7 +21672,7 @@
               <a:defRPr/>
             </a:pPr>
             <a:r>
-              <a:rPr lang="en-US" altLang="zh-TW" dirty="0" smtClean="0"/>
+              <a:rPr lang="en-US" altLang="zh-TW" dirty="0"/>
               <a:t>Deals: sales discount</a:t>
             </a:r>
           </a:p>
@@ -22042,7 +21681,7 @@
               <a:defRPr/>
             </a:pPr>
             <a:r>
-              <a:rPr lang="en-US" altLang="zh-TW" dirty="0" smtClean="0"/>
+              <a:rPr lang="en-US" altLang="zh-TW" dirty="0"/>
               <a:t>Internet search: store, speech recognition</a:t>
             </a:r>
           </a:p>
@@ -22051,7 +21690,7 @@
               <a:defRPr/>
             </a:pPr>
             <a:r>
-              <a:rPr lang="en-US" altLang="zh-TW" dirty="0" smtClean="0"/>
+              <a:rPr lang="en-US" altLang="zh-TW" dirty="0"/>
               <a:t>Drive inattention: sensors</a:t>
             </a:r>
           </a:p>
@@ -22060,7 +21699,7 @@
               <a:defRPr/>
             </a:pPr>
             <a:r>
-              <a:rPr lang="en-US" altLang="zh-TW" dirty="0" smtClean="0"/>
+              <a:rPr lang="en-US" altLang="zh-TW" dirty="0"/>
               <a:t>Collision avoidance: sensors, vision</a:t>
             </a:r>
           </a:p>
@@ -22069,7 +21708,7 @@
               <a:defRPr/>
             </a:pPr>
             <a:r>
-              <a:rPr lang="en-US" altLang="zh-TW" dirty="0" smtClean="0"/>
+              <a:rPr lang="en-US" altLang="zh-TW" dirty="0"/>
               <a:t>Reliability: predictive maintenance</a:t>
             </a:r>
           </a:p>
@@ -22236,14 +21875,11 @@
               <a:buNone/>
             </a:pPr>
             <a:r>
-              <a:rPr kumimoji="0" lang="en-US" altLang="zh-TW" sz="1400" smtClean="0">
+              <a:rPr kumimoji="0" lang="en-US" altLang="zh-TW" sz="1400">
                 <a:latin typeface="Arial" panose="020B0604020202020204" pitchFamily="34" charset="0"/>
               </a:rPr>
-              <a:t>Big Data Analytics, Fall 2023</a:t>
-            </a:r>
-            <a:endParaRPr kumimoji="0" lang="en-US" altLang="zh-TW" sz="1400">
-              <a:latin typeface="Arial" panose="020B0604020202020204" pitchFamily="34" charset="0"/>
-            </a:endParaRPr>
+              <a:t>Big Data Analytics, Fall 2024</a:t>
+            </a:r>
           </a:p>
         </p:txBody>
       </p:sp>
@@ -22402,14 +22038,11 @@
               <a:buNone/>
             </a:pPr>
             <a:r>
-              <a:rPr kumimoji="0" lang="en-US" altLang="zh-TW" sz="1400" smtClean="0">
+              <a:rPr kumimoji="0" lang="en-US" altLang="zh-TW" sz="1400">
                 <a:latin typeface="Arial" panose="020B0604020202020204" pitchFamily="34" charset="0"/>
               </a:rPr>
-              <a:t>IMBA</a:t>
-            </a:r>
-            <a:endParaRPr kumimoji="0" lang="en-US" altLang="zh-TW" sz="1400">
-              <a:latin typeface="Arial" panose="020B0604020202020204" pitchFamily="34" charset="0"/>
-            </a:endParaRPr>
+              <a:t>IFM</a:t>
+            </a:r>
           </a:p>
         </p:txBody>
       </p:sp>
@@ -22596,13 +22229,6 @@
   <p:clrMapOvr>
     <a:masterClrMapping/>
   </p:clrMapOvr>
-  <p:timing>
-    <p:tnLst>
-      <p:par>
-        <p:cTn id="1" dur="indefinite" restart="never" nodeType="tmRoot"/>
-      </p:par>
-    </p:tnLst>
-  </p:timing>
 </p:sld>
 </file>
 
@@ -22639,7 +22265,7 @@
           <a:lstStyle/>
           <a:p>
             <a:r>
-              <a:rPr lang="en-US" altLang="zh-TW" dirty="0" smtClean="0"/>
+              <a:rPr lang="en-US" altLang="zh-TW" dirty="0"/>
               <a:t>Functional Programming</a:t>
             </a:r>
             <a:endParaRPr lang="zh-TW" altLang="en-US" dirty="0"/>
@@ -22691,8 +22317,8 @@
           <a:lstStyle/>
           <a:p>
             <a:r>
-              <a:rPr lang="en-US" altLang="zh-TW" smtClean="0"/>
-              <a:t>Big Data Analytics, Fall 2023</a:t>
+              <a:rPr lang="en-US" altLang="zh-TW"/>
+              <a:t>Big Data Analytics, Fall 2024</a:t>
             </a:r>
             <a:endParaRPr lang="zh-TW" altLang="en-US"/>
           </a:p>
@@ -22714,8 +22340,8 @@
           <a:lstStyle/>
           <a:p>
             <a:r>
-              <a:rPr lang="en-US" altLang="zh-TW" smtClean="0"/>
-              <a:t>IMBA</a:t>
+              <a:rPr lang="en-US" altLang="zh-TW"/>
+              <a:t>IFM</a:t>
             </a:r>
             <a:endParaRPr lang="zh-TW" altLang="en-US"/>
           </a:p>
@@ -22754,13 +22380,6 @@
   <p:clrMapOvr>
     <a:masterClrMapping/>
   </p:clrMapOvr>
-  <p:timing>
-    <p:tnLst>
-      <p:par>
-        <p:cTn id="1" dur="indefinite" restart="never" nodeType="tmRoot"/>
-      </p:par>
-    </p:tnLst>
-  </p:timing>
 </p:sld>
 </file>
 
@@ -22797,10 +22416,10 @@
           <a:lstStyle/>
           <a:p>
             <a:r>
-              <a:rPr lang="en-US" altLang="zh-TW" smtClean="0"/>
+              <a:rPr lang="en-US" altLang="zh-TW"/>
               <a:t>Spark and Hadoop</a:t>
             </a:r>
-            <a:endParaRPr lang="zh-TW" altLang="en-US" smtClean="0"/>
+            <a:endParaRPr lang="zh-TW" altLang="en-US"/>
           </a:p>
         </p:txBody>
       </p:sp>
@@ -22958,10 +22577,9 @@
           </a:lstStyle>
           <a:p>
             <a:r>
-              <a:rPr kumimoji="0" lang="en-US" altLang="zh-TW" smtClean="0"/>
-              <a:t>Big Data Analytics, Fall 2023</a:t>
-            </a:r>
-            <a:endParaRPr kumimoji="0" lang="en-US" altLang="zh-TW" smtClean="0"/>
+              <a:rPr kumimoji="0" lang="en-US" altLang="zh-TW"/>
+              <a:t>Big Data Analytics, Fall 2024</a:t>
+            </a:r>
           </a:p>
         </p:txBody>
       </p:sp>
@@ -23089,10 +22707,9 @@
           </a:lstStyle>
           <a:p>
             <a:r>
-              <a:rPr kumimoji="0" lang="en-US" altLang="zh-TW" smtClean="0"/>
-              <a:t>IMBA</a:t>
-            </a:r>
-            <a:endParaRPr kumimoji="0" lang="en-US" altLang="zh-TW" smtClean="0"/>
+              <a:rPr kumimoji="0" lang="en-US" altLang="zh-TW"/>
+              <a:t>IFM</a:t>
+            </a:r>
           </a:p>
         </p:txBody>
       </p:sp>
@@ -23224,7 +22841,7 @@
               <a:pPr/>
               <a:t>31</a:t>
             </a:fld>
-            <a:endParaRPr kumimoji="0" lang="en-US" altLang="zh-TW" smtClean="0"/>
+            <a:endParaRPr kumimoji="0" lang="en-US" altLang="zh-TW"/>
           </a:p>
         </p:txBody>
       </p:sp>
@@ -23238,13 +22855,6 @@
   <p:clrMapOvr>
     <a:masterClrMapping/>
   </p:clrMapOvr>
-  <p:timing>
-    <p:tnLst>
-      <p:par>
-        <p:cTn id="1" dur="indefinite" restart="never" nodeType="tmRoot"/>
-      </p:par>
-    </p:tnLst>
-  </p:timing>
 </p:sld>
 </file>
 
@@ -23281,22 +22891,10 @@
           <a:lstStyle/>
           <a:p>
             <a:r>
-              <a:rPr lang="en-US" altLang="zh-TW" dirty="0" smtClean="0"/>
-              <a:t>Some </a:t>
-            </a:r>
-            <a:r>
-              <a:rPr lang="en-US" altLang="zh-TW" dirty="0" smtClean="0"/>
-              <a:t>Example Applications </a:t>
-            </a:r>
-            <a:r>
-              <a:rPr lang="en-US" altLang="zh-TW" dirty="0" smtClean="0"/>
-              <a:t>of </a:t>
-            </a:r>
-            <a:r>
-              <a:rPr lang="en-US" altLang="zh-TW" dirty="0" smtClean="0"/>
-              <a:t>Big Data Analytics</a:t>
-            </a:r>
-            <a:endParaRPr lang="zh-TW" altLang="en-US" dirty="0" smtClean="0"/>
+              <a:rPr lang="en-US" altLang="zh-TW" dirty="0"/>
+              <a:t>Some Example Applications of Big Data Analytics</a:t>
+            </a:r>
+            <a:endParaRPr lang="zh-TW" altLang="en-US" dirty="0"/>
           </a:p>
         </p:txBody>
       </p:sp>
@@ -23316,35 +22914,30 @@
           <a:lstStyle/>
           <a:p>
             <a:r>
-              <a:rPr lang="en-US" altLang="zh-TW" dirty="0" smtClean="0"/>
+              <a:rPr lang="en-US" altLang="zh-TW" dirty="0"/>
               <a:t>Web query analysis</a:t>
             </a:r>
-            <a:endParaRPr lang="en-US" altLang="zh-TW" dirty="0" smtClean="0"/>
-          </a:p>
-          <a:p>
-            <a:r>
-              <a:rPr lang="en-US" altLang="zh-TW" dirty="0" smtClean="0"/>
+          </a:p>
+          <a:p>
+            <a:r>
+              <a:rPr lang="en-US" altLang="zh-TW" dirty="0"/>
               <a:t>Financial data analysis</a:t>
             </a:r>
           </a:p>
           <a:p>
             <a:r>
-              <a:rPr lang="en-US" altLang="zh-TW" dirty="0" smtClean="0"/>
-              <a:t>Social </a:t>
-            </a:r>
-            <a:r>
-              <a:rPr lang="en-US" altLang="zh-TW" dirty="0" smtClean="0"/>
-              <a:t>network analysis</a:t>
-            </a:r>
-          </a:p>
-          <a:p>
-            <a:endParaRPr lang="en-US" altLang="zh-TW" dirty="0" smtClean="0"/>
-          </a:p>
-          <a:p>
-            <a:endParaRPr lang="en-US" altLang="zh-TW" dirty="0" smtClean="0"/>
-          </a:p>
-          <a:p>
-            <a:endParaRPr lang="zh-TW" altLang="en-US" dirty="0" smtClean="0"/>
+              <a:rPr lang="en-US" altLang="zh-TW" dirty="0"/>
+              <a:t>Social network analysis</a:t>
+            </a:r>
+          </a:p>
+          <a:p>
+            <a:endParaRPr lang="en-US" altLang="zh-TW" dirty="0"/>
+          </a:p>
+          <a:p>
+            <a:endParaRPr lang="en-US" altLang="zh-TW" dirty="0"/>
+          </a:p>
+          <a:p>
+            <a:endParaRPr lang="zh-TW" altLang="en-US" dirty="0"/>
           </a:p>
         </p:txBody>
       </p:sp>
@@ -23472,10 +23065,9 @@
           </a:lstStyle>
           <a:p>
             <a:r>
-              <a:rPr kumimoji="0" lang="en-US" altLang="zh-TW" smtClean="0"/>
-              <a:t>Big Data Analytics, Fall 2023</a:t>
-            </a:r>
-            <a:endParaRPr kumimoji="0" lang="en-US" altLang="zh-TW"/>
+              <a:rPr kumimoji="0" lang="en-US" altLang="zh-TW"/>
+              <a:t>Big Data Analytics, Fall 2024</a:t>
+            </a:r>
           </a:p>
         </p:txBody>
       </p:sp>
@@ -23603,10 +23195,9 @@
           </a:lstStyle>
           <a:p>
             <a:r>
-              <a:rPr kumimoji="0" lang="en-US" altLang="zh-TW" smtClean="0"/>
-              <a:t>IMBA</a:t>
-            </a:r>
-            <a:endParaRPr kumimoji="0" lang="en-US" altLang="zh-TW" smtClean="0"/>
+              <a:rPr kumimoji="0" lang="en-US" altLang="zh-TW"/>
+              <a:t>IFM</a:t>
+            </a:r>
           </a:p>
         </p:txBody>
       </p:sp>
@@ -23738,7 +23329,7 @@
               <a:pPr/>
               <a:t>32</a:t>
             </a:fld>
-            <a:endParaRPr kumimoji="0" lang="en-US" altLang="zh-TW" smtClean="0"/>
+            <a:endParaRPr kumimoji="0" lang="en-US" altLang="zh-TW"/>
           </a:p>
         </p:txBody>
       </p:sp>
@@ -23752,13 +23343,6 @@
   <p:clrMapOvr>
     <a:masterClrMapping/>
   </p:clrMapOvr>
-  <p:timing>
-    <p:tnLst>
-      <p:par>
-        <p:cTn id="1" dur="indefinite" restart="never" nodeType="tmRoot"/>
-      </p:par>
-    </p:tnLst>
-  </p:timing>
 </p:sld>
 </file>
 
@@ -23802,18 +23386,18 @@
           <a:lstStyle/>
           <a:p>
             <a:r>
-              <a:rPr lang="en-US" altLang="zh-TW" dirty="0" smtClean="0"/>
+              <a:rPr lang="en-US" altLang="zh-TW" dirty="0"/>
               <a:t>Example: Google </a:t>
             </a:r>
             <a:r>
-              <a:rPr lang="en-US" altLang="zh-TW" dirty="0" err="1" smtClean="0"/>
+              <a:rPr lang="en-US" altLang="zh-TW" dirty="0" err="1"/>
               <a:t>FluTrends</a:t>
             </a:r>
             <a:r>
-              <a:rPr lang="en-US" altLang="zh-TW" dirty="0" smtClean="0"/>
+              <a:rPr lang="en-US" altLang="zh-TW" dirty="0"/>
               <a:t> (GFT)</a:t>
             </a:r>
-            <a:endParaRPr lang="zh-TW" altLang="en-US" dirty="0" smtClean="0"/>
+            <a:endParaRPr lang="zh-TW" altLang="en-US" dirty="0"/>
           </a:p>
         </p:txBody>
       </p:sp>
@@ -23847,6 +23431,93 @@
           </a:xfrm>
         </p:spPr>
       </p:pic>
+      <p:sp>
+        <p:nvSpPr>
+          <p:cNvPr id="2" name="日期版面配置區 1">
+            <a:extLst>
+              <a:ext uri="{FF2B5EF4-FFF2-40B4-BE49-F238E27FC236}">
+                <a16:creationId xmlns:a16="http://schemas.microsoft.com/office/drawing/2014/main" id="{CC8FB944-EC0E-4823-AEAE-035DE46B5986}"/>
+              </a:ext>
+            </a:extLst>
+          </p:cNvPr>
+          <p:cNvSpPr>
+            <a:spLocks noGrp="1"/>
+          </p:cNvSpPr>
+          <p:nvPr>
+            <p:ph type="dt" sz="half" idx="10"/>
+          </p:nvPr>
+        </p:nvSpPr>
+        <p:spPr/>
+        <p:txBody>
+          <a:bodyPr/>
+          <a:lstStyle/>
+          <a:p>
+            <a:r>
+              <a:rPr lang="en-US" altLang="zh-TW"/>
+              <a:t>Big Data Analytics, Fall 2024</a:t>
+            </a:r>
+            <a:endParaRPr lang="zh-TW" altLang="en-US"/>
+          </a:p>
+        </p:txBody>
+      </p:sp>
+      <p:sp>
+        <p:nvSpPr>
+          <p:cNvPr id="3" name="頁尾版面配置區 2">
+            <a:extLst>
+              <a:ext uri="{FF2B5EF4-FFF2-40B4-BE49-F238E27FC236}">
+                <a16:creationId xmlns:a16="http://schemas.microsoft.com/office/drawing/2014/main" id="{E6CA9F11-683F-425B-AD93-EF2687D88F6B}"/>
+              </a:ext>
+            </a:extLst>
+          </p:cNvPr>
+          <p:cNvSpPr>
+            <a:spLocks noGrp="1"/>
+          </p:cNvSpPr>
+          <p:nvPr>
+            <p:ph type="ftr" sz="quarter" idx="11"/>
+          </p:nvPr>
+        </p:nvSpPr>
+        <p:spPr/>
+        <p:txBody>
+          <a:bodyPr/>
+          <a:lstStyle/>
+          <a:p>
+            <a:r>
+              <a:rPr lang="en-US" altLang="zh-TW"/>
+              <a:t>IFM</a:t>
+            </a:r>
+            <a:endParaRPr lang="zh-TW" altLang="en-US"/>
+          </a:p>
+        </p:txBody>
+      </p:sp>
+      <p:sp>
+        <p:nvSpPr>
+          <p:cNvPr id="4" name="投影片編號版面配置區 3">
+            <a:extLst>
+              <a:ext uri="{FF2B5EF4-FFF2-40B4-BE49-F238E27FC236}">
+                <a16:creationId xmlns:a16="http://schemas.microsoft.com/office/drawing/2014/main" id="{B18EB499-9DB9-4BC5-BF4B-87F28E47703F}"/>
+              </a:ext>
+            </a:extLst>
+          </p:cNvPr>
+          <p:cNvSpPr>
+            <a:spLocks noGrp="1"/>
+          </p:cNvSpPr>
+          <p:nvPr>
+            <p:ph type="sldNum" sz="quarter" idx="12"/>
+          </p:nvPr>
+        </p:nvSpPr>
+        <p:spPr/>
+        <p:txBody>
+          <a:bodyPr/>
+          <a:lstStyle/>
+          <a:p>
+            <a:fld id="{4A31BFE9-2C33-4333-8A4D-756F9CC8721C}" type="slidenum">
+              <a:rPr lang="zh-TW" altLang="en-US" smtClean="0"/>
+              <a:t>33</a:t>
+            </a:fld>
+            <a:endParaRPr lang="zh-TW" altLang="en-US"/>
+          </a:p>
+        </p:txBody>
+      </p:sp>
     </p:spTree>
     <p:extLst>
       <p:ext uri="{BB962C8B-B14F-4D97-AF65-F5344CB8AC3E}">
@@ -23857,13 +23528,6 @@
   <p:clrMapOvr>
     <a:masterClrMapping/>
   </p:clrMapOvr>
-  <p:timing>
-    <p:tnLst>
-      <p:par>
-        <p:cTn id="1" dur="indefinite" restart="never" nodeType="tmRoot"/>
-      </p:par>
-    </p:tnLst>
-  </p:timing>
 </p:sld>
 </file>
 
@@ -23900,10 +23564,10 @@
           <a:lstStyle/>
           <a:p>
             <a:r>
-              <a:rPr lang="en-US" altLang="zh-TW" dirty="0" smtClean="0"/>
+              <a:rPr lang="en-US" altLang="zh-TW" dirty="0"/>
               <a:t>“Traps in Big Data Analysis?”</a:t>
             </a:r>
-            <a:endParaRPr lang="zh-TW" altLang="en-US" dirty="0" smtClean="0"/>
+            <a:endParaRPr lang="zh-TW" altLang="en-US" dirty="0"/>
           </a:p>
         </p:txBody>
       </p:sp>
@@ -23928,16 +23592,8 @@
               <a:defRPr/>
             </a:pPr>
             <a:r>
-              <a:rPr lang="en-US" altLang="zh-TW" dirty="0" smtClean="0"/>
-              <a:t>GFT failed missing </a:t>
-            </a:r>
-            <a:r>
               <a:rPr lang="en-US" altLang="zh-TW" dirty="0"/>
-              <a:t>at the peak of the 2013 flu season by 140 </a:t>
-            </a:r>
-            <a:r>
-              <a:rPr lang="en-US" altLang="zh-TW" dirty="0" smtClean="0"/>
-              <a:t>percent</a:t>
+              <a:t>GFT failed missing at the peak of the 2013 flu season by 140 percent</a:t>
             </a:r>
           </a:p>
           <a:p>
@@ -23945,16 +23601,8 @@
               <a:defRPr/>
             </a:pPr>
             <a:r>
-              <a:rPr lang="en-US" altLang="zh-TW" dirty="0" smtClean="0"/>
-              <a:t>It’s dangerous </a:t>
-            </a:r>
-            <a:r>
               <a:rPr lang="en-US" altLang="zh-TW" dirty="0"/>
-              <a:t>to rely on Google Flu Trends for any </a:t>
-            </a:r>
-            <a:r>
-              <a:rPr lang="en-US" altLang="zh-TW" dirty="0" smtClean="0"/>
-              <a:t>decision-making</a:t>
+              <a:t>It’s dangerous to rely on Google Flu Trends for any decision-making</a:t>
             </a:r>
           </a:p>
           <a:p>
@@ -23962,16 +23610,8 @@
               <a:defRPr/>
             </a:pPr>
             <a:r>
-              <a:rPr lang="en-US" altLang="zh-TW" dirty="0" smtClean="0"/>
-              <a:t>For example, their algorithm is vulnerable </a:t>
-            </a:r>
-            <a:r>
               <a:rPr lang="en-US" altLang="zh-TW" dirty="0"/>
-              <a:t>to overfitting to seasonal terms unrelated to the flu, like “high school basketball</a:t>
-            </a:r>
-            <a:r>
-              <a:rPr lang="en-US" altLang="zh-TW" dirty="0" smtClean="0"/>
-              <a:t>.”</a:t>
+              <a:t>For example, their algorithm is vulnerable to overfitting to seasonal terms unrelated to the flu, like “high school basketball.”</a:t>
             </a:r>
           </a:p>
           <a:p>
@@ -23982,135 +23622,11 @@
               <a:rPr lang="en-US" altLang="zh-TW" dirty="0"/>
               <a:t>Google also did not take into account changes in search behavior over time</a:t>
             </a:r>
-            <a:endParaRPr lang="en-US" altLang="zh-TW" dirty="0" smtClean="0"/>
           </a:p>
           <a:p>
             <a:pPr>
               <a:defRPr/>
             </a:pPr>
-            <a:endParaRPr lang="en-US" altLang="zh-TW" dirty="0" smtClean="0">
-              <a:solidFill>
-                <a:schemeClr val="bg1">
-                  <a:lumMod val="85000"/>
-                </a:schemeClr>
-              </a:solidFill>
-            </a:endParaRPr>
-          </a:p>
-          <a:p>
-            <a:pPr>
-              <a:defRPr/>
-            </a:pPr>
-            <a:r>
-              <a:rPr lang="en-US" altLang="zh-TW" dirty="0" smtClean="0">
-                <a:solidFill>
-                  <a:schemeClr val="bg1">
-                    <a:lumMod val="85000"/>
-                  </a:schemeClr>
-                </a:solidFill>
-              </a:rPr>
-              <a:t>[Source: David </a:t>
-            </a:r>
-            <a:r>
-              <a:rPr lang="en-US" altLang="zh-TW" dirty="0" err="1" smtClean="0">
-                <a:solidFill>
-                  <a:schemeClr val="bg1">
-                    <a:lumMod val="85000"/>
-                  </a:schemeClr>
-                </a:solidFill>
-              </a:rPr>
-              <a:t>Lazer</a:t>
-            </a:r>
-            <a:r>
-              <a:rPr lang="en-US" altLang="zh-TW" dirty="0" smtClean="0">
-                <a:solidFill>
-                  <a:schemeClr val="bg1">
-                    <a:lumMod val="85000"/>
-                  </a:schemeClr>
-                </a:solidFill>
-              </a:rPr>
-              <a:t>, Ryan Kennedy, Gary King, and Alessandro </a:t>
-            </a:r>
-            <a:r>
-              <a:rPr lang="en-US" altLang="zh-TW" dirty="0" err="1" smtClean="0">
-                <a:solidFill>
-                  <a:schemeClr val="bg1">
-                    <a:lumMod val="85000"/>
-                  </a:schemeClr>
-                </a:solidFill>
-              </a:rPr>
-              <a:t>Vespignani</a:t>
-            </a:r>
-            <a:r>
-              <a:rPr lang="en-US" altLang="zh-TW" dirty="0" smtClean="0">
-                <a:solidFill>
-                  <a:schemeClr val="bg1">
-                    <a:lumMod val="85000"/>
-                  </a:schemeClr>
-                </a:solidFill>
-              </a:rPr>
-              <a:t>, The Parable of Google Flu: Traps in Big Data Analysis, </a:t>
-            </a:r>
-            <a:r>
-              <a:rPr lang="en-US" altLang="zh-TW" b="1" i="1" cap="all" dirty="0" smtClean="0">
-                <a:solidFill>
-                  <a:schemeClr val="bg1">
-                    <a:lumMod val="85000"/>
-                  </a:schemeClr>
-                </a:solidFill>
-              </a:rPr>
-              <a:t>Science</a:t>
-            </a:r>
-            <a:r>
-              <a:rPr lang="en-US" altLang="zh-TW" dirty="0" smtClean="0">
-                <a:solidFill>
-                  <a:schemeClr val="bg1">
-                    <a:lumMod val="85000"/>
-                  </a:schemeClr>
-                </a:solidFill>
-              </a:rPr>
-              <a:t>, Vol 343, Issue 6176, pp. 1203-1205, 14 </a:t>
-            </a:r>
-            <a:r>
-              <a:rPr lang="en-US" altLang="zh-TW" dirty="0">
-                <a:solidFill>
-                  <a:schemeClr val="bg1">
-                    <a:lumMod val="85000"/>
-                  </a:schemeClr>
-                </a:solidFill>
-              </a:rPr>
-              <a:t>Mar </a:t>
-            </a:r>
-            <a:r>
-              <a:rPr lang="en-US" altLang="zh-TW" dirty="0" smtClean="0">
-                <a:solidFill>
-                  <a:schemeClr val="bg1">
-                    <a:lumMod val="85000"/>
-                  </a:schemeClr>
-                </a:solidFill>
-              </a:rPr>
-              <a:t>2014,</a:t>
-            </a:r>
-            <a:r>
-              <a:rPr lang="en-US" altLang="zh-TW" u="sng" dirty="0" smtClean="0">
-                <a:solidFill>
-                  <a:schemeClr val="bg1">
-                    <a:lumMod val="85000"/>
-                  </a:schemeClr>
-                </a:solidFill>
-                <a:hlinkClick r:id="rId2"/>
-              </a:rPr>
-              <a:t>DOI: 10.1126/science.1248506</a:t>
-            </a:r>
-            <a:r>
-              <a:rPr lang="en-US" altLang="zh-TW" u="sng" dirty="0" smtClean="0">
-                <a:solidFill>
-                  <a:schemeClr val="bg1">
-                    <a:lumMod val="85000"/>
-                  </a:schemeClr>
-                </a:solidFill>
-              </a:rPr>
-              <a:t>]</a:t>
-            </a:r>
             <a:endParaRPr lang="en-US" altLang="zh-TW" dirty="0">
               <a:solidFill>
                 <a:schemeClr val="bg1">
@@ -24118,6 +23634,196 @@
                 </a:schemeClr>
               </a:solidFill>
             </a:endParaRPr>
+          </a:p>
+          <a:p>
+            <a:pPr>
+              <a:defRPr/>
+            </a:pPr>
+            <a:r>
+              <a:rPr lang="en-US" altLang="zh-TW" dirty="0">
+                <a:solidFill>
+                  <a:schemeClr val="bg1">
+                    <a:lumMod val="85000"/>
+                  </a:schemeClr>
+                </a:solidFill>
+              </a:rPr>
+              <a:t>[Source: David </a:t>
+            </a:r>
+            <a:r>
+              <a:rPr lang="en-US" altLang="zh-TW" dirty="0" err="1">
+                <a:solidFill>
+                  <a:schemeClr val="bg1">
+                    <a:lumMod val="85000"/>
+                  </a:schemeClr>
+                </a:solidFill>
+              </a:rPr>
+              <a:t>Lazer</a:t>
+            </a:r>
+            <a:r>
+              <a:rPr lang="en-US" altLang="zh-TW" dirty="0">
+                <a:solidFill>
+                  <a:schemeClr val="bg1">
+                    <a:lumMod val="85000"/>
+                  </a:schemeClr>
+                </a:solidFill>
+              </a:rPr>
+              <a:t>, Ryan Kennedy, Gary King, and Alessandro </a:t>
+            </a:r>
+            <a:r>
+              <a:rPr lang="en-US" altLang="zh-TW" dirty="0" err="1">
+                <a:solidFill>
+                  <a:schemeClr val="bg1">
+                    <a:lumMod val="85000"/>
+                  </a:schemeClr>
+                </a:solidFill>
+              </a:rPr>
+              <a:t>Vespignani</a:t>
+            </a:r>
+            <a:r>
+              <a:rPr lang="en-US" altLang="zh-TW" dirty="0">
+                <a:solidFill>
+                  <a:schemeClr val="bg1">
+                    <a:lumMod val="85000"/>
+                  </a:schemeClr>
+                </a:solidFill>
+              </a:rPr>
+              <a:t>, The Parable of Google Flu: Traps in Big Data Analysis, </a:t>
+            </a:r>
+            <a:r>
+              <a:rPr lang="en-US" altLang="zh-TW" b="1" i="1" cap="all" dirty="0">
+                <a:solidFill>
+                  <a:schemeClr val="bg1">
+                    <a:lumMod val="85000"/>
+                  </a:schemeClr>
+                </a:solidFill>
+              </a:rPr>
+              <a:t>Science</a:t>
+            </a:r>
+            <a:r>
+              <a:rPr lang="en-US" altLang="zh-TW" dirty="0">
+                <a:solidFill>
+                  <a:schemeClr val="bg1">
+                    <a:lumMod val="85000"/>
+                  </a:schemeClr>
+                </a:solidFill>
+              </a:rPr>
+              <a:t>, Vol 343, Issue 6176, pp. 1203-1205, 14 Mar 2014,</a:t>
+            </a:r>
+            <a:r>
+              <a:rPr lang="en-US" altLang="zh-TW" u="sng" dirty="0">
+                <a:solidFill>
+                  <a:schemeClr val="bg1">
+                    <a:lumMod val="85000"/>
+                  </a:schemeClr>
+                </a:solidFill>
+                <a:hlinkClick r:id="rId2"/>
+              </a:rPr>
+              <a:t>DOI: 10.1126/science.1248506</a:t>
+            </a:r>
+            <a:r>
+              <a:rPr lang="en-US" altLang="zh-TW" u="sng" dirty="0">
+                <a:solidFill>
+                  <a:schemeClr val="bg1">
+                    <a:lumMod val="85000"/>
+                  </a:schemeClr>
+                </a:solidFill>
+              </a:rPr>
+              <a:t>]</a:t>
+            </a:r>
+            <a:endParaRPr lang="en-US" altLang="zh-TW" dirty="0">
+              <a:solidFill>
+                <a:schemeClr val="bg1">
+                  <a:lumMod val="85000"/>
+                </a:schemeClr>
+              </a:solidFill>
+            </a:endParaRPr>
+          </a:p>
+        </p:txBody>
+      </p:sp>
+      <p:sp>
+        <p:nvSpPr>
+          <p:cNvPr id="2" name="日期版面配置區 1">
+            <a:extLst>
+              <a:ext uri="{FF2B5EF4-FFF2-40B4-BE49-F238E27FC236}">
+                <a16:creationId xmlns:a16="http://schemas.microsoft.com/office/drawing/2014/main" id="{4B263CD4-35FF-41C6-BE29-7D036FDC76E5}"/>
+              </a:ext>
+            </a:extLst>
+          </p:cNvPr>
+          <p:cNvSpPr>
+            <a:spLocks noGrp="1"/>
+          </p:cNvSpPr>
+          <p:nvPr>
+            <p:ph type="dt" sz="half" idx="10"/>
+          </p:nvPr>
+        </p:nvSpPr>
+        <p:spPr/>
+        <p:txBody>
+          <a:bodyPr/>
+          <a:lstStyle/>
+          <a:p>
+            <a:r>
+              <a:rPr lang="en-US" altLang="zh-TW"/>
+              <a:t>Big Data Analytics, Fall 2024</a:t>
+            </a:r>
+            <a:endParaRPr lang="zh-TW" altLang="en-US"/>
+          </a:p>
+        </p:txBody>
+      </p:sp>
+      <p:sp>
+        <p:nvSpPr>
+          <p:cNvPr id="4" name="頁尾版面配置區 3">
+            <a:extLst>
+              <a:ext uri="{FF2B5EF4-FFF2-40B4-BE49-F238E27FC236}">
+                <a16:creationId xmlns:a16="http://schemas.microsoft.com/office/drawing/2014/main" id="{12FD9371-3CED-4E28-9CB7-9D27F7C7BD7D}"/>
+              </a:ext>
+            </a:extLst>
+          </p:cNvPr>
+          <p:cNvSpPr>
+            <a:spLocks noGrp="1"/>
+          </p:cNvSpPr>
+          <p:nvPr>
+            <p:ph type="ftr" sz="quarter" idx="11"/>
+          </p:nvPr>
+        </p:nvSpPr>
+        <p:spPr/>
+        <p:txBody>
+          <a:bodyPr/>
+          <a:lstStyle/>
+          <a:p>
+            <a:r>
+              <a:rPr lang="en-US" altLang="zh-TW"/>
+              <a:t>IFM</a:t>
+            </a:r>
+            <a:endParaRPr lang="zh-TW" altLang="en-US"/>
+          </a:p>
+        </p:txBody>
+      </p:sp>
+      <p:sp>
+        <p:nvSpPr>
+          <p:cNvPr id="5" name="投影片編號版面配置區 4">
+            <a:extLst>
+              <a:ext uri="{FF2B5EF4-FFF2-40B4-BE49-F238E27FC236}">
+                <a16:creationId xmlns:a16="http://schemas.microsoft.com/office/drawing/2014/main" id="{1957102A-543F-4BAF-9276-4E923A68D6E5}"/>
+              </a:ext>
+            </a:extLst>
+          </p:cNvPr>
+          <p:cNvSpPr>
+            <a:spLocks noGrp="1"/>
+          </p:cNvSpPr>
+          <p:nvPr>
+            <p:ph type="sldNum" sz="quarter" idx="12"/>
+          </p:nvPr>
+        </p:nvSpPr>
+        <p:spPr/>
+        <p:txBody>
+          <a:bodyPr/>
+          <a:lstStyle/>
+          <a:p>
+            <a:fld id="{4A31BFE9-2C33-4333-8A4D-756F9CC8721C}" type="slidenum">
+              <a:rPr lang="zh-TW" altLang="en-US" smtClean="0"/>
+              <a:t>34</a:t>
+            </a:fld>
+            <a:endParaRPr lang="zh-TW" altLang="en-US"/>
           </a:p>
         </p:txBody>
       </p:sp>
@@ -24131,13 +23837,6 @@
   <p:clrMapOvr>
     <a:masterClrMapping/>
   </p:clrMapOvr>
-  <p:timing>
-    <p:tnLst>
-      <p:par>
-        <p:cTn id="1" dur="indefinite" restart="never" nodeType="tmRoot"/>
-      </p:par>
-    </p:tnLst>
-  </p:timing>
 </p:sld>
 </file>
 
@@ -24174,12 +23873,8 @@
           <a:lstStyle/>
           <a:p>
             <a:r>
-              <a:rPr lang="en-US" altLang="zh-TW" dirty="0" smtClean="0"/>
-              <a:t>Example: Twitter </a:t>
-            </a:r>
-            <a:r>
-              <a:rPr lang="en-US" altLang="zh-TW" dirty="0" smtClean="0"/>
-              <a:t>Mood vs. Stock Market</a:t>
+              <a:rPr lang="en-US" altLang="zh-TW" dirty="0"/>
+              <a:t>Example: Twitter Mood vs. Stock Market</a:t>
             </a:r>
             <a:endParaRPr lang="zh-TW" altLang="en-US" dirty="0"/>
           </a:p>
@@ -24246,16 +23941,11 @@
               <a:rPr lang="en-US" altLang="zh-TW" dirty="0"/>
               <a:t> Mao, and Xiao-Jun Zeng, </a:t>
             </a:r>
-            <a:endParaRPr lang="en-US" altLang="zh-TW" dirty="0" smtClean="0"/>
-          </a:p>
-          <a:p>
-            <a:r>
-              <a:rPr lang="en-US" altLang="zh-TW" dirty="0" smtClean="0"/>
-              <a:t>“</a:t>
-            </a:r>
+          </a:p>
+          <a:p>
             <a:r>
               <a:rPr lang="en-US" altLang="zh-TW" dirty="0"/>
-              <a:t>Twitter Mood Predicts the Stock Market,” Journal of Computational Science, 2(1), 2011]</a:t>
+              <a:t>“Twitter Mood Predicts the Stock Market,” Journal of Computational Science, 2(1), 2011]</a:t>
             </a:r>
             <a:endParaRPr lang="zh-TW" altLang="en-US" dirty="0"/>
           </a:p>
@@ -24385,8 +24075,8 @@
           <a:lstStyle/>
           <a:p>
             <a:r>
-              <a:rPr lang="en-US" altLang="zh-TW" smtClean="0"/>
-              <a:t>Big Data Analytics, Fall 2023</a:t>
+              <a:rPr lang="en-US" altLang="zh-TW"/>
+              <a:t>Big Data Analytics, Fall 2024</a:t>
             </a:r>
             <a:endParaRPr lang="zh-TW" altLang="en-US"/>
           </a:p>
@@ -24408,8 +24098,8 @@
           <a:lstStyle/>
           <a:p>
             <a:r>
-              <a:rPr lang="en-US" altLang="zh-TW" smtClean="0"/>
-              <a:t>IMBA</a:t>
+              <a:rPr lang="en-US" altLang="zh-TW"/>
+              <a:t>IFM</a:t>
             </a:r>
             <a:endParaRPr lang="zh-TW" altLang="en-US"/>
           </a:p>
@@ -24448,13 +24138,6 @@
   <p:clrMapOvr>
     <a:masterClrMapping/>
   </p:clrMapOvr>
-  <p:timing>
-    <p:tnLst>
-      <p:par>
-        <p:cTn id="1" dur="indefinite" restart="never" nodeType="tmRoot"/>
-      </p:par>
-    </p:tnLst>
-  </p:timing>
 </p:sld>
 </file>
 
@@ -24496,7 +24179,7 @@
               <a:defRPr/>
             </a:pPr>
             <a:r>
-              <a:rPr lang="en-US" altLang="zh-TW" dirty="0" smtClean="0"/>
+              <a:rPr lang="en-US" altLang="zh-TW" dirty="0"/>
               <a:t>Example: Hot Topic Detection in Online Forums</a:t>
             </a:r>
             <a:endParaRPr lang="zh-TW" altLang="en-US" dirty="0"/>
@@ -24655,8 +24338,8 @@
           </a:lstStyle>
           <a:p>
             <a:r>
-              <a:rPr kumimoji="0" lang="en-US" altLang="zh-TW" smtClean="0"/>
-              <a:t>Big Data Analytics, Fall 2023</a:t>
+              <a:rPr kumimoji="0" lang="en-US" altLang="zh-TW"/>
+              <a:t>Big Data Analytics, Fall 2024</a:t>
             </a:r>
             <a:endParaRPr kumimoji="0" lang="zh-TW" altLang="en-US"/>
           </a:p>
@@ -24786,10 +24469,10 @@
           </a:lstStyle>
           <a:p>
             <a:r>
-              <a:rPr kumimoji="0" lang="en-US" altLang="zh-TW" smtClean="0"/>
-              <a:t>IMBA</a:t>
-            </a:r>
-            <a:endParaRPr kumimoji="0" lang="zh-TW" altLang="en-US" smtClean="0"/>
+              <a:rPr kumimoji="0" lang="en-US" altLang="zh-TW"/>
+              <a:t>IFM</a:t>
+            </a:r>
+            <a:endParaRPr kumimoji="0" lang="zh-TW" altLang="en-US"/>
           </a:p>
         </p:txBody>
       </p:sp>
@@ -24921,7 +24604,7 @@
               <a:pPr/>
               <a:t>36</a:t>
             </a:fld>
-            <a:endParaRPr kumimoji="0" lang="zh-TW" altLang="en-US" smtClean="0"/>
+            <a:endParaRPr kumimoji="0" lang="zh-TW" altLang="en-US"/>
           </a:p>
         </p:txBody>
       </p:sp>
@@ -24935,13 +24618,6 @@
   <p:clrMapOvr>
     <a:masterClrMapping/>
   </p:clrMapOvr>
-  <p:timing>
-    <p:tnLst>
-      <p:par>
-        <p:cTn id="1" dur="indefinite" restart="never" nodeType="tmRoot"/>
-      </p:par>
-    </p:tnLst>
-  </p:timing>
 </p:sld>
 </file>
 
@@ -24978,10 +24654,10 @@
           <a:lstStyle/>
           <a:p>
             <a:r>
-              <a:rPr lang="en-US" altLang="zh-TW" dirty="0" smtClean="0"/>
+              <a:rPr lang="en-US" altLang="zh-TW" dirty="0"/>
               <a:t>Example: Visualization of Crime Data Analysis Result</a:t>
             </a:r>
-            <a:endParaRPr lang="zh-TW" altLang="en-US" dirty="0" smtClean="0"/>
+            <a:endParaRPr lang="zh-TW" altLang="en-US" dirty="0"/>
           </a:p>
         </p:txBody>
       </p:sp>
@@ -25139,8 +24815,8 @@
           </a:lstStyle>
           <a:p>
             <a:r>
-              <a:rPr kumimoji="0" lang="en-US" altLang="zh-TW" smtClean="0"/>
-              <a:t>Big Data Analytics, Fall 2023</a:t>
+              <a:rPr kumimoji="0" lang="en-US" altLang="zh-TW"/>
+              <a:t>Big Data Analytics, Fall 2024</a:t>
             </a:r>
             <a:endParaRPr kumimoji="0" lang="zh-TW" altLang="en-US"/>
           </a:p>
@@ -25270,10 +24946,10 @@
           </a:lstStyle>
           <a:p>
             <a:r>
-              <a:rPr kumimoji="0" lang="en-US" altLang="zh-TW" smtClean="0"/>
-              <a:t>IMBA</a:t>
-            </a:r>
-            <a:endParaRPr kumimoji="0" lang="zh-TW" altLang="en-US" smtClean="0"/>
+              <a:rPr kumimoji="0" lang="en-US" altLang="zh-TW"/>
+              <a:t>IFM</a:t>
+            </a:r>
+            <a:endParaRPr kumimoji="0" lang="zh-TW" altLang="en-US"/>
           </a:p>
         </p:txBody>
       </p:sp>
@@ -25405,7 +25081,7 @@
               <a:pPr/>
               <a:t>37</a:t>
             </a:fld>
-            <a:endParaRPr kumimoji="0" lang="zh-TW" altLang="en-US" smtClean="0"/>
+            <a:endParaRPr kumimoji="0" lang="zh-TW" altLang="en-US"/>
           </a:p>
         </p:txBody>
       </p:sp>
@@ -25579,13 +25255,6 @@
   <p:clrMapOvr>
     <a:masterClrMapping/>
   </p:clrMapOvr>
-  <p:timing>
-    <p:tnLst>
-      <p:par>
-        <p:cTn id="1" dur="indefinite" restart="never" nodeType="tmRoot"/>
-      </p:par>
-    </p:tnLst>
-  </p:timing>
 </p:sld>
 </file>
 
@@ -25622,7 +25291,7 @@
           <a:lstStyle/>
           <a:p>
             <a:r>
-              <a:rPr lang="en-US" altLang="zh-TW" dirty="0" smtClean="0"/>
+              <a:rPr lang="en-US" altLang="zh-TW" dirty="0"/>
               <a:t>References</a:t>
             </a:r>
             <a:endParaRPr lang="zh-TW" altLang="en-US" dirty="0"/>
@@ -25645,13 +25314,13 @@
           <a:lstStyle/>
           <a:p>
             <a:r>
-              <a:rPr lang="en-US" altLang="zh-TW" dirty="0" smtClean="0"/>
+              <a:rPr lang="en-US" altLang="zh-TW" dirty="0"/>
               <a:t>Eric Siegel, Predictive Analytics: the power to predict who will click, buy, lie, or die, Wiley, 2013.</a:t>
             </a:r>
           </a:p>
           <a:p>
             <a:r>
-              <a:rPr lang="en-US" altLang="zh-TW" dirty="0" smtClean="0"/>
+              <a:rPr lang="en-US" altLang="zh-TW" dirty="0"/>
               <a:t>EMC Education services, Data Science and Big Data Analytics: discovering, analyzing, visualizing and presenting data, Wiley, 2015.</a:t>
             </a:r>
           </a:p>
@@ -25666,13 +25335,8 @@
             </a:r>
             <a:r>
               <a:rPr lang="en-US" altLang="zh-TW" dirty="0"/>
-              <a:t> and Jian Pei, Data Mining: Concepts and Techniques, 3rd ed., Morgan Kaufmann Publishers, July 2011</a:t>
-            </a:r>
-            <a:r>
-              <a:rPr lang="en-US" altLang="zh-TW" dirty="0" smtClean="0"/>
-              <a:t>. (Chap. 1)</a:t>
-            </a:r>
-            <a:endParaRPr lang="en-US" altLang="zh-TW" dirty="0"/>
+              <a:t> and Jian Pei, Data Mining: Concepts and Techniques, 3rd ed., Morgan Kaufmann Publishers, July 2011. (Chap. 1)</a:t>
+            </a:r>
           </a:p>
           <a:p>
             <a:endParaRPr lang="zh-TW" altLang="en-US" dirty="0"/>
@@ -25695,8 +25359,8 @@
           <a:lstStyle/>
           <a:p>
             <a:r>
-              <a:rPr lang="en-US" altLang="zh-TW" smtClean="0"/>
-              <a:t>Big Data Analytics, Fall 2023</a:t>
+              <a:rPr lang="en-US" altLang="zh-TW"/>
+              <a:t>Big Data Analytics, Fall 2024</a:t>
             </a:r>
             <a:endParaRPr lang="zh-TW" altLang="en-US"/>
           </a:p>
@@ -25718,8 +25382,8 @@
           <a:lstStyle/>
           <a:p>
             <a:r>
-              <a:rPr lang="en-US" altLang="zh-TW" smtClean="0"/>
-              <a:t>IMBA</a:t>
+              <a:rPr lang="en-US" altLang="zh-TW"/>
+              <a:t>IFM</a:t>
             </a:r>
             <a:endParaRPr lang="zh-TW" altLang="en-US"/>
           </a:p>
@@ -25758,13 +25422,6 @@
   <p:clrMapOvr>
     <a:masterClrMapping/>
   </p:clrMapOvr>
-  <p:timing>
-    <p:tnLst>
-      <p:par>
-        <p:cTn id="1" dur="indefinite" restart="never" nodeType="tmRoot"/>
-      </p:par>
-    </p:tnLst>
-  </p:timing>
 </p:sld>
 </file>
 
@@ -25801,7 +25458,7 @@
           <a:lstStyle/>
           <a:p>
             <a:r>
-              <a:rPr lang="en-US" altLang="zh-TW" dirty="0" smtClean="0"/>
+              <a:rPr lang="en-US" altLang="zh-TW" dirty="0"/>
               <a:t>Thanks for Your Attention!</a:t>
             </a:r>
             <a:endParaRPr lang="zh-TW" altLang="en-US" dirty="0"/>
@@ -25843,8 +25500,8 @@
           <a:lstStyle/>
           <a:p>
             <a:r>
-              <a:rPr lang="en-US" altLang="zh-TW" smtClean="0"/>
-              <a:t>Big Data Analytics, Fall 2023</a:t>
+              <a:rPr lang="en-US" altLang="zh-TW"/>
+              <a:t>Big Data Analytics, Fall 2024</a:t>
             </a:r>
             <a:endParaRPr lang="zh-TW" altLang="en-US"/>
           </a:p>
@@ -25866,8 +25523,8 @@
           <a:lstStyle/>
           <a:p>
             <a:r>
-              <a:rPr lang="en-US" altLang="zh-TW" smtClean="0"/>
-              <a:t>IMBA</a:t>
+              <a:rPr lang="en-US" altLang="zh-TW"/>
+              <a:t>IFM</a:t>
             </a:r>
             <a:endParaRPr lang="zh-TW" altLang="en-US"/>
           </a:p>
@@ -25906,13 +25563,6 @@
   <p:clrMapOvr>
     <a:masterClrMapping/>
   </p:clrMapOvr>
-  <p:timing>
-    <p:tnLst>
-      <p:par>
-        <p:cTn id="1" dur="indefinite" restart="never" nodeType="tmRoot"/>
-      </p:par>
-    </p:tnLst>
-  </p:timing>
 </p:sld>
 </file>
 
@@ -25949,7 +25599,7 @@
           <a:lstStyle/>
           <a:p>
             <a:r>
-              <a:rPr lang="en-US" altLang="zh-TW" dirty="0" smtClean="0"/>
+              <a:rPr lang="en-US" altLang="zh-TW" dirty="0"/>
               <a:t>What is Big Data?</a:t>
             </a:r>
             <a:endParaRPr lang="zh-TW" altLang="en-US" dirty="0"/>
@@ -25972,11 +25622,11 @@
           <a:lstStyle/>
           <a:p>
             <a:r>
-              <a:rPr lang="en-US" altLang="zh-TW" dirty="0" smtClean="0"/>
+              <a:rPr lang="en-US" altLang="zh-TW" dirty="0"/>
               <a:t>“Big data is data whose </a:t>
             </a:r>
             <a:r>
-              <a:rPr lang="en-US" altLang="zh-TW" dirty="0" smtClean="0">
+              <a:rPr lang="en-US" altLang="zh-TW" dirty="0">
                 <a:solidFill>
                   <a:srgbClr val="0000FF"/>
                 </a:solidFill>
@@ -25984,13 +25634,13 @@
               <a:t>scale, distribution, diversity, and/or timeliness </a:t>
             </a:r>
             <a:r>
-              <a:rPr lang="en-US" altLang="zh-TW" dirty="0" smtClean="0"/>
+              <a:rPr lang="en-US" altLang="zh-TW" dirty="0"/>
               <a:t>require the use of new technical architectures and analytics to enable insights that unlock new sources of business value.”</a:t>
             </a:r>
           </a:p>
           <a:p>
             <a:r>
-              <a:rPr lang="en-US" altLang="zh-TW" dirty="0" smtClean="0">
+              <a:rPr lang="en-US" altLang="zh-TW" dirty="0">
                 <a:solidFill>
                   <a:schemeClr val="bg1">
                     <a:lumMod val="75000"/>
@@ -26000,7 +25650,7 @@
               <a:t>[source: C. </a:t>
             </a:r>
             <a:r>
-              <a:rPr lang="en-US" altLang="zh-TW" dirty="0" err="1" smtClean="0">
+              <a:rPr lang="en-US" altLang="zh-TW" dirty="0" err="1">
                 <a:solidFill>
                   <a:schemeClr val="bg1">
                     <a:lumMod val="75000"/>
@@ -26010,34 +25660,14 @@
               <a:t>Manyika</a:t>
             </a:r>
             <a:r>
-              <a:rPr lang="en-US" altLang="zh-TW" dirty="0" smtClean="0">
+              <a:rPr lang="en-US" altLang="zh-TW" dirty="0">
                 <a:solidFill>
                   <a:schemeClr val="bg1">
                     <a:lumMod val="75000"/>
                   </a:schemeClr>
                 </a:solidFill>
               </a:rPr>
-              <a:t>, Big Data: The next frontier for innovation, competition, and productivity, </a:t>
-            </a:r>
-            <a:r>
-              <a:rPr lang="en-US" altLang="zh-TW" dirty="0">
-                <a:solidFill>
-                  <a:schemeClr val="bg1">
-                    <a:lumMod val="75000"/>
-                  </a:schemeClr>
-                </a:solidFill>
-              </a:rPr>
-              <a:t>McKinsey </a:t>
-            </a:r>
-            <a:r>
-              <a:rPr lang="en-US" altLang="zh-TW" dirty="0" smtClean="0">
-                <a:solidFill>
-                  <a:schemeClr val="bg1">
-                    <a:lumMod val="75000"/>
-                  </a:schemeClr>
-                </a:solidFill>
-              </a:rPr>
-              <a:t>Global Institute, 2011]</a:t>
+              <a:t>, Big Data: The next frontier for innovation, competition, and productivity, McKinsey Global Institute, 2011]</a:t>
             </a:r>
             <a:endParaRPr lang="zh-TW" altLang="en-US" dirty="0">
               <a:solidFill>
@@ -26065,8 +25695,8 @@
           <a:lstStyle/>
           <a:p>
             <a:r>
-              <a:rPr lang="en-US" altLang="zh-TW" smtClean="0"/>
-              <a:t>Big Data Analytics, Fall 2023</a:t>
+              <a:rPr lang="en-US" altLang="zh-TW"/>
+              <a:t>Big Data Analytics, Fall 2024</a:t>
             </a:r>
             <a:endParaRPr lang="zh-TW" altLang="en-US"/>
           </a:p>
@@ -26088,8 +25718,8 @@
           <a:lstStyle/>
           <a:p>
             <a:r>
-              <a:rPr lang="en-US" altLang="zh-TW" smtClean="0"/>
-              <a:t>IMBA</a:t>
+              <a:rPr lang="en-US" altLang="zh-TW"/>
+              <a:t>IFM</a:t>
             </a:r>
             <a:endParaRPr lang="zh-TW" altLang="en-US"/>
           </a:p>
@@ -26128,13 +25758,6 @@
   <p:clrMapOvr>
     <a:masterClrMapping/>
   </p:clrMapOvr>
-  <p:timing>
-    <p:tnLst>
-      <p:par>
-        <p:cTn id="1" dur="indefinite" restart="never" nodeType="tmRoot"/>
-      </p:par>
-    </p:tnLst>
-  </p:timing>
 </p:sld>
 </file>
 
@@ -26171,10 +25794,10 @@
           <a:lstStyle/>
           <a:p>
             <a:r>
-              <a:rPr lang="en-US" altLang="zh-TW" dirty="0" smtClean="0"/>
+              <a:rPr lang="en-US" altLang="zh-TW" dirty="0"/>
               <a:t>Characteristics of Big Data</a:t>
             </a:r>
-            <a:endParaRPr lang="zh-TW" altLang="en-US" dirty="0" smtClean="0"/>
+            <a:endParaRPr lang="zh-TW" altLang="en-US" dirty="0"/>
           </a:p>
         </p:txBody>
       </p:sp>
@@ -26199,7 +25822,7 @@
               <a:defRPr/>
             </a:pPr>
             <a:r>
-              <a:rPr lang="en-US" altLang="zh-TW" dirty="0" smtClean="0"/>
+              <a:rPr lang="en-US" altLang="zh-TW" dirty="0"/>
               <a:t>Five V’s:</a:t>
             </a:r>
           </a:p>
@@ -26208,11 +25831,11 @@
               <a:defRPr/>
             </a:pPr>
             <a:r>
-              <a:rPr lang="en-US" altLang="zh-TW" dirty="0" smtClean="0"/>
+              <a:rPr lang="en-US" altLang="zh-TW" dirty="0"/>
               <a:t>Volume: </a:t>
             </a:r>
             <a:r>
-              <a:rPr lang="en-US" altLang="zh-TW" dirty="0" smtClean="0">
+              <a:rPr lang="en-US" altLang="zh-TW" dirty="0">
                 <a:solidFill>
                   <a:srgbClr val="0000FF"/>
                 </a:solidFill>
@@ -26225,11 +25848,11 @@
               <a:defRPr/>
             </a:pPr>
             <a:r>
-              <a:rPr lang="en-US" altLang="zh-TW" dirty="0" smtClean="0"/>
+              <a:rPr lang="en-US" altLang="zh-TW" dirty="0"/>
               <a:t>Velocity: </a:t>
             </a:r>
             <a:r>
-              <a:rPr lang="en-US" altLang="zh-TW" dirty="0" smtClean="0">
+              <a:rPr lang="en-US" altLang="zh-TW" dirty="0">
                 <a:solidFill>
                   <a:srgbClr val="0000FF"/>
                 </a:solidFill>
@@ -26237,7 +25860,7 @@
               <a:t>streaming</a:t>
             </a:r>
             <a:r>
-              <a:rPr lang="en-US" altLang="zh-TW" dirty="0" smtClean="0"/>
+              <a:rPr lang="en-US" altLang="zh-TW" dirty="0"/>
               <a:t> </a:t>
             </a:r>
           </a:p>
@@ -26246,7 +25869,7 @@
               <a:defRPr/>
             </a:pPr>
             <a:r>
-              <a:rPr lang="en-US" altLang="zh-TW" dirty="0" smtClean="0">
+              <a:rPr lang="en-US" altLang="zh-TW" dirty="0">
                 <a:solidFill>
                   <a:srgbClr val="0000FF"/>
                 </a:solidFill>
@@ -26254,7 +25877,7 @@
               <a:t>Variety</a:t>
             </a:r>
             <a:r>
-              <a:rPr lang="en-US" altLang="zh-TW" dirty="0" smtClean="0"/>
+              <a:rPr lang="en-US" altLang="zh-TW" dirty="0"/>
               <a:t>: different forms</a:t>
             </a:r>
           </a:p>
@@ -26263,11 +25886,11 @@
               <a:defRPr/>
             </a:pPr>
             <a:r>
-              <a:rPr lang="en-US" altLang="zh-TW" dirty="0" smtClean="0"/>
+              <a:rPr lang="en-US" altLang="zh-TW" dirty="0"/>
               <a:t>Veracity: </a:t>
             </a:r>
             <a:r>
-              <a:rPr lang="en-US" altLang="zh-TW" dirty="0" smtClean="0">
+              <a:rPr lang="en-US" altLang="zh-TW" dirty="0">
                 <a:solidFill>
                   <a:srgbClr val="0000FF"/>
                 </a:solidFill>
@@ -26280,7 +25903,7 @@
               <a:defRPr/>
             </a:pPr>
             <a:r>
-              <a:rPr lang="en-US" altLang="zh-TW" dirty="0" smtClean="0">
+              <a:rPr lang="en-US" altLang="zh-TW" dirty="0">
                 <a:solidFill>
                   <a:srgbClr val="0000FF"/>
                 </a:solidFill>
@@ -26292,7 +25915,7 @@
             <a:pPr lvl="1">
               <a:defRPr/>
             </a:pPr>
-            <a:endParaRPr lang="en-US" altLang="zh-TW" dirty="0" smtClean="0">
+            <a:endParaRPr lang="en-US" altLang="zh-TW" dirty="0">
               <a:solidFill>
                 <a:srgbClr val="0000FF"/>
               </a:solidFill>
@@ -26455,14 +26078,11 @@
               <a:buNone/>
             </a:pPr>
             <a:r>
-              <a:rPr kumimoji="0" lang="en-US" altLang="zh-TW" sz="1400" smtClean="0">
+              <a:rPr kumimoji="0" lang="en-US" altLang="zh-TW" sz="1400">
                 <a:latin typeface="Arial" panose="020B0604020202020204" pitchFamily="34" charset="0"/>
               </a:rPr>
-              <a:t>Big Data Analytics, Fall 2023</a:t>
-            </a:r>
-            <a:endParaRPr kumimoji="0" lang="en-US" altLang="zh-TW" sz="1400">
-              <a:latin typeface="Arial" panose="020B0604020202020204" pitchFamily="34" charset="0"/>
-            </a:endParaRPr>
+              <a:t>Big Data Analytics, Fall 2024</a:t>
+            </a:r>
           </a:p>
         </p:txBody>
       </p:sp>
@@ -26621,14 +26241,11 @@
               <a:buNone/>
             </a:pPr>
             <a:r>
-              <a:rPr kumimoji="0" lang="en-US" altLang="zh-TW" sz="1400" smtClean="0">
+              <a:rPr kumimoji="0" lang="en-US" altLang="zh-TW" sz="1400">
                 <a:latin typeface="Arial" panose="020B0604020202020204" pitchFamily="34" charset="0"/>
               </a:rPr>
-              <a:t>IMBA</a:t>
-            </a:r>
-            <a:endParaRPr kumimoji="0" lang="en-US" altLang="zh-TW" sz="1400">
-              <a:latin typeface="Arial" panose="020B0604020202020204" pitchFamily="34" charset="0"/>
-            </a:endParaRPr>
+              <a:t>IFM</a:t>
+            </a:r>
           </a:p>
         </p:txBody>
       </p:sp>
@@ -26815,13 +26432,6 @@
   <p:clrMapOvr>
     <a:masterClrMapping/>
   </p:clrMapOvr>
-  <p:timing>
-    <p:tnLst>
-      <p:par>
-        <p:cTn id="1" dur="indefinite" restart="never" nodeType="tmRoot"/>
-      </p:par>
-    </p:tnLst>
-  </p:timing>
 </p:sld>
 </file>
 
@@ -26858,7 +26468,7 @@
           <a:lstStyle/>
           <a:p>
             <a:r>
-              <a:rPr lang="en-US" altLang="zh-TW" dirty="0" smtClean="0"/>
+              <a:rPr lang="en-US" altLang="zh-TW" dirty="0"/>
               <a:t>Data Structures</a:t>
             </a:r>
             <a:endParaRPr lang="zh-TW" altLang="en-US" dirty="0"/>
@@ -26881,21 +26491,21 @@
           <a:lstStyle/>
           <a:p>
             <a:r>
-              <a:rPr lang="en-US" altLang="zh-TW" dirty="0" smtClean="0"/>
+              <a:rPr lang="en-US" altLang="zh-TW" dirty="0"/>
               <a:t>Variety: different forms</a:t>
             </a:r>
           </a:p>
           <a:p>
             <a:pPr lvl="1"/>
             <a:r>
-              <a:rPr lang="en-US" altLang="zh-TW" dirty="0" smtClean="0"/>
+              <a:rPr lang="en-US" altLang="zh-TW" dirty="0"/>
               <a:t>Structured: databases, spreadsheets, …</a:t>
             </a:r>
           </a:p>
           <a:p>
             <a:pPr lvl="1"/>
             <a:r>
-              <a:rPr lang="en-US" altLang="zh-TW" dirty="0" smtClean="0">
+              <a:rPr lang="en-US" altLang="zh-TW" dirty="0">
                 <a:solidFill>
                   <a:srgbClr val="0000FF"/>
                 </a:solidFill>
@@ -26903,14 +26513,14 @@
               <a:t>Semi-structured</a:t>
             </a:r>
             <a:r>
-              <a:rPr lang="en-US" altLang="zh-TW" dirty="0" smtClean="0"/>
+              <a:rPr lang="en-US" altLang="zh-TW" dirty="0"/>
               <a:t>: textual files such as Web pages, XML, …</a:t>
             </a:r>
           </a:p>
           <a:p>
             <a:pPr lvl="1"/>
             <a:r>
-              <a:rPr lang="en-US" altLang="zh-TW" dirty="0" smtClean="0">
+              <a:rPr lang="en-US" altLang="zh-TW" dirty="0">
                 <a:solidFill>
                   <a:srgbClr val="0000FF"/>
                 </a:solidFill>
@@ -26918,20 +26528,20 @@
               <a:t>Unstructured</a:t>
             </a:r>
             <a:r>
-              <a:rPr lang="en-US" altLang="zh-TW" dirty="0" smtClean="0"/>
+              <a:rPr lang="en-US" altLang="zh-TW" dirty="0"/>
               <a:t>: text documents, images, videos, …</a:t>
             </a:r>
           </a:p>
           <a:p>
             <a:r>
-              <a:rPr lang="en-US" altLang="zh-TW" dirty="0" smtClean="0"/>
+              <a:rPr lang="en-US" altLang="zh-TW" dirty="0"/>
               <a:t>Data growth is increasingly unstructured</a:t>
             </a:r>
           </a:p>
           <a:p>
             <a:pPr lvl="1"/>
             <a:r>
-              <a:rPr lang="en-US" altLang="zh-TW" dirty="0" smtClean="0"/>
+              <a:rPr lang="en-US" altLang="zh-TW" dirty="0"/>
               <a:t>Social media: Facebook, Twitter, …</a:t>
             </a:r>
           </a:p>
@@ -26957,8 +26567,8 @@
           <a:lstStyle/>
           <a:p>
             <a:r>
-              <a:rPr lang="en-US" altLang="zh-TW" smtClean="0"/>
-              <a:t>Big Data Analytics, Fall 2023</a:t>
+              <a:rPr lang="en-US" altLang="zh-TW"/>
+              <a:t>Big Data Analytics, Fall 2024</a:t>
             </a:r>
             <a:endParaRPr lang="zh-TW" altLang="en-US"/>
           </a:p>
@@ -26980,8 +26590,8 @@
           <a:lstStyle/>
           <a:p>
             <a:r>
-              <a:rPr lang="en-US" altLang="zh-TW" smtClean="0"/>
-              <a:t>IMBA</a:t>
+              <a:rPr lang="en-US" altLang="zh-TW"/>
+              <a:t>IFM</a:t>
             </a:r>
             <a:endParaRPr lang="zh-TW" altLang="en-US"/>
           </a:p>
@@ -27020,13 +26630,6 @@
   <p:clrMapOvr>
     <a:masterClrMapping/>
   </p:clrMapOvr>
-  <p:timing>
-    <p:tnLst>
-      <p:par>
-        <p:cTn id="1" dur="indefinite" restart="never" nodeType="tmRoot"/>
-      </p:par>
-    </p:tnLst>
-  </p:timing>
 </p:sld>
 </file>
 
@@ -27063,7 +26666,7 @@
           <a:lstStyle/>
           <a:p>
             <a:r>
-              <a:rPr lang="en-US" altLang="zh-TW" dirty="0" smtClean="0"/>
+              <a:rPr lang="en-US" altLang="zh-TW" dirty="0"/>
               <a:t>Differences from traditional data analysis</a:t>
             </a:r>
             <a:endParaRPr lang="zh-TW" altLang="en-US" dirty="0"/>
@@ -27086,18 +26689,18 @@
           <a:lstStyle/>
           <a:p>
             <a:r>
-              <a:rPr lang="en-US" altLang="zh-TW" dirty="0" smtClean="0"/>
+              <a:rPr lang="en-US" altLang="zh-TW" dirty="0"/>
               <a:t>Distinct requirements</a:t>
             </a:r>
           </a:p>
           <a:p>
             <a:pPr lvl="1"/>
             <a:r>
-              <a:rPr lang="en-US" altLang="zh-TW" dirty="0" smtClean="0"/>
+              <a:rPr lang="en-US" altLang="zh-TW" dirty="0"/>
               <a:t>Combining of </a:t>
             </a:r>
             <a:r>
-              <a:rPr lang="en-US" altLang="zh-TW" dirty="0" smtClean="0">
+              <a:rPr lang="en-US" altLang="zh-TW" dirty="0">
                 <a:solidFill>
                   <a:srgbClr val="0000FF"/>
                 </a:solidFill>
@@ -27105,18 +26708,18 @@
               <a:t>multiple unrelated </a:t>
             </a:r>
             <a:r>
-              <a:rPr lang="en-US" altLang="zh-TW" dirty="0" smtClean="0"/>
+              <a:rPr lang="en-US" altLang="zh-TW" dirty="0"/>
               <a:t>datasets</a:t>
             </a:r>
           </a:p>
           <a:p>
             <a:pPr lvl="1"/>
             <a:r>
-              <a:rPr lang="en-US" altLang="zh-TW" dirty="0" smtClean="0"/>
+              <a:rPr lang="en-US" altLang="zh-TW" dirty="0"/>
               <a:t>Processing of large amounts of </a:t>
             </a:r>
             <a:r>
-              <a:rPr lang="en-US" altLang="zh-TW" dirty="0" smtClean="0">
+              <a:rPr lang="en-US" altLang="zh-TW" dirty="0">
                 <a:solidFill>
                   <a:srgbClr val="0000FF"/>
                 </a:solidFill>
@@ -27124,18 +26727,18 @@
               <a:t>unstructured</a:t>
             </a:r>
             <a:r>
-              <a:rPr lang="en-US" altLang="zh-TW" dirty="0" smtClean="0"/>
+              <a:rPr lang="en-US" altLang="zh-TW" dirty="0"/>
               <a:t> data</a:t>
             </a:r>
           </a:p>
           <a:p>
             <a:pPr lvl="1"/>
             <a:r>
-              <a:rPr lang="en-US" altLang="zh-TW" dirty="0" smtClean="0"/>
+              <a:rPr lang="en-US" altLang="zh-TW" dirty="0"/>
               <a:t>Harvesting of </a:t>
             </a:r>
             <a:r>
-              <a:rPr lang="en-US" altLang="zh-TW" dirty="0" smtClean="0">
+              <a:rPr lang="en-US" altLang="zh-TW" dirty="0">
                 <a:solidFill>
                   <a:srgbClr val="0000FF"/>
                 </a:solidFill>
@@ -27143,39 +26746,39 @@
               <a:t>hidden</a:t>
             </a:r>
             <a:r>
-              <a:rPr lang="en-US" altLang="zh-TW" dirty="0" smtClean="0"/>
+              <a:rPr lang="en-US" altLang="zh-TW" dirty="0"/>
               <a:t> information in a time-sensitive manner</a:t>
             </a:r>
           </a:p>
           <a:p>
             <a:r>
-              <a:rPr lang="en-US" altLang="zh-TW" dirty="0" smtClean="0"/>
+              <a:rPr lang="en-US" altLang="zh-TW" dirty="0"/>
               <a:t>Newer techniques that leverage computational resources</a:t>
             </a:r>
           </a:p>
           <a:p>
             <a:r>
-              <a:rPr lang="en-US" altLang="zh-TW" dirty="0" smtClean="0"/>
+              <a:rPr lang="en-US" altLang="zh-TW" dirty="0"/>
               <a:t>Interdisciplinary </a:t>
             </a:r>
           </a:p>
           <a:p>
             <a:pPr lvl="1"/>
             <a:r>
-              <a:rPr lang="en-US" altLang="zh-TW" dirty="0" smtClean="0"/>
+              <a:rPr lang="en-US" altLang="zh-TW" dirty="0"/>
               <a:t>Mathematics, statistics, computer science, subject matter expertise</a:t>
             </a:r>
           </a:p>
           <a:p>
             <a:r>
-              <a:rPr lang="en-US" altLang="zh-TW" dirty="0" smtClean="0"/>
+              <a:rPr lang="en-US" altLang="zh-TW" dirty="0"/>
               <a:t>Benefits</a:t>
             </a:r>
           </a:p>
           <a:p>
             <a:pPr lvl="1"/>
             <a:r>
-              <a:rPr lang="en-US" altLang="zh-TW" dirty="0" smtClean="0"/>
+              <a:rPr lang="en-US" altLang="zh-TW" dirty="0"/>
               <a:t>Optimization, predictions, fault or fraud detection, improved decision making, discoveries</a:t>
             </a:r>
           </a:p>
@@ -27201,8 +26804,8 @@
           <a:lstStyle/>
           <a:p>
             <a:r>
-              <a:rPr lang="en-US" altLang="zh-TW" smtClean="0"/>
-              <a:t>Big Data Analytics, Fall 2023</a:t>
+              <a:rPr lang="en-US" altLang="zh-TW"/>
+              <a:t>Big Data Analytics, Fall 2024</a:t>
             </a:r>
             <a:endParaRPr lang="zh-TW" altLang="en-US"/>
           </a:p>
@@ -27224,8 +26827,8 @@
           <a:lstStyle/>
           <a:p>
             <a:r>
-              <a:rPr lang="en-US" altLang="zh-TW" smtClean="0"/>
-              <a:t>IMBA</a:t>
+              <a:rPr lang="en-US" altLang="zh-TW"/>
+              <a:t>IFM</a:t>
             </a:r>
             <a:endParaRPr lang="zh-TW" altLang="en-US"/>
           </a:p>
@@ -27264,13 +26867,6 @@
   <p:clrMapOvr>
     <a:masterClrMapping/>
   </p:clrMapOvr>
-  <p:timing>
-    <p:tnLst>
-      <p:par>
-        <p:cTn id="1" dur="indefinite" restart="never" nodeType="tmRoot"/>
-      </p:par>
-    </p:tnLst>
-  </p:timing>
 </p:sld>
 </file>
 
@@ -27307,10 +26903,10 @@
           <a:lstStyle/>
           <a:p>
             <a:r>
-              <a:rPr lang="en-US" altLang="zh-TW" smtClean="0"/>
+              <a:rPr lang="en-US" altLang="zh-TW"/>
               <a:t>What is Data Science?</a:t>
             </a:r>
-            <a:endParaRPr lang="zh-TW" altLang="en-US" smtClean="0"/>
+            <a:endParaRPr lang="zh-TW" altLang="en-US"/>
           </a:p>
         </p:txBody>
       </p:sp>
@@ -27468,10 +27064,9 @@
           </a:lstStyle>
           <a:p>
             <a:r>
-              <a:rPr kumimoji="0" lang="en-US" altLang="zh-TW" smtClean="0"/>
-              <a:t>Big Data Analytics, Fall 2023</a:t>
-            </a:r>
-            <a:endParaRPr kumimoji="0" lang="en-US" altLang="zh-TW"/>
+              <a:rPr kumimoji="0" lang="en-US" altLang="zh-TW"/>
+              <a:t>Big Data Analytics, Fall 2024</a:t>
+            </a:r>
           </a:p>
         </p:txBody>
       </p:sp>
@@ -27599,10 +27194,9 @@
           </a:lstStyle>
           <a:p>
             <a:r>
-              <a:rPr kumimoji="0" lang="en-US" altLang="zh-TW" smtClean="0"/>
-              <a:t>IMBA</a:t>
-            </a:r>
-            <a:endParaRPr kumimoji="0" lang="en-US" altLang="zh-TW" smtClean="0"/>
+              <a:rPr kumimoji="0" lang="en-US" altLang="zh-TW"/>
+              <a:t>IFM</a:t>
+            </a:r>
           </a:p>
         </p:txBody>
       </p:sp>
@@ -27734,7 +27328,7 @@
               <a:pPr/>
               <a:t>8</a:t>
             </a:fld>
-            <a:endParaRPr kumimoji="0" lang="en-US" altLang="zh-TW" smtClean="0"/>
+            <a:endParaRPr kumimoji="0" lang="en-US" altLang="zh-TW"/>
           </a:p>
         </p:txBody>
       </p:sp>
@@ -27748,13 +27342,6 @@
   <p:clrMapOvr>
     <a:masterClrMapping/>
   </p:clrMapOvr>
-  <p:timing>
-    <p:tnLst>
-      <p:par>
-        <p:cTn id="1" dur="indefinite" restart="never" nodeType="tmRoot"/>
-      </p:par>
-    </p:tnLst>
-  </p:timing>
 </p:sld>
 </file>
 
@@ -27791,7 +27378,7 @@
           <a:lstStyle/>
           <a:p>
             <a:r>
-              <a:rPr lang="en-US" altLang="zh-TW" dirty="0" smtClean="0"/>
+              <a:rPr lang="en-US" altLang="zh-TW" dirty="0"/>
               <a:t>Data Engineering vs. Data Analysis</a:t>
             </a:r>
             <a:endParaRPr lang="zh-TW" altLang="en-US" dirty="0"/>
@@ -27816,7 +27403,7 @@
           <a:lstStyle/>
           <a:p>
             <a:r>
-              <a:rPr lang="en-US" altLang="zh-TW" dirty="0" smtClean="0">
+              <a:rPr lang="en-US" altLang="zh-TW" dirty="0">
                 <a:solidFill>
                   <a:srgbClr val="0000FF"/>
                 </a:solidFill>
@@ -27824,33 +27411,33 @@
               <a:t>Data engineering</a:t>
             </a:r>
             <a:r>
-              <a:rPr lang="en-US" altLang="zh-TW" dirty="0" smtClean="0"/>
+              <a:rPr lang="en-US" altLang="zh-TW" dirty="0"/>
               <a:t>: designing and building infrastructure for integrating and managing data from various resources</a:t>
             </a:r>
           </a:p>
           <a:p>
             <a:pPr lvl="1"/>
             <a:r>
-              <a:rPr lang="en-US" altLang="zh-TW" dirty="0" smtClean="0"/>
+              <a:rPr lang="en-US" altLang="zh-TW" dirty="0"/>
               <a:t>MySQL, NoSQL, Hadoop, MapReduce</a:t>
             </a:r>
           </a:p>
           <a:p>
             <a:r>
-              <a:rPr lang="en-US" altLang="zh-TW" dirty="0" smtClean="0"/>
+              <a:rPr lang="en-US" altLang="zh-TW" dirty="0"/>
               <a:t>Data analysis: querying and processing data, providing reports, summarizing and visualizing data</a:t>
             </a:r>
           </a:p>
           <a:p>
             <a:pPr lvl="1"/>
             <a:r>
-              <a:rPr lang="en-US" altLang="zh-TW" dirty="0" smtClean="0"/>
+              <a:rPr lang="en-US" altLang="zh-TW" dirty="0"/>
               <a:t>Statistics, visualization, Excel, SAS, SPSS, …</a:t>
             </a:r>
           </a:p>
           <a:p>
             <a:r>
-              <a:rPr lang="en-US" altLang="zh-TW" dirty="0" smtClean="0">
+              <a:rPr lang="en-US" altLang="zh-TW" dirty="0">
                 <a:solidFill>
                   <a:srgbClr val="0000FF"/>
                 </a:solidFill>
@@ -27858,29 +27445,21 @@
               <a:t>Data science</a:t>
             </a:r>
             <a:r>
-              <a:rPr lang="en-US" altLang="zh-TW" dirty="0" smtClean="0"/>
-              <a:t>: applying </a:t>
-            </a:r>
-            <a:r>
               <a:rPr lang="en-US" altLang="zh-TW" dirty="0"/>
-              <a:t>statistics, machine learning and analytic approaches to solve critical business </a:t>
-            </a:r>
-            <a:r>
-              <a:rPr lang="en-US" altLang="zh-TW" dirty="0" smtClean="0"/>
-              <a:t>problems, and turning data into valuable and actionable insights</a:t>
+              <a:t>: applying statistics, machine learning and analytic approaches to solve critical business problems, and turning data into valuable and actionable insights</a:t>
             </a:r>
           </a:p>
           <a:p>
             <a:pPr lvl="1"/>
             <a:r>
-              <a:rPr lang="en-US" altLang="zh-TW" dirty="0" smtClean="0"/>
+              <a:rPr lang="en-US" altLang="zh-TW" dirty="0"/>
               <a:t>Advanced data analysis</a:t>
             </a:r>
           </a:p>
           <a:p>
             <a:pPr lvl="1"/>
             <a:r>
-              <a:rPr lang="en-US" altLang="zh-TW" dirty="0" smtClean="0"/>
+              <a:rPr lang="en-US" altLang="zh-TW" dirty="0"/>
               <a:t>Data mining tools, machine learning, statistics, …</a:t>
             </a:r>
             <a:endParaRPr lang="zh-TW" altLang="en-US" dirty="0"/>
@@ -27903,8 +27482,8 @@
           <a:lstStyle/>
           <a:p>
             <a:r>
-              <a:rPr lang="en-US" altLang="zh-TW" smtClean="0"/>
-              <a:t>Big Data Analytics, Fall 2023</a:t>
+              <a:rPr lang="en-US" altLang="zh-TW"/>
+              <a:t>Big Data Analytics, Fall 2024</a:t>
             </a:r>
             <a:endParaRPr lang="zh-TW" altLang="en-US"/>
           </a:p>
@@ -27926,8 +27505,8 @@
           <a:lstStyle/>
           <a:p>
             <a:r>
-              <a:rPr lang="en-US" altLang="zh-TW" smtClean="0"/>
-              <a:t>IMBA</a:t>
+              <a:rPr lang="en-US" altLang="zh-TW"/>
+              <a:t>IFM</a:t>
             </a:r>
             <a:endParaRPr lang="zh-TW" altLang="en-US"/>
           </a:p>
@@ -27966,13 +27545,6 @@
   <p:clrMapOvr>
     <a:masterClrMapping/>
   </p:clrMapOvr>
-  <p:timing>
-    <p:tnLst>
-      <p:par>
-        <p:cTn id="1" dur="indefinite" restart="never" nodeType="tmRoot"/>
-      </p:par>
-    </p:tnLst>
-  </p:timing>
 </p:sld>
 </file>
 

--- a/BDA_IFM/01-Introduction.pptx
+++ b/BDA_IFM/01-Introduction.pptx
@@ -238,7 +238,7 @@
           <a:p>
             <a:fld id="{268AB6CE-CE31-4FC7-8557-3932745726D8}" type="datetimeFigureOut">
               <a:rPr lang="zh-TW" altLang="en-US" smtClean="0"/>
-              <a:t>2024/9/20</a:t>
+              <a:t>2025/9/12</a:t>
             </a:fld>
             <a:endParaRPr lang="zh-TW" altLang="en-US"/>
           </a:p>
@@ -403,7 +403,7 @@
           <a:p>
             <a:fld id="{E076803C-FB85-4950-83A3-179C4E383B40}" type="datetimeFigureOut">
               <a:rPr lang="zh-TW" altLang="en-US" smtClean="0"/>
-              <a:t>2024/9/20</a:t>
+              <a:t>2025/9/12</a:t>
             </a:fld>
             <a:endParaRPr lang="zh-TW" altLang="en-US"/>
           </a:p>
@@ -2263,7 +2263,7 @@
           <a:p>
             <a:r>
               <a:rPr lang="en-US" altLang="zh-TW"/>
-              <a:t>Big Data Analytics, Fall 2024</a:t>
+              <a:t>Big Data Analytics, Fall 2025</a:t>
             </a:r>
             <a:endParaRPr lang="zh-TW" altLang="en-US"/>
           </a:p>
@@ -2435,7 +2435,7 @@
           <a:p>
             <a:r>
               <a:rPr lang="en-US" altLang="zh-TW"/>
-              <a:t>Big Data Analytics, Fall 2024</a:t>
+              <a:t>Big Data Analytics, Fall 2025</a:t>
             </a:r>
             <a:endParaRPr lang="zh-TW" altLang="en-US"/>
           </a:p>
@@ -2617,7 +2617,7 @@
           <a:p>
             <a:r>
               <a:rPr lang="en-US" altLang="zh-TW"/>
-              <a:t>Big Data Analytics, Fall 2024</a:t>
+              <a:t>Big Data Analytics, Fall 2025</a:t>
             </a:r>
             <a:endParaRPr lang="zh-TW" altLang="en-US"/>
           </a:p>
@@ -2789,7 +2789,7 @@
           <a:p>
             <a:r>
               <a:rPr lang="en-US" altLang="zh-TW"/>
-              <a:t>Big Data Analytics, Fall 2024</a:t>
+              <a:t>Big Data Analytics, Fall 2025</a:t>
             </a:r>
             <a:endParaRPr lang="zh-TW" altLang="en-US"/>
           </a:p>
@@ -3038,7 +3038,7 @@
           <a:p>
             <a:r>
               <a:rPr lang="en-US" altLang="zh-TW"/>
-              <a:t>Big Data Analytics, Fall 2024</a:t>
+              <a:t>Big Data Analytics, Fall 2025</a:t>
             </a:r>
             <a:endParaRPr lang="zh-TW" altLang="en-US"/>
           </a:p>
@@ -3271,7 +3271,7 @@
           <a:p>
             <a:r>
               <a:rPr lang="en-US" altLang="zh-TW"/>
-              <a:t>Big Data Analytics, Fall 2024</a:t>
+              <a:t>Big Data Analytics, Fall 2025</a:t>
             </a:r>
             <a:endParaRPr lang="zh-TW" altLang="en-US"/>
           </a:p>
@@ -3639,7 +3639,7 @@
           <a:p>
             <a:r>
               <a:rPr lang="en-US" altLang="zh-TW"/>
-              <a:t>Big Data Analytics, Fall 2024</a:t>
+              <a:t>Big Data Analytics, Fall 2025</a:t>
             </a:r>
             <a:endParaRPr lang="zh-TW" altLang="en-US"/>
           </a:p>
@@ -3760,7 +3760,7 @@
           <a:p>
             <a:r>
               <a:rPr lang="en-US" altLang="zh-TW"/>
-              <a:t>Big Data Analytics, Fall 2024</a:t>
+              <a:t>Big Data Analytics, Fall 2025</a:t>
             </a:r>
             <a:endParaRPr lang="zh-TW" altLang="en-US"/>
           </a:p>
@@ -3859,7 +3859,7 @@
           <a:p>
             <a:r>
               <a:rPr lang="en-US" altLang="zh-TW"/>
-              <a:t>Big Data Analytics, Fall 2024</a:t>
+              <a:t>Big Data Analytics, Fall 2025</a:t>
             </a:r>
             <a:endParaRPr lang="zh-TW" altLang="en-US"/>
           </a:p>
@@ -4138,7 +4138,7 @@
           <a:p>
             <a:r>
               <a:rPr lang="en-US" altLang="zh-TW"/>
-              <a:t>Big Data Analytics, Fall 2024</a:t>
+              <a:t>Big Data Analytics, Fall 2025</a:t>
             </a:r>
             <a:endParaRPr lang="zh-TW" altLang="en-US"/>
           </a:p>
@@ -4394,7 +4394,7 @@
           <a:p>
             <a:r>
               <a:rPr lang="en-US" altLang="zh-TW"/>
-              <a:t>Big Data Analytics, Fall 2024</a:t>
+              <a:t>Big Data Analytics, Fall 2025</a:t>
             </a:r>
             <a:endParaRPr lang="zh-TW" altLang="en-US"/>
           </a:p>
@@ -4609,7 +4609,7 @@
           <a:p>
             <a:r>
               <a:rPr lang="en-US" altLang="zh-TW"/>
-              <a:t>Big Data Analytics, Fall 2024</a:t>
+              <a:t>Big Data Analytics, Fall 2025</a:t>
             </a:r>
             <a:endParaRPr lang="zh-TW" altLang="en-US"/>
           </a:p>
@@ -5065,7 +5065,7 @@
           <a:p>
             <a:r>
               <a:rPr lang="en-US" altLang="zh-TW" dirty="0"/>
-              <a:t>Sep. 20, 2024</a:t>
+              <a:t>Sep. 16, 2025</a:t>
             </a:r>
             <a:endParaRPr lang="zh-TW" altLang="en-US" dirty="0"/>
           </a:p>
@@ -5088,7 +5088,7 @@
           <a:p>
             <a:r>
               <a:rPr lang="en-US" altLang="zh-TW"/>
-              <a:t>Big Data Analytics, Fall 2024</a:t>
+              <a:t>Big Data Analytics, Fall 2025</a:t>
             </a:r>
             <a:endParaRPr lang="zh-TW" altLang="en-US"/>
           </a:p>
@@ -5234,7 +5234,7 @@
             </a:r>
             <a:r>
               <a:rPr lang="en-US" altLang="zh-TW" dirty="0"/>
-              <a:t>in large data sets involving methods at the intersection of artificial intelligence, machine learning, statistics, and database systems. </a:t>
+              <a:t>in large data sets involving methods at the intersection of artificial intelligence, machine learning, statistics, and database systems </a:t>
             </a:r>
             <a:r>
               <a:rPr lang="en-US" altLang="zh-TW" dirty="0">
@@ -5375,7 +5375,7 @@
           <a:p>
             <a:r>
               <a:rPr kumimoji="0" lang="en-US" altLang="zh-TW"/>
-              <a:t>Big Data Analytics, Fall 2024</a:t>
+              <a:t>Big Data Analytics, Fall 2025</a:t>
             </a:r>
           </a:p>
         </p:txBody>
@@ -8743,7 +8743,7 @@
           <a:p>
             <a:r>
               <a:rPr lang="en-US" altLang="zh-TW"/>
-              <a:t>Big Data Analytics, Fall 2024</a:t>
+              <a:t>Big Data Analytics, Fall 2025</a:t>
             </a:r>
             <a:endParaRPr lang="zh-TW" altLang="en-US"/>
           </a:p>
@@ -8979,7 +8979,7 @@
           <a:p>
             <a:r>
               <a:rPr kumimoji="0" lang="en-US" altLang="zh-TW"/>
-              <a:t>Big Data Analytics, Fall 2024</a:t>
+              <a:t>Big Data Analytics, Fall 2025</a:t>
             </a:r>
           </a:p>
         </p:txBody>
@@ -9389,7 +9389,7 @@
           <a:p>
             <a:r>
               <a:rPr lang="en-US" altLang="zh-TW"/>
-              <a:t>Big Data Analytics, Fall 2024</a:t>
+              <a:t>Big Data Analytics, Fall 2025</a:t>
             </a:r>
             <a:endParaRPr lang="zh-TW" altLang="en-US"/>
           </a:p>
@@ -13968,7 +13968,7 @@
           <a:p>
             <a:r>
               <a:rPr lang="en-US" altLang="zh-TW"/>
-              <a:t>Big Data Analytics, Fall 2024</a:t>
+              <a:t>Big Data Analytics, Fall 2025</a:t>
             </a:r>
             <a:endParaRPr lang="zh-TW" altLang="en-US"/>
           </a:p>
@@ -14079,7 +14079,7 @@
           <a:p>
             <a:r>
               <a:rPr lang="en-US" altLang="zh-TW" dirty="0"/>
-              <a:t>Data-intensive computing is a class of parallel computing applications which use a data parallel approach to process large volumes of data typically terabytes or petabytes in size and typically referred to as big data. </a:t>
+              <a:t>Data-intensive computing is a class of parallel computing applications which use a data parallel approach to process large volumes of data typically terabytes or petabytes in size and typically referred to as big data </a:t>
             </a:r>
             <a:r>
               <a:rPr lang="en-US" altLang="zh-TW" dirty="0">
@@ -14226,7 +14226,7 @@
           <a:p>
             <a:r>
               <a:rPr kumimoji="0" lang="en-US" altLang="zh-TW"/>
-              <a:t>Big Data Analytics, Fall 2024</a:t>
+              <a:t>Big Data Analytics, Fall 2025</a:t>
             </a:r>
           </a:p>
         </p:txBody>
@@ -14654,7 +14654,7 @@
             </a:pPr>
             <a:r>
               <a:rPr lang="en-US" altLang="zh-TW"/>
-              <a:t>Big Data Analytics, Fall 2024</a:t>
+              <a:t>Big Data Analytics, Fall 2025</a:t>
             </a:r>
           </a:p>
         </p:txBody>
@@ -14848,7 +14848,7 @@
             </a:pPr>
             <a:r>
               <a:rPr lang="en-US" altLang="zh-TW"/>
-              <a:t>Big Data Analytics, Fall 2024</a:t>
+              <a:t>Big Data Analytics, Fall 2025</a:t>
             </a:r>
           </a:p>
         </p:txBody>
@@ -15037,7 +15037,7 @@
             </a:pPr>
             <a:r>
               <a:rPr lang="en-US" altLang="zh-TW"/>
-              <a:t>Big Data Analytics, Fall 2024</a:t>
+              <a:t>Big Data Analytics, Fall 2025</a:t>
             </a:r>
           </a:p>
         </p:txBody>
@@ -15226,7 +15226,7 @@
             </a:pPr>
             <a:r>
               <a:rPr lang="en-US" altLang="zh-TW"/>
-              <a:t>Big Data Analytics, Fall 2024</a:t>
+              <a:t>Big Data Analytics, Fall 2025</a:t>
             </a:r>
           </a:p>
         </p:txBody>
@@ -15390,7 +15390,7 @@
           <a:p>
             <a:r>
               <a:rPr lang="en-US" altLang="zh-TW"/>
-              <a:t>Big Data Analytics, Fall 2024</a:t>
+              <a:t>Big Data Analytics, Fall 2025</a:t>
             </a:r>
             <a:endParaRPr lang="zh-TW" altLang="en-US"/>
           </a:p>
@@ -15576,7 +15576,7 @@
             </a:pPr>
             <a:r>
               <a:rPr lang="en-US" altLang="zh-TW"/>
-              <a:t>Big Data Analytics, Fall 2024</a:t>
+              <a:t>Big Data Analytics, Fall 2025</a:t>
             </a:r>
           </a:p>
         </p:txBody>
@@ -15771,7 +15771,7 @@
           <a:p>
             <a:r>
               <a:rPr lang="en-US" altLang="zh-TW"/>
-              <a:t>Big Data Analytics, Fall 2024</a:t>
+              <a:t>Big Data Analytics, Fall 2025</a:t>
             </a:r>
             <a:endParaRPr lang="zh-TW" altLang="en-US"/>
           </a:p>
@@ -15911,6 +15911,13 @@
             </a:r>
           </a:p>
           <a:p>
+            <a:pPr lvl="2"/>
+            <a:r>
+              <a:rPr lang="en-US" altLang="zh-TW" dirty="0"/>
+              <a:t>e.g.: Google Flu Trends</a:t>
+            </a:r>
+          </a:p>
+          <a:p>
             <a:pPr lvl="1"/>
             <a:r>
               <a:rPr lang="en-US" altLang="zh-TW" dirty="0"/>
@@ -15950,7 +15957,7 @@
             </a:pPr>
             <a:r>
               <a:rPr lang="en-US" altLang="zh-TW"/>
-              <a:t>Big Data Analytics, Fall 2024</a:t>
+              <a:t>Big Data Analytics, Fall 2025</a:t>
             </a:r>
             <a:endParaRPr lang="en-US" altLang="zh-TW" dirty="0"/>
           </a:p>
@@ -16175,7 +16182,7 @@
           <a:p>
             <a:r>
               <a:rPr lang="en-US" altLang="zh-TW"/>
-              <a:t>Big Data Analytics, Fall 2024</a:t>
+              <a:t>Big Data Analytics, Fall 2025</a:t>
             </a:r>
             <a:endParaRPr lang="zh-TW" altLang="en-US"/>
           </a:p>
@@ -19413,7 +19420,7 @@
           <a:p>
             <a:r>
               <a:rPr lang="en-US" altLang="zh-TW"/>
-              <a:t>Big Data Analytics, Fall 2024</a:t>
+              <a:t>Big Data Analytics, Fall 2025</a:t>
             </a:r>
             <a:endParaRPr lang="zh-TW" altLang="en-US"/>
           </a:p>
@@ -19681,10 +19688,31 @@
               </a:lnSpc>
             </a:pPr>
             <a:r>
-              <a:rPr lang="en-US" altLang="zh-TW" sz="2400">
+              <a:rPr lang="en-US" altLang="zh-TW" sz="2400" dirty="0">
+                <a:solidFill>
+                  <a:srgbClr val="0000FF"/>
+                </a:solidFill>
                 <a:ea typeface="新細明體" panose="02020500000000000000" pitchFamily="18" charset="-120"/>
               </a:rPr>
-              <a:t>Frequent patterns (or frequent itemsets)</a:t>
+              <a:t>Frequent patterns </a:t>
+            </a:r>
+            <a:r>
+              <a:rPr lang="en-US" altLang="zh-TW" sz="2400" dirty="0">
+                <a:ea typeface="新細明體" panose="02020500000000000000" pitchFamily="18" charset="-120"/>
+              </a:rPr>
+              <a:t>(or frequent </a:t>
+            </a:r>
+            <a:r>
+              <a:rPr lang="en-US" altLang="zh-TW" sz="2400" dirty="0" err="1">
+                <a:ea typeface="新細明體" panose="02020500000000000000" pitchFamily="18" charset="-120"/>
+              </a:rPr>
+              <a:t>itemsets</a:t>
+            </a:r>
+            <a:r>
+              <a:rPr lang="en-US" altLang="zh-TW" sz="2400" dirty="0">
+                <a:ea typeface="新細明體" panose="02020500000000000000" pitchFamily="18" charset="-120"/>
+              </a:rPr>
+              <a:t>)</a:t>
             </a:r>
           </a:p>
           <a:p>
@@ -19694,7 +19722,7 @@
               </a:lnSpc>
             </a:pPr>
             <a:r>
-              <a:rPr lang="en-US" altLang="zh-TW">
+              <a:rPr lang="en-US" altLang="zh-TW" dirty="0">
                 <a:ea typeface="新細明體" panose="02020500000000000000" pitchFamily="18" charset="-120"/>
               </a:rPr>
               <a:t>What items are frequently purchased together in your Walmart?</a:t>
@@ -19707,10 +19735,19 @@
               </a:lnSpc>
             </a:pPr>
             <a:r>
-              <a:rPr lang="en-US" altLang="zh-TW" sz="2400">
+              <a:rPr lang="en-US" altLang="zh-TW" sz="2400" dirty="0">
+                <a:solidFill>
+                  <a:srgbClr val="0000FF"/>
+                </a:solidFill>
                 <a:ea typeface="新細明體" panose="02020500000000000000" pitchFamily="18" charset="-120"/>
               </a:rPr>
-              <a:t>Association, correlation vs. causality</a:t>
+              <a:t>Association</a:t>
+            </a:r>
+            <a:r>
+              <a:rPr lang="en-US" altLang="zh-TW" sz="2400" dirty="0">
+                <a:ea typeface="新細明體" panose="02020500000000000000" pitchFamily="18" charset="-120"/>
+              </a:rPr>
+              <a:t>, correlation vs. causality</a:t>
             </a:r>
           </a:p>
           <a:p>
@@ -19720,7 +19757,7 @@
               </a:lnSpc>
             </a:pPr>
             <a:r>
-              <a:rPr lang="en-US" altLang="zh-TW">
+              <a:rPr lang="en-US" altLang="zh-TW" dirty="0">
                 <a:ea typeface="新細明體" panose="02020500000000000000" pitchFamily="18" charset="-120"/>
               </a:rPr>
               <a:t>A typical association rule</a:t>
@@ -19733,20 +19770,20 @@
               </a:lnSpc>
             </a:pPr>
             <a:r>
-              <a:rPr lang="en-US" altLang="zh-TW">
+              <a:rPr lang="en-US" altLang="zh-TW" dirty="0">
                 <a:ea typeface="新細明體" panose="02020500000000000000" pitchFamily="18" charset="-120"/>
               </a:rPr>
               <a:t>Diaper </a:t>
             </a:r>
             <a:r>
-              <a:rPr lang="en-US" altLang="zh-TW">
+              <a:rPr lang="en-US" altLang="zh-TW" dirty="0">
                 <a:ea typeface="新細明體" panose="02020500000000000000" pitchFamily="18" charset="-120"/>
                 <a:sym typeface="Wingdings" panose="05000000000000000000" pitchFamily="2" charset="2"/>
               </a:rPr>
               <a:t></a:t>
             </a:r>
             <a:r>
-              <a:rPr lang="en-US" altLang="zh-TW">
+              <a:rPr lang="en-US" altLang="zh-TW" dirty="0">
                 <a:ea typeface="新細明體" panose="02020500000000000000" pitchFamily="18" charset="-120"/>
               </a:rPr>
               <a:t> Beer [0.5%, 75%]  (support, confidence)</a:t>
@@ -19759,7 +19796,7 @@
               </a:lnSpc>
             </a:pPr>
             <a:r>
-              <a:rPr lang="en-US" altLang="zh-TW">
+              <a:rPr lang="en-US" altLang="zh-TW" dirty="0">
                 <a:ea typeface="新細明體" panose="02020500000000000000" pitchFamily="18" charset="-120"/>
               </a:rPr>
               <a:t>Are strongly associated items also strongly correlated?</a:t>
@@ -19772,7 +19809,7 @@
               </a:lnSpc>
             </a:pPr>
             <a:r>
-              <a:rPr lang="en-US" altLang="zh-TW" sz="2400">
+              <a:rPr lang="en-US" altLang="zh-TW" sz="2400" dirty="0">
                 <a:ea typeface="新細明體" panose="02020500000000000000" pitchFamily="18" charset="-120"/>
               </a:rPr>
               <a:t>How to mine such patterns and rules efficiently in large datasets?</a:t>
@@ -19785,7 +19822,7 @@
               </a:lnSpc>
             </a:pPr>
             <a:r>
-              <a:rPr lang="en-US" altLang="zh-TW" sz="2400">
+              <a:rPr lang="en-US" altLang="zh-TW" sz="2400" dirty="0">
                 <a:ea typeface="新細明體" panose="02020500000000000000" pitchFamily="18" charset="-120"/>
               </a:rPr>
               <a:t>How to use such patterns for classification, clustering, and other applications?</a:t>
@@ -19810,7 +19847,7 @@
           <a:p>
             <a:r>
               <a:rPr lang="en-US" altLang="zh-TW"/>
-              <a:t>Big Data Analytics, Fall 2024</a:t>
+              <a:t>Big Data Analytics, Fall 2025</a:t>
             </a:r>
             <a:endParaRPr lang="zh-TW" altLang="en-US"/>
           </a:p>
@@ -20078,10 +20115,19 @@
               </a:lnSpc>
             </a:pPr>
             <a:r>
-              <a:rPr lang="en-US" altLang="zh-TW" sz="2000">
+              <a:rPr lang="en-US" altLang="zh-TW" sz="2000" dirty="0">
+                <a:solidFill>
+                  <a:srgbClr val="0000FF"/>
+                </a:solidFill>
                 <a:ea typeface="新細明體" panose="02020500000000000000" pitchFamily="18" charset="-120"/>
               </a:rPr>
-              <a:t>Classification and label prediction  </a:t>
+              <a:t>Classification</a:t>
+            </a:r>
+            <a:r>
+              <a:rPr lang="en-US" altLang="zh-TW" sz="2000" dirty="0">
+                <a:ea typeface="新細明體" panose="02020500000000000000" pitchFamily="18" charset="-120"/>
+              </a:rPr>
+              <a:t> and label prediction  </a:t>
             </a:r>
           </a:p>
           <a:p>
@@ -20091,7 +20137,7 @@
               </a:lnSpc>
             </a:pPr>
             <a:r>
-              <a:rPr lang="en-US" altLang="zh-TW" sz="2000">
+              <a:rPr lang="en-US" altLang="zh-TW" sz="2000" dirty="0">
                 <a:ea typeface="新細明體" panose="02020500000000000000" pitchFamily="18" charset="-120"/>
               </a:rPr>
               <a:t>Construct models (functions) based on some training examples</a:t>
@@ -20104,7 +20150,7 @@
               </a:lnSpc>
             </a:pPr>
             <a:r>
-              <a:rPr lang="en-US" altLang="zh-TW" sz="2000">
+              <a:rPr lang="en-US" altLang="zh-TW" sz="2000" dirty="0">
                 <a:ea typeface="新細明體" panose="02020500000000000000" pitchFamily="18" charset="-120"/>
               </a:rPr>
               <a:t>Describe and distinguish classes or concepts for future prediction</a:t>
@@ -20117,7 +20163,7 @@
               </a:lnSpc>
             </a:pPr>
             <a:r>
-              <a:rPr lang="en-US" altLang="zh-TW">
+              <a:rPr lang="en-US" altLang="zh-TW" dirty="0">
                 <a:ea typeface="新細明體" panose="02020500000000000000" pitchFamily="18" charset="-120"/>
               </a:rPr>
               <a:t>E.g., classify countries based on (climate), or classify cars based on (gas mileage)</a:t>
@@ -20130,7 +20176,7 @@
               </a:lnSpc>
             </a:pPr>
             <a:r>
-              <a:rPr lang="en-US" altLang="zh-TW" sz="2000">
+              <a:rPr lang="en-US" altLang="zh-TW" sz="2000" dirty="0">
                 <a:ea typeface="新細明體" panose="02020500000000000000" pitchFamily="18" charset="-120"/>
               </a:rPr>
               <a:t>Predict some unknown class labels</a:t>
@@ -20143,7 +20189,7 @@
               </a:lnSpc>
             </a:pPr>
             <a:r>
-              <a:rPr lang="en-US" altLang="zh-TW" sz="2000">
+              <a:rPr lang="en-US" altLang="zh-TW" sz="2000" dirty="0">
                 <a:ea typeface="新細明體" panose="02020500000000000000" pitchFamily="18" charset="-120"/>
               </a:rPr>
               <a:t>Typical methods</a:t>
@@ -20156,7 +20202,7 @@
               </a:lnSpc>
             </a:pPr>
             <a:r>
-              <a:rPr lang="en-US" altLang="zh-TW" sz="2000">
+              <a:rPr lang="en-US" altLang="zh-TW" sz="2000" dirty="0">
                 <a:ea typeface="新細明體" panose="02020500000000000000" pitchFamily="18" charset="-120"/>
               </a:rPr>
               <a:t>Decision trees, naïve Bayesian classification, support vector machines, neural networks, rule-based classification, pattern-based classification, logistic regression, …</a:t>
@@ -20169,7 +20215,7 @@
               </a:lnSpc>
             </a:pPr>
             <a:r>
-              <a:rPr lang="en-US" altLang="zh-TW" sz="2000">
+              <a:rPr lang="en-US" altLang="zh-TW" sz="2000" dirty="0">
                 <a:ea typeface="新細明體" panose="02020500000000000000" pitchFamily="18" charset="-120"/>
               </a:rPr>
               <a:t>Typical applications:</a:t>
@@ -20182,7 +20228,7 @@
               </a:lnSpc>
             </a:pPr>
             <a:r>
-              <a:rPr lang="en-US" altLang="zh-TW" sz="2000">
+              <a:rPr lang="en-US" altLang="zh-TW" sz="2000" dirty="0">
                 <a:ea typeface="新細明體" panose="02020500000000000000" pitchFamily="18" charset="-120"/>
               </a:rPr>
               <a:t>Credit card fraud detection, direct marketing, classifying stars, diseases,  web-pages, …</a:t>
@@ -20207,7 +20253,7 @@
           <a:p>
             <a:r>
               <a:rPr lang="en-US" altLang="zh-TW"/>
-              <a:t>Big Data Analytics, Fall 2024</a:t>
+              <a:t>Big Data Analytics, Fall 2025</a:t>
             </a:r>
             <a:endParaRPr lang="zh-TW" altLang="en-US"/>
           </a:p>
@@ -20472,7 +20518,7 @@
               </a:lnSpc>
             </a:pPr>
             <a:r>
-              <a:rPr lang="en-US" altLang="zh-TW" sz="2400">
+              <a:rPr lang="en-US" altLang="zh-TW" sz="2400" dirty="0">
                 <a:ea typeface="新細明體" panose="02020500000000000000" pitchFamily="18" charset="-120"/>
               </a:rPr>
               <a:t>Unsupervised learning (i.e., Class label is unknown)</a:t>
@@ -20485,7 +20531,7 @@
               </a:lnSpc>
             </a:pPr>
             <a:r>
-              <a:rPr lang="en-US" altLang="zh-TW" sz="2400">
+              <a:rPr lang="en-US" altLang="zh-TW" sz="2400" dirty="0">
                 <a:ea typeface="新細明體" panose="02020500000000000000" pitchFamily="18" charset="-120"/>
               </a:rPr>
               <a:t>Group data to form new categories (i.e., clusters), e.g., cluster houses to find distribution patterns</a:t>
@@ -20498,10 +20544,19 @@
               </a:lnSpc>
             </a:pPr>
             <a:r>
-              <a:rPr lang="en-US" altLang="zh-TW" sz="2400">
+              <a:rPr lang="en-US" altLang="zh-TW" sz="2400" dirty="0">
                 <a:ea typeface="新細明體" panose="02020500000000000000" pitchFamily="18" charset="-120"/>
               </a:rPr>
-              <a:t>Principle: Maximizing intra-class similarity &amp; minimizing interclass similarity</a:t>
+              <a:t>Principle: </a:t>
+            </a:r>
+            <a:r>
+              <a:rPr lang="en-US" altLang="zh-TW" sz="2400" dirty="0">
+                <a:solidFill>
+                  <a:srgbClr val="0000FF"/>
+                </a:solidFill>
+                <a:ea typeface="新細明體" panose="02020500000000000000" pitchFamily="18" charset="-120"/>
+              </a:rPr>
+              <a:t>Maximizing intra-class similarity &amp; minimizing interclass similarity</a:t>
             </a:r>
           </a:p>
           <a:p>
@@ -20511,7 +20566,7 @@
               </a:lnSpc>
             </a:pPr>
             <a:r>
-              <a:rPr lang="en-US" altLang="zh-TW" sz="2400">
+              <a:rPr lang="en-US" altLang="zh-TW" sz="2400" dirty="0">
                 <a:ea typeface="新細明體" panose="02020500000000000000" pitchFamily="18" charset="-120"/>
               </a:rPr>
               <a:t>Many methods and applications</a:t>
@@ -20536,7 +20591,7 @@
           <a:p>
             <a:r>
               <a:rPr lang="en-US" altLang="zh-TW"/>
-              <a:t>Big Data Analytics, Fall 2024</a:t>
+              <a:t>Big Data Analytics, Fall 2025</a:t>
             </a:r>
             <a:endParaRPr lang="zh-TW" altLang="en-US"/>
           </a:p>
@@ -20773,7 +20828,7 @@
           <a:p>
             <a:r>
               <a:rPr kumimoji="0" lang="en-US" altLang="zh-TW"/>
-              <a:t>Big Data Analytics, Fall 2024</a:t>
+              <a:t>Big Data Analytics, Fall 2025</a:t>
             </a:r>
           </a:p>
         </p:txBody>
@@ -21248,7 +21303,7 @@
           <a:p>
             <a:r>
               <a:rPr kumimoji="0" lang="en-US" altLang="zh-TW"/>
-              <a:t>Big Data Analytics, Fall 2024</a:t>
+              <a:t>Big Data Analytics, Fall 2025</a:t>
             </a:r>
           </a:p>
         </p:txBody>
@@ -21878,7 +21933,7 @@
               <a:rPr kumimoji="0" lang="en-US" altLang="zh-TW" sz="1400">
                 <a:latin typeface="Arial" panose="020B0604020202020204" pitchFamily="34" charset="0"/>
               </a:rPr>
-              <a:t>Big Data Analytics, Fall 2024</a:t>
+              <a:t>Big Data Analytics, Fall 2025</a:t>
             </a:r>
           </a:p>
         </p:txBody>
@@ -22318,7 +22373,7 @@
           <a:p>
             <a:r>
               <a:rPr lang="en-US" altLang="zh-TW"/>
-              <a:t>Big Data Analytics, Fall 2024</a:t>
+              <a:t>Big Data Analytics, Fall 2025</a:t>
             </a:r>
             <a:endParaRPr lang="zh-TW" altLang="en-US"/>
           </a:p>
@@ -22578,7 +22633,7 @@
           <a:p>
             <a:r>
               <a:rPr kumimoji="0" lang="en-US" altLang="zh-TW"/>
-              <a:t>Big Data Analytics, Fall 2024</a:t>
+              <a:t>Big Data Analytics, Fall 2025</a:t>
             </a:r>
           </a:p>
         </p:txBody>
@@ -23066,7 +23121,7 @@
           <a:p>
             <a:r>
               <a:rPr kumimoji="0" lang="en-US" altLang="zh-TW"/>
-              <a:t>Big Data Analytics, Fall 2024</a:t>
+              <a:t>Big Data Analytics, Fall 2025</a:t>
             </a:r>
           </a:p>
         </p:txBody>
@@ -23454,7 +23509,7 @@
           <a:p>
             <a:r>
               <a:rPr lang="en-US" altLang="zh-TW"/>
-              <a:t>Big Data Analytics, Fall 2024</a:t>
+              <a:t>Big Data Analytics, Fall 2025</a:t>
             </a:r>
             <a:endParaRPr lang="zh-TW" altLang="en-US"/>
           </a:p>
@@ -23763,7 +23818,7 @@
           <a:p>
             <a:r>
               <a:rPr lang="en-US" altLang="zh-TW"/>
-              <a:t>Big Data Analytics, Fall 2024</a:t>
+              <a:t>Big Data Analytics, Fall 2025</a:t>
             </a:r>
             <a:endParaRPr lang="zh-TW" altLang="en-US"/>
           </a:p>
@@ -24076,7 +24131,7 @@
           <a:p>
             <a:r>
               <a:rPr lang="en-US" altLang="zh-TW"/>
-              <a:t>Big Data Analytics, Fall 2024</a:t>
+              <a:t>Big Data Analytics, Fall 2025</a:t>
             </a:r>
             <a:endParaRPr lang="zh-TW" altLang="en-US"/>
           </a:p>
@@ -24339,7 +24394,7 @@
           <a:p>
             <a:r>
               <a:rPr kumimoji="0" lang="en-US" altLang="zh-TW"/>
-              <a:t>Big Data Analytics, Fall 2024</a:t>
+              <a:t>Big Data Analytics, Fall 2025</a:t>
             </a:r>
             <a:endParaRPr kumimoji="0" lang="zh-TW" altLang="en-US"/>
           </a:p>
@@ -24816,7 +24871,7 @@
           <a:p>
             <a:r>
               <a:rPr kumimoji="0" lang="en-US" altLang="zh-TW"/>
-              <a:t>Big Data Analytics, Fall 2024</a:t>
+              <a:t>Big Data Analytics, Fall 2025</a:t>
             </a:r>
             <a:endParaRPr kumimoji="0" lang="zh-TW" altLang="en-US"/>
           </a:p>
@@ -25360,7 +25415,7 @@
           <a:p>
             <a:r>
               <a:rPr lang="en-US" altLang="zh-TW"/>
-              <a:t>Big Data Analytics, Fall 2024</a:t>
+              <a:t>Big Data Analytics, Fall 2025</a:t>
             </a:r>
             <a:endParaRPr lang="zh-TW" altLang="en-US"/>
           </a:p>
@@ -25501,7 +25556,7 @@
           <a:p>
             <a:r>
               <a:rPr lang="en-US" altLang="zh-TW"/>
-              <a:t>Big Data Analytics, Fall 2024</a:t>
+              <a:t>Big Data Analytics, Fall 2025</a:t>
             </a:r>
             <a:endParaRPr lang="zh-TW" altLang="en-US"/>
           </a:p>
@@ -25696,7 +25751,7 @@
           <a:p>
             <a:r>
               <a:rPr lang="en-US" altLang="zh-TW"/>
-              <a:t>Big Data Analytics, Fall 2024</a:t>
+              <a:t>Big Data Analytics, Fall 2025</a:t>
             </a:r>
             <a:endParaRPr lang="zh-TW" altLang="en-US"/>
           </a:p>
@@ -26081,7 +26136,7 @@
               <a:rPr kumimoji="0" lang="en-US" altLang="zh-TW" sz="1400">
                 <a:latin typeface="Arial" panose="020B0604020202020204" pitchFamily="34" charset="0"/>
               </a:rPr>
-              <a:t>Big Data Analytics, Fall 2024</a:t>
+              <a:t>Big Data Analytics, Fall 2025</a:t>
             </a:r>
           </a:p>
         </p:txBody>
@@ -26568,7 +26623,7 @@
           <a:p>
             <a:r>
               <a:rPr lang="en-US" altLang="zh-TW"/>
-              <a:t>Big Data Analytics, Fall 2024</a:t>
+              <a:t>Big Data Analytics, Fall 2025</a:t>
             </a:r>
             <a:endParaRPr lang="zh-TW" altLang="en-US"/>
           </a:p>
@@ -26805,7 +26860,7 @@
           <a:p>
             <a:r>
               <a:rPr lang="en-US" altLang="zh-TW"/>
-              <a:t>Big Data Analytics, Fall 2024</a:t>
+              <a:t>Big Data Analytics, Fall 2025</a:t>
             </a:r>
             <a:endParaRPr lang="zh-TW" altLang="en-US"/>
           </a:p>
@@ -27065,7 +27120,7 @@
           <a:p>
             <a:r>
               <a:rPr kumimoji="0" lang="en-US" altLang="zh-TW"/>
-              <a:t>Big Data Analytics, Fall 2024</a:t>
+              <a:t>Big Data Analytics, Fall 2025</a:t>
             </a:r>
           </a:p>
         </p:txBody>
@@ -27483,7 +27538,7 @@
           <a:p>
             <a:r>
               <a:rPr lang="en-US" altLang="zh-TW"/>
-              <a:t>Big Data Analytics, Fall 2024</a:t>
+              <a:t>Big Data Analytics, Fall 2025</a:t>
             </a:r>
             <a:endParaRPr lang="zh-TW" altLang="en-US"/>
           </a:p>
